--- a/React.pptx
+++ b/React.pptx
@@ -3938,7 +3938,35 @@
             </a:pPr>
             <a:r>
               <a:rPr lang="ru-RU" dirty="0"/>
-              <a:t>и запустить проект:</a:t>
+              <a:t>Где </a:t>
+            </a:r>
+            <a:r>
+              <a:rPr lang="en-US" dirty="0"/>
+              <a:t>app-name –</a:t>
+            </a:r>
+            <a:r>
+              <a:rPr lang="ru-RU" dirty="0"/>
+              <a:t> название проекта</a:t>
+            </a:r>
+            <a:endParaRPr lang="en-US" dirty="0"/>
+          </a:p>
+          <a:p>
+            <a:pPr marL="0" indent="0">
+              <a:buNone/>
+            </a:pPr>
+            <a:endParaRPr lang="en-US" b="1" dirty="0"/>
+          </a:p>
+          <a:p>
+            <a:pPr marL="0" indent="0">
+              <a:buNone/>
+            </a:pPr>
+            <a:r>
+              <a:rPr lang="ru-RU"/>
+              <a:t>Запустить </a:t>
+            </a:r>
+            <a:r>
+              <a:rPr lang="ru-RU" dirty="0"/>
+              <a:t>проект:</a:t>
             </a:r>
           </a:p>
           <a:p>

--- a/React.pptx
+++ b/React.pptx
@@ -3961,12 +3961,8 @@
               <a:buNone/>
             </a:pPr>
             <a:r>
-              <a:rPr lang="ru-RU"/>
-              <a:t>Запустить </a:t>
-            </a:r>
-            <a:r>
               <a:rPr lang="ru-RU" dirty="0"/>
-              <a:t>проект:</a:t>
+              <a:t>Запустить проект:</a:t>
             </a:r>
           </a:p>
           <a:p>
@@ -3988,8 +3984,20 @@
             </a:pPr>
             <a:r>
               <a:rPr lang="ru-RU" dirty="0"/>
-              <a:t>В итоге откроется браузер со страницей</a:t>
-            </a:r>
+              <a:t>В итоге откроется браузер со страницей:</a:t>
+            </a:r>
+          </a:p>
+          <a:p>
+            <a:pPr marL="0" indent="0">
+              <a:buNone/>
+            </a:pPr>
+            <a:r>
+              <a:rPr lang="en-US" dirty="0">
+                <a:hlinkClick r:id="rId2"/>
+              </a:rPr>
+              <a:t>http://localhost:3000/</a:t>
+            </a:r>
+            <a:endParaRPr lang="ru-RU" dirty="0"/>
           </a:p>
         </p:txBody>
       </p:sp>
@@ -4008,7 +4016,7 @@
           <p:nvPr/>
         </p:nvPicPr>
         <p:blipFill>
-          <a:blip r:embed="rId2">
+          <a:blip r:embed="rId3">
             <a:extLst>
               <a:ext uri="{28A0092B-C50C-407E-A947-70E740481C1C}">
                 <a14:useLocalDpi xmlns:a14="http://schemas.microsoft.com/office/drawing/2010/main" val="0"/>

--- a/React.pptx
+++ b/React.pptx
@@ -5,26 +5,41 @@
     <p:sldMasterId id="2147483648" r:id="rId1"/>
   </p:sldMasterIdLst>
   <p:notesMasterIdLst>
-    <p:notesMasterId r:id="rId16"/>
+    <p:notesMasterId r:id="rId31"/>
   </p:notesMasterIdLst>
   <p:handoutMasterIdLst>
-    <p:handoutMasterId r:id="rId17"/>
+    <p:handoutMasterId r:id="rId32"/>
   </p:handoutMasterIdLst>
   <p:sldIdLst>
     <p:sldId id="256" r:id="rId2"/>
     <p:sldId id="257" r:id="rId3"/>
-    <p:sldId id="258" r:id="rId4"/>
-    <p:sldId id="259" r:id="rId5"/>
-    <p:sldId id="260" r:id="rId6"/>
-    <p:sldId id="261" r:id="rId7"/>
-    <p:sldId id="265" r:id="rId8"/>
-    <p:sldId id="262" r:id="rId9"/>
-    <p:sldId id="266" r:id="rId10"/>
-    <p:sldId id="263" r:id="rId11"/>
-    <p:sldId id="267" r:id="rId12"/>
-    <p:sldId id="264" r:id="rId13"/>
-    <p:sldId id="268" r:id="rId14"/>
-    <p:sldId id="269" r:id="rId15"/>
+    <p:sldId id="270" r:id="rId4"/>
+    <p:sldId id="258" r:id="rId5"/>
+    <p:sldId id="259" r:id="rId6"/>
+    <p:sldId id="260" r:id="rId7"/>
+    <p:sldId id="261" r:id="rId8"/>
+    <p:sldId id="265" r:id="rId9"/>
+    <p:sldId id="271" r:id="rId10"/>
+    <p:sldId id="272" r:id="rId11"/>
+    <p:sldId id="273" r:id="rId12"/>
+    <p:sldId id="274" r:id="rId13"/>
+    <p:sldId id="275" r:id="rId14"/>
+    <p:sldId id="276" r:id="rId15"/>
+    <p:sldId id="277" r:id="rId16"/>
+    <p:sldId id="278" r:id="rId17"/>
+    <p:sldId id="279" r:id="rId18"/>
+    <p:sldId id="280" r:id="rId19"/>
+    <p:sldId id="262" r:id="rId20"/>
+    <p:sldId id="266" r:id="rId21"/>
+    <p:sldId id="281" r:id="rId22"/>
+    <p:sldId id="282" r:id="rId23"/>
+    <p:sldId id="283" r:id="rId24"/>
+    <p:sldId id="284" r:id="rId25"/>
+    <p:sldId id="263" r:id="rId26"/>
+    <p:sldId id="267" r:id="rId27"/>
+    <p:sldId id="264" r:id="rId28"/>
+    <p:sldId id="268" r:id="rId29"/>
+    <p:sldId id="269" r:id="rId30"/>
   </p:sldIdLst>
   <p:sldSz cx="12192000" cy="6858000"/>
   <p:notesSz cx="6858000" cy="9144000"/>
@@ -134,6 +149,2604 @@
 </p:presentation>
 </file>
 
+<file path=ppt/diagrams/colors1.xml><?xml version="1.0" encoding="utf-8"?>
+<dgm:colorsDef xmlns:dgm="http://schemas.openxmlformats.org/drawingml/2006/diagram" xmlns:a="http://schemas.openxmlformats.org/drawingml/2006/main" uniqueId="urn:microsoft.com/office/officeart/2005/8/colors/accent1_2">
+  <dgm:title val=""/>
+  <dgm:desc val=""/>
+  <dgm:catLst>
+    <dgm:cat type="accent1" pri="11200"/>
+  </dgm:catLst>
+  <dgm:styleLbl name="node0">
+    <dgm:fillClrLst meth="repeat">
+      <a:schemeClr val="accent1"/>
+    </dgm:fillClrLst>
+    <dgm:linClrLst meth="repeat">
+      <a:schemeClr val="lt1"/>
+    </dgm:linClrLst>
+    <dgm:effectClrLst/>
+    <dgm:txLinClrLst/>
+    <dgm:txFillClrLst/>
+    <dgm:txEffectClrLst/>
+  </dgm:styleLbl>
+  <dgm:styleLbl name="alignNode1">
+    <dgm:fillClrLst meth="repeat">
+      <a:schemeClr val="accent1"/>
+    </dgm:fillClrLst>
+    <dgm:linClrLst meth="repeat">
+      <a:schemeClr val="accent1"/>
+    </dgm:linClrLst>
+    <dgm:effectClrLst/>
+    <dgm:txLinClrLst/>
+    <dgm:txFillClrLst/>
+    <dgm:txEffectClrLst/>
+  </dgm:styleLbl>
+  <dgm:styleLbl name="node1">
+    <dgm:fillClrLst meth="repeat">
+      <a:schemeClr val="accent1"/>
+    </dgm:fillClrLst>
+    <dgm:linClrLst meth="repeat">
+      <a:schemeClr val="lt1"/>
+    </dgm:linClrLst>
+    <dgm:effectClrLst/>
+    <dgm:txLinClrLst/>
+    <dgm:txFillClrLst/>
+    <dgm:txEffectClrLst/>
+  </dgm:styleLbl>
+  <dgm:styleLbl name="lnNode1">
+    <dgm:fillClrLst meth="repeat">
+      <a:schemeClr val="accent1"/>
+    </dgm:fillClrLst>
+    <dgm:linClrLst meth="repeat">
+      <a:schemeClr val="lt1"/>
+    </dgm:linClrLst>
+    <dgm:effectClrLst/>
+    <dgm:txLinClrLst/>
+    <dgm:txFillClrLst/>
+    <dgm:txEffectClrLst/>
+  </dgm:styleLbl>
+  <dgm:styleLbl name="vennNode1">
+    <dgm:fillClrLst meth="repeat">
+      <a:schemeClr val="accent1">
+        <a:alpha val="50000"/>
+      </a:schemeClr>
+    </dgm:fillClrLst>
+    <dgm:linClrLst meth="repeat">
+      <a:schemeClr val="lt1"/>
+    </dgm:linClrLst>
+    <dgm:effectClrLst/>
+    <dgm:txLinClrLst/>
+    <dgm:txFillClrLst/>
+    <dgm:txEffectClrLst/>
+  </dgm:styleLbl>
+  <dgm:styleLbl name="node2">
+    <dgm:fillClrLst meth="repeat">
+      <a:schemeClr val="accent1"/>
+    </dgm:fillClrLst>
+    <dgm:linClrLst meth="repeat">
+      <a:schemeClr val="lt1"/>
+    </dgm:linClrLst>
+    <dgm:effectClrLst/>
+    <dgm:txLinClrLst/>
+    <dgm:txFillClrLst/>
+    <dgm:txEffectClrLst/>
+  </dgm:styleLbl>
+  <dgm:styleLbl name="node3">
+    <dgm:fillClrLst meth="repeat">
+      <a:schemeClr val="accent1"/>
+    </dgm:fillClrLst>
+    <dgm:linClrLst meth="repeat">
+      <a:schemeClr val="lt1"/>
+    </dgm:linClrLst>
+    <dgm:effectClrLst/>
+    <dgm:txLinClrLst/>
+    <dgm:txFillClrLst/>
+    <dgm:txEffectClrLst/>
+  </dgm:styleLbl>
+  <dgm:styleLbl name="node4">
+    <dgm:fillClrLst meth="repeat">
+      <a:schemeClr val="accent1"/>
+    </dgm:fillClrLst>
+    <dgm:linClrLst meth="repeat">
+      <a:schemeClr val="lt1"/>
+    </dgm:linClrLst>
+    <dgm:effectClrLst/>
+    <dgm:txLinClrLst/>
+    <dgm:txFillClrLst/>
+    <dgm:txEffectClrLst/>
+  </dgm:styleLbl>
+  <dgm:styleLbl name="fgImgPlace1">
+    <dgm:fillClrLst meth="repeat">
+      <a:schemeClr val="accent1">
+        <a:tint val="50000"/>
+      </a:schemeClr>
+    </dgm:fillClrLst>
+    <dgm:linClrLst meth="repeat">
+      <a:schemeClr val="lt1"/>
+    </dgm:linClrLst>
+    <dgm:effectClrLst/>
+    <dgm:txLinClrLst/>
+    <dgm:txFillClrLst meth="repeat">
+      <a:schemeClr val="lt1"/>
+    </dgm:txFillClrLst>
+    <dgm:txEffectClrLst/>
+  </dgm:styleLbl>
+  <dgm:styleLbl name="alignImgPlace1">
+    <dgm:fillClrLst meth="repeat">
+      <a:schemeClr val="accent1">
+        <a:tint val="50000"/>
+      </a:schemeClr>
+    </dgm:fillClrLst>
+    <dgm:linClrLst meth="repeat">
+      <a:schemeClr val="lt1"/>
+    </dgm:linClrLst>
+    <dgm:effectClrLst/>
+    <dgm:txLinClrLst/>
+    <dgm:txFillClrLst meth="repeat">
+      <a:schemeClr val="lt1"/>
+    </dgm:txFillClrLst>
+    <dgm:txEffectClrLst/>
+  </dgm:styleLbl>
+  <dgm:styleLbl name="bgImgPlace1">
+    <dgm:fillClrLst meth="repeat">
+      <a:schemeClr val="accent1">
+        <a:tint val="50000"/>
+      </a:schemeClr>
+    </dgm:fillClrLst>
+    <dgm:linClrLst meth="repeat">
+      <a:schemeClr val="lt1"/>
+    </dgm:linClrLst>
+    <dgm:effectClrLst/>
+    <dgm:txLinClrLst/>
+    <dgm:txFillClrLst meth="repeat">
+      <a:schemeClr val="lt1"/>
+    </dgm:txFillClrLst>
+    <dgm:txEffectClrLst/>
+  </dgm:styleLbl>
+  <dgm:styleLbl name="sibTrans2D1">
+    <dgm:fillClrLst meth="repeat">
+      <a:schemeClr val="accent1">
+        <a:tint val="60000"/>
+      </a:schemeClr>
+    </dgm:fillClrLst>
+    <dgm:linClrLst meth="repeat">
+      <a:schemeClr val="accent1">
+        <a:tint val="60000"/>
+      </a:schemeClr>
+    </dgm:linClrLst>
+    <dgm:effectClrLst/>
+    <dgm:txLinClrLst/>
+    <dgm:txFillClrLst/>
+    <dgm:txEffectClrLst/>
+  </dgm:styleLbl>
+  <dgm:styleLbl name="fgSibTrans2D1">
+    <dgm:fillClrLst meth="repeat">
+      <a:schemeClr val="accent1">
+        <a:tint val="60000"/>
+      </a:schemeClr>
+    </dgm:fillClrLst>
+    <dgm:linClrLst meth="repeat">
+      <a:schemeClr val="accent1">
+        <a:tint val="60000"/>
+      </a:schemeClr>
+    </dgm:linClrLst>
+    <dgm:effectClrLst/>
+    <dgm:txLinClrLst/>
+    <dgm:txFillClrLst/>
+    <dgm:txEffectClrLst/>
+  </dgm:styleLbl>
+  <dgm:styleLbl name="bgSibTrans2D1">
+    <dgm:fillClrLst meth="repeat">
+      <a:schemeClr val="accent1">
+        <a:tint val="60000"/>
+      </a:schemeClr>
+    </dgm:fillClrLst>
+    <dgm:linClrLst meth="repeat">
+      <a:schemeClr val="accent1">
+        <a:tint val="60000"/>
+      </a:schemeClr>
+    </dgm:linClrLst>
+    <dgm:effectClrLst/>
+    <dgm:txLinClrLst/>
+    <dgm:txFillClrLst/>
+    <dgm:txEffectClrLst/>
+  </dgm:styleLbl>
+  <dgm:styleLbl name="sibTrans1D1">
+    <dgm:fillClrLst meth="repeat">
+      <a:schemeClr val="accent1"/>
+    </dgm:fillClrLst>
+    <dgm:linClrLst meth="repeat">
+      <a:schemeClr val="accent1"/>
+    </dgm:linClrLst>
+    <dgm:effectClrLst/>
+    <dgm:txLinClrLst/>
+    <dgm:txFillClrLst meth="repeat">
+      <a:schemeClr val="tx1"/>
+    </dgm:txFillClrLst>
+    <dgm:txEffectClrLst/>
+  </dgm:styleLbl>
+  <dgm:styleLbl name="callout">
+    <dgm:fillClrLst meth="repeat">
+      <a:schemeClr val="accent1"/>
+    </dgm:fillClrLst>
+    <dgm:linClrLst meth="repeat">
+      <a:schemeClr val="accent1">
+        <a:tint val="50000"/>
+      </a:schemeClr>
+    </dgm:linClrLst>
+    <dgm:effectClrLst/>
+    <dgm:txLinClrLst/>
+    <dgm:txFillClrLst meth="repeat">
+      <a:schemeClr val="tx1"/>
+    </dgm:txFillClrLst>
+    <dgm:txEffectClrLst/>
+  </dgm:styleLbl>
+  <dgm:styleLbl name="asst0">
+    <dgm:fillClrLst meth="repeat">
+      <a:schemeClr val="accent1"/>
+    </dgm:fillClrLst>
+    <dgm:linClrLst meth="repeat">
+      <a:schemeClr val="lt1"/>
+    </dgm:linClrLst>
+    <dgm:effectClrLst/>
+    <dgm:txLinClrLst/>
+    <dgm:txFillClrLst/>
+    <dgm:txEffectClrLst/>
+  </dgm:styleLbl>
+  <dgm:styleLbl name="asst1">
+    <dgm:fillClrLst meth="repeat">
+      <a:schemeClr val="accent1"/>
+    </dgm:fillClrLst>
+    <dgm:linClrLst meth="repeat">
+      <a:schemeClr val="lt1"/>
+    </dgm:linClrLst>
+    <dgm:effectClrLst/>
+    <dgm:txLinClrLst/>
+    <dgm:txFillClrLst/>
+    <dgm:txEffectClrLst/>
+  </dgm:styleLbl>
+  <dgm:styleLbl name="asst2">
+    <dgm:fillClrLst meth="repeat">
+      <a:schemeClr val="accent1"/>
+    </dgm:fillClrLst>
+    <dgm:linClrLst meth="repeat">
+      <a:schemeClr val="lt1"/>
+    </dgm:linClrLst>
+    <dgm:effectClrLst/>
+    <dgm:txLinClrLst/>
+    <dgm:txFillClrLst/>
+    <dgm:txEffectClrLst/>
+  </dgm:styleLbl>
+  <dgm:styleLbl name="asst3">
+    <dgm:fillClrLst meth="repeat">
+      <a:schemeClr val="accent1"/>
+    </dgm:fillClrLst>
+    <dgm:linClrLst meth="repeat">
+      <a:schemeClr val="lt1"/>
+    </dgm:linClrLst>
+    <dgm:effectClrLst/>
+    <dgm:txLinClrLst/>
+    <dgm:txFillClrLst/>
+    <dgm:txEffectClrLst/>
+  </dgm:styleLbl>
+  <dgm:styleLbl name="asst4">
+    <dgm:fillClrLst meth="repeat">
+      <a:schemeClr val="accent1"/>
+    </dgm:fillClrLst>
+    <dgm:linClrLst meth="repeat">
+      <a:schemeClr val="lt1"/>
+    </dgm:linClrLst>
+    <dgm:effectClrLst/>
+    <dgm:txLinClrLst/>
+    <dgm:txFillClrLst/>
+    <dgm:txEffectClrLst/>
+  </dgm:styleLbl>
+  <dgm:styleLbl name="parChTrans2D1">
+    <dgm:fillClrLst meth="repeat">
+      <a:schemeClr val="accent1">
+        <a:tint val="60000"/>
+      </a:schemeClr>
+    </dgm:fillClrLst>
+    <dgm:linClrLst meth="repeat">
+      <a:schemeClr val="accent1">
+        <a:tint val="60000"/>
+      </a:schemeClr>
+    </dgm:linClrLst>
+    <dgm:effectClrLst/>
+    <dgm:txLinClrLst/>
+    <dgm:txFillClrLst meth="repeat">
+      <a:schemeClr val="lt1"/>
+    </dgm:txFillClrLst>
+    <dgm:txEffectClrLst/>
+  </dgm:styleLbl>
+  <dgm:styleLbl name="parChTrans2D2">
+    <dgm:fillClrLst meth="repeat">
+      <a:schemeClr val="accent1"/>
+    </dgm:fillClrLst>
+    <dgm:linClrLst meth="repeat">
+      <a:schemeClr val="accent1"/>
+    </dgm:linClrLst>
+    <dgm:effectClrLst/>
+    <dgm:txLinClrLst/>
+    <dgm:txFillClrLst meth="repeat">
+      <a:schemeClr val="lt1"/>
+    </dgm:txFillClrLst>
+    <dgm:txEffectClrLst/>
+  </dgm:styleLbl>
+  <dgm:styleLbl name="parChTrans2D3">
+    <dgm:fillClrLst meth="repeat">
+      <a:schemeClr val="accent1"/>
+    </dgm:fillClrLst>
+    <dgm:linClrLst meth="repeat">
+      <a:schemeClr val="accent1"/>
+    </dgm:linClrLst>
+    <dgm:effectClrLst/>
+    <dgm:txLinClrLst/>
+    <dgm:txFillClrLst meth="repeat">
+      <a:schemeClr val="lt1"/>
+    </dgm:txFillClrLst>
+    <dgm:txEffectClrLst/>
+  </dgm:styleLbl>
+  <dgm:styleLbl name="parChTrans2D4">
+    <dgm:fillClrLst meth="repeat">
+      <a:schemeClr val="accent1"/>
+    </dgm:fillClrLst>
+    <dgm:linClrLst meth="repeat">
+      <a:schemeClr val="accent1"/>
+    </dgm:linClrLst>
+    <dgm:effectClrLst/>
+    <dgm:txLinClrLst/>
+    <dgm:txFillClrLst meth="repeat">
+      <a:schemeClr val="lt1"/>
+    </dgm:txFillClrLst>
+    <dgm:txEffectClrLst/>
+  </dgm:styleLbl>
+  <dgm:styleLbl name="parChTrans1D1">
+    <dgm:fillClrLst meth="repeat">
+      <a:schemeClr val="accent1"/>
+    </dgm:fillClrLst>
+    <dgm:linClrLst meth="repeat">
+      <a:schemeClr val="accent1">
+        <a:shade val="60000"/>
+      </a:schemeClr>
+    </dgm:linClrLst>
+    <dgm:effectClrLst/>
+    <dgm:txLinClrLst/>
+    <dgm:txFillClrLst meth="repeat">
+      <a:schemeClr val="tx1"/>
+    </dgm:txFillClrLst>
+    <dgm:txEffectClrLst/>
+  </dgm:styleLbl>
+  <dgm:styleLbl name="parChTrans1D2">
+    <dgm:fillClrLst meth="repeat">
+      <a:schemeClr val="accent1"/>
+    </dgm:fillClrLst>
+    <dgm:linClrLst meth="repeat">
+      <a:schemeClr val="accent1">
+        <a:shade val="60000"/>
+      </a:schemeClr>
+    </dgm:linClrLst>
+    <dgm:effectClrLst/>
+    <dgm:txLinClrLst/>
+    <dgm:txFillClrLst meth="repeat">
+      <a:schemeClr val="tx1"/>
+    </dgm:txFillClrLst>
+    <dgm:txEffectClrLst/>
+  </dgm:styleLbl>
+  <dgm:styleLbl name="parChTrans1D3">
+    <dgm:fillClrLst meth="repeat">
+      <a:schemeClr val="accent1"/>
+    </dgm:fillClrLst>
+    <dgm:linClrLst meth="repeat">
+      <a:schemeClr val="accent1">
+        <a:shade val="80000"/>
+      </a:schemeClr>
+    </dgm:linClrLst>
+    <dgm:effectClrLst/>
+    <dgm:txLinClrLst/>
+    <dgm:txFillClrLst meth="repeat">
+      <a:schemeClr val="tx1"/>
+    </dgm:txFillClrLst>
+    <dgm:txEffectClrLst/>
+  </dgm:styleLbl>
+  <dgm:styleLbl name="parChTrans1D4">
+    <dgm:fillClrLst meth="repeat">
+      <a:schemeClr val="accent1"/>
+    </dgm:fillClrLst>
+    <dgm:linClrLst meth="repeat">
+      <a:schemeClr val="accent1">
+        <a:shade val="80000"/>
+      </a:schemeClr>
+    </dgm:linClrLst>
+    <dgm:effectClrLst/>
+    <dgm:txLinClrLst/>
+    <dgm:txFillClrLst meth="repeat">
+      <a:schemeClr val="tx1"/>
+    </dgm:txFillClrLst>
+    <dgm:txEffectClrLst/>
+  </dgm:styleLbl>
+  <dgm:styleLbl name="fgAcc1">
+    <dgm:fillClrLst meth="repeat">
+      <a:schemeClr val="lt1">
+        <a:alpha val="90000"/>
+      </a:schemeClr>
+    </dgm:fillClrLst>
+    <dgm:linClrLst meth="repeat">
+      <a:schemeClr val="accent1"/>
+    </dgm:linClrLst>
+    <dgm:effectClrLst/>
+    <dgm:txLinClrLst/>
+    <dgm:txFillClrLst meth="repeat">
+      <a:schemeClr val="dk1"/>
+    </dgm:txFillClrLst>
+    <dgm:txEffectClrLst/>
+  </dgm:styleLbl>
+  <dgm:styleLbl name="conFgAcc1">
+    <dgm:fillClrLst meth="repeat">
+      <a:schemeClr val="lt1">
+        <a:alpha val="90000"/>
+      </a:schemeClr>
+    </dgm:fillClrLst>
+    <dgm:linClrLst meth="repeat">
+      <a:schemeClr val="accent1"/>
+    </dgm:linClrLst>
+    <dgm:effectClrLst/>
+    <dgm:txLinClrLst/>
+    <dgm:txFillClrLst meth="repeat">
+      <a:schemeClr val="dk1"/>
+    </dgm:txFillClrLst>
+    <dgm:txEffectClrLst/>
+  </dgm:styleLbl>
+  <dgm:styleLbl name="alignAcc1">
+    <dgm:fillClrLst meth="repeat">
+      <a:schemeClr val="lt1">
+        <a:alpha val="90000"/>
+      </a:schemeClr>
+    </dgm:fillClrLst>
+    <dgm:linClrLst meth="repeat">
+      <a:schemeClr val="accent1"/>
+    </dgm:linClrLst>
+    <dgm:effectClrLst/>
+    <dgm:txLinClrLst/>
+    <dgm:txFillClrLst meth="repeat">
+      <a:schemeClr val="dk1"/>
+    </dgm:txFillClrLst>
+    <dgm:txEffectClrLst/>
+  </dgm:styleLbl>
+  <dgm:styleLbl name="trAlignAcc1">
+    <dgm:fillClrLst meth="repeat">
+      <a:schemeClr val="lt1">
+        <a:alpha val="40000"/>
+      </a:schemeClr>
+    </dgm:fillClrLst>
+    <dgm:linClrLst meth="repeat">
+      <a:schemeClr val="accent1"/>
+    </dgm:linClrLst>
+    <dgm:effectClrLst/>
+    <dgm:txLinClrLst/>
+    <dgm:txFillClrLst meth="repeat">
+      <a:schemeClr val="dk1"/>
+    </dgm:txFillClrLst>
+    <dgm:txEffectClrLst/>
+  </dgm:styleLbl>
+  <dgm:styleLbl name="bgAcc1">
+    <dgm:fillClrLst meth="repeat">
+      <a:schemeClr val="lt1">
+        <a:alpha val="90000"/>
+      </a:schemeClr>
+    </dgm:fillClrLst>
+    <dgm:linClrLst meth="repeat">
+      <a:schemeClr val="accent1"/>
+    </dgm:linClrLst>
+    <dgm:effectClrLst/>
+    <dgm:txLinClrLst/>
+    <dgm:txFillClrLst meth="repeat">
+      <a:schemeClr val="dk1"/>
+    </dgm:txFillClrLst>
+    <dgm:txEffectClrLst/>
+  </dgm:styleLbl>
+  <dgm:styleLbl name="solidFgAcc1">
+    <dgm:fillClrLst meth="repeat">
+      <a:schemeClr val="lt1"/>
+    </dgm:fillClrLst>
+    <dgm:linClrLst meth="repeat">
+      <a:schemeClr val="accent1"/>
+    </dgm:linClrLst>
+    <dgm:effectClrLst/>
+    <dgm:txLinClrLst/>
+    <dgm:txFillClrLst meth="repeat">
+      <a:schemeClr val="dk1"/>
+    </dgm:txFillClrLst>
+    <dgm:txEffectClrLst/>
+  </dgm:styleLbl>
+  <dgm:styleLbl name="solidAlignAcc1">
+    <dgm:fillClrLst meth="repeat">
+      <a:schemeClr val="lt1"/>
+    </dgm:fillClrLst>
+    <dgm:linClrLst meth="repeat">
+      <a:schemeClr val="accent1"/>
+    </dgm:linClrLst>
+    <dgm:effectClrLst/>
+    <dgm:txLinClrLst/>
+    <dgm:txFillClrLst meth="repeat">
+      <a:schemeClr val="dk1"/>
+    </dgm:txFillClrLst>
+    <dgm:txEffectClrLst/>
+  </dgm:styleLbl>
+  <dgm:styleLbl name="solidBgAcc1">
+    <dgm:fillClrLst meth="repeat">
+      <a:schemeClr val="lt1"/>
+    </dgm:fillClrLst>
+    <dgm:linClrLst meth="repeat">
+      <a:schemeClr val="accent1"/>
+    </dgm:linClrLst>
+    <dgm:effectClrLst/>
+    <dgm:txLinClrLst/>
+    <dgm:txFillClrLst meth="repeat">
+      <a:schemeClr val="dk1"/>
+    </dgm:txFillClrLst>
+    <dgm:txEffectClrLst/>
+  </dgm:styleLbl>
+  <dgm:styleLbl name="fgAccFollowNode1">
+    <dgm:fillClrLst meth="repeat">
+      <a:schemeClr val="accent1">
+        <a:alpha val="90000"/>
+        <a:tint val="40000"/>
+      </a:schemeClr>
+    </dgm:fillClrLst>
+    <dgm:linClrLst meth="repeat">
+      <a:schemeClr val="accent1">
+        <a:alpha val="90000"/>
+        <a:tint val="40000"/>
+      </a:schemeClr>
+    </dgm:linClrLst>
+    <dgm:effectClrLst/>
+    <dgm:txLinClrLst/>
+    <dgm:txFillClrLst meth="repeat">
+      <a:schemeClr val="dk1"/>
+    </dgm:txFillClrLst>
+    <dgm:txEffectClrLst/>
+  </dgm:styleLbl>
+  <dgm:styleLbl name="alignAccFollowNode1">
+    <dgm:fillClrLst meth="repeat">
+      <a:schemeClr val="accent1">
+        <a:alpha val="90000"/>
+        <a:tint val="40000"/>
+      </a:schemeClr>
+    </dgm:fillClrLst>
+    <dgm:linClrLst meth="repeat">
+      <a:schemeClr val="accent1">
+        <a:alpha val="90000"/>
+        <a:tint val="40000"/>
+      </a:schemeClr>
+    </dgm:linClrLst>
+    <dgm:effectClrLst/>
+    <dgm:txLinClrLst/>
+    <dgm:txFillClrLst meth="repeat">
+      <a:schemeClr val="dk1"/>
+    </dgm:txFillClrLst>
+    <dgm:txEffectClrLst/>
+  </dgm:styleLbl>
+  <dgm:styleLbl name="bgAccFollowNode1">
+    <dgm:fillClrLst meth="repeat">
+      <a:schemeClr val="accent1">
+        <a:alpha val="90000"/>
+        <a:tint val="40000"/>
+      </a:schemeClr>
+    </dgm:fillClrLst>
+    <dgm:linClrLst meth="repeat">
+      <a:schemeClr val="accent1">
+        <a:alpha val="90000"/>
+        <a:tint val="40000"/>
+      </a:schemeClr>
+    </dgm:linClrLst>
+    <dgm:effectClrLst/>
+    <dgm:txLinClrLst/>
+    <dgm:txFillClrLst meth="repeat">
+      <a:schemeClr val="dk1"/>
+    </dgm:txFillClrLst>
+    <dgm:txEffectClrLst/>
+  </dgm:styleLbl>
+  <dgm:styleLbl name="fgAcc0">
+    <dgm:fillClrLst meth="repeat">
+      <a:schemeClr val="lt1">
+        <a:alpha val="90000"/>
+      </a:schemeClr>
+    </dgm:fillClrLst>
+    <dgm:linClrLst meth="repeat">
+      <a:schemeClr val="accent1"/>
+    </dgm:linClrLst>
+    <dgm:effectClrLst/>
+    <dgm:txLinClrLst/>
+    <dgm:txFillClrLst meth="repeat">
+      <a:schemeClr val="dk1"/>
+    </dgm:txFillClrLst>
+    <dgm:txEffectClrLst/>
+  </dgm:styleLbl>
+  <dgm:styleLbl name="fgAcc2">
+    <dgm:fillClrLst meth="repeat">
+      <a:schemeClr val="lt1">
+        <a:alpha val="90000"/>
+      </a:schemeClr>
+    </dgm:fillClrLst>
+    <dgm:linClrLst meth="repeat">
+      <a:schemeClr val="accent1"/>
+    </dgm:linClrLst>
+    <dgm:effectClrLst/>
+    <dgm:txLinClrLst/>
+    <dgm:txFillClrLst meth="repeat">
+      <a:schemeClr val="dk1"/>
+    </dgm:txFillClrLst>
+    <dgm:txEffectClrLst/>
+  </dgm:styleLbl>
+  <dgm:styleLbl name="fgAcc3">
+    <dgm:fillClrLst meth="repeat">
+      <a:schemeClr val="lt1">
+        <a:alpha val="90000"/>
+      </a:schemeClr>
+    </dgm:fillClrLst>
+    <dgm:linClrLst meth="repeat">
+      <a:schemeClr val="accent1"/>
+    </dgm:linClrLst>
+    <dgm:effectClrLst/>
+    <dgm:txLinClrLst/>
+    <dgm:txFillClrLst meth="repeat">
+      <a:schemeClr val="dk1"/>
+    </dgm:txFillClrLst>
+    <dgm:txEffectClrLst/>
+  </dgm:styleLbl>
+  <dgm:styleLbl name="fgAcc4">
+    <dgm:fillClrLst meth="repeat">
+      <a:schemeClr val="lt1">
+        <a:alpha val="90000"/>
+      </a:schemeClr>
+    </dgm:fillClrLst>
+    <dgm:linClrLst meth="repeat">
+      <a:schemeClr val="accent1"/>
+    </dgm:linClrLst>
+    <dgm:effectClrLst/>
+    <dgm:txLinClrLst/>
+    <dgm:txFillClrLst meth="repeat">
+      <a:schemeClr val="dk1"/>
+    </dgm:txFillClrLst>
+    <dgm:txEffectClrLst/>
+  </dgm:styleLbl>
+  <dgm:styleLbl name="bgShp">
+    <dgm:fillClrLst meth="repeat">
+      <a:schemeClr val="accent1">
+        <a:tint val="40000"/>
+      </a:schemeClr>
+    </dgm:fillClrLst>
+    <dgm:linClrLst meth="repeat">
+      <a:schemeClr val="accent1"/>
+    </dgm:linClrLst>
+    <dgm:effectClrLst/>
+    <dgm:txLinClrLst/>
+    <dgm:txFillClrLst meth="repeat">
+      <a:schemeClr val="dk1"/>
+    </dgm:txFillClrLst>
+    <dgm:txEffectClrLst/>
+  </dgm:styleLbl>
+  <dgm:styleLbl name="dkBgShp">
+    <dgm:fillClrLst meth="repeat">
+      <a:schemeClr val="accent1">
+        <a:shade val="80000"/>
+      </a:schemeClr>
+    </dgm:fillClrLst>
+    <dgm:linClrLst meth="repeat">
+      <a:schemeClr val="accent1"/>
+    </dgm:linClrLst>
+    <dgm:effectClrLst/>
+    <dgm:txLinClrLst/>
+    <dgm:txFillClrLst meth="repeat">
+      <a:schemeClr val="lt1"/>
+    </dgm:txFillClrLst>
+    <dgm:txEffectClrLst/>
+  </dgm:styleLbl>
+  <dgm:styleLbl name="trBgShp">
+    <dgm:fillClrLst meth="repeat">
+      <a:schemeClr val="accent1">
+        <a:tint val="50000"/>
+        <a:alpha val="40000"/>
+      </a:schemeClr>
+    </dgm:fillClrLst>
+    <dgm:linClrLst meth="repeat">
+      <a:schemeClr val="accent1"/>
+    </dgm:linClrLst>
+    <dgm:effectClrLst/>
+    <dgm:txLinClrLst/>
+    <dgm:txFillClrLst meth="repeat">
+      <a:schemeClr val="lt1"/>
+    </dgm:txFillClrLst>
+    <dgm:txEffectClrLst/>
+  </dgm:styleLbl>
+  <dgm:styleLbl name="fgShp">
+    <dgm:fillClrLst meth="repeat">
+      <a:schemeClr val="accent1">
+        <a:tint val="60000"/>
+      </a:schemeClr>
+    </dgm:fillClrLst>
+    <dgm:linClrLst meth="repeat">
+      <a:schemeClr val="lt1"/>
+    </dgm:linClrLst>
+    <dgm:effectClrLst/>
+    <dgm:txLinClrLst/>
+    <dgm:txFillClrLst meth="repeat">
+      <a:schemeClr val="dk1"/>
+    </dgm:txFillClrLst>
+    <dgm:txEffectClrLst/>
+  </dgm:styleLbl>
+  <dgm:styleLbl name="revTx">
+    <dgm:fillClrLst meth="repeat">
+      <a:schemeClr val="lt1">
+        <a:alpha val="0"/>
+      </a:schemeClr>
+    </dgm:fillClrLst>
+    <dgm:linClrLst meth="repeat">
+      <a:schemeClr val="dk1">
+        <a:alpha val="0"/>
+      </a:schemeClr>
+    </dgm:linClrLst>
+    <dgm:effectClrLst/>
+    <dgm:txLinClrLst/>
+    <dgm:txFillClrLst meth="repeat">
+      <a:schemeClr val="tx1"/>
+    </dgm:txFillClrLst>
+    <dgm:txEffectClrLst/>
+  </dgm:styleLbl>
+</dgm:colorsDef>
+</file>
+
+<file path=ppt/diagrams/data1.xml><?xml version="1.0" encoding="utf-8"?>
+<dgm:dataModel xmlns:dgm="http://schemas.openxmlformats.org/drawingml/2006/diagram" xmlns:a="http://schemas.openxmlformats.org/drawingml/2006/main">
+  <dgm:ptLst>
+    <dgm:pt modelId="{E6442EA2-C942-4FED-B499-1983D6F98907}" type="doc">
+      <dgm:prSet loTypeId="urn:microsoft.com/office/officeart/2008/layout/AlternatingPictureBlocks" loCatId="list" qsTypeId="urn:microsoft.com/office/officeart/2005/8/quickstyle/simple1" qsCatId="simple" csTypeId="urn:microsoft.com/office/officeart/2005/8/colors/accent1_2" csCatId="accent1" phldr="1"/>
+      <dgm:spPr/>
+    </dgm:pt>
+    <dgm:pt modelId="{EBC97C4B-4A78-4952-8E30-1776E96AF137}">
+      <dgm:prSet phldrT="[Текст]"/>
+      <dgm:spPr/>
+      <dgm:t>
+        <a:bodyPr/>
+        <a:lstStyle/>
+        <a:p>
+          <a:r>
+            <a:rPr lang="en-US" dirty="0"/>
+            <a:t>App</a:t>
+          </a:r>
+          <a:endParaRPr lang="ru-RU" dirty="0"/>
+        </a:p>
+      </dgm:t>
+    </dgm:pt>
+    <dgm:pt modelId="{0DA68750-6A89-4465-AA1A-0C311F8181BD}" type="parTrans" cxnId="{DADE9531-EB2D-4464-94AE-F4EC0E2ECD4B}">
+      <dgm:prSet/>
+      <dgm:spPr/>
+      <dgm:t>
+        <a:bodyPr/>
+        <a:lstStyle/>
+        <a:p>
+          <a:endParaRPr lang="ru-RU"/>
+        </a:p>
+      </dgm:t>
+    </dgm:pt>
+    <dgm:pt modelId="{C6A0600E-4FE3-47C0-8095-6DB795284747}" type="sibTrans" cxnId="{DADE9531-EB2D-4464-94AE-F4EC0E2ECD4B}">
+      <dgm:prSet/>
+      <dgm:spPr/>
+      <dgm:t>
+        <a:bodyPr/>
+        <a:lstStyle/>
+        <a:p>
+          <a:endParaRPr lang="ru-RU"/>
+        </a:p>
+      </dgm:t>
+    </dgm:pt>
+    <dgm:pt modelId="{BDBE57C2-82E4-4EE2-A045-EB71D877C953}">
+      <dgm:prSet phldrT="[Текст]"/>
+      <dgm:spPr/>
+      <dgm:t>
+        <a:bodyPr/>
+        <a:lstStyle/>
+        <a:p>
+          <a:r>
+            <a:rPr lang="en-US" dirty="0"/>
+            <a:t>Component</a:t>
+          </a:r>
+          <a:endParaRPr lang="ru-RU" dirty="0"/>
+        </a:p>
+      </dgm:t>
+    </dgm:pt>
+    <dgm:pt modelId="{D1055B5D-B07D-477F-B7D0-5F2B1BB4E629}" type="parTrans" cxnId="{A204D66F-1848-4D74-A7EE-6A1DA77B0155}">
+      <dgm:prSet/>
+      <dgm:spPr/>
+      <dgm:t>
+        <a:bodyPr/>
+        <a:lstStyle/>
+        <a:p>
+          <a:endParaRPr lang="ru-RU"/>
+        </a:p>
+      </dgm:t>
+    </dgm:pt>
+    <dgm:pt modelId="{88B21CB8-8E2D-4D54-9C41-777D27CDDA34}" type="sibTrans" cxnId="{A204D66F-1848-4D74-A7EE-6A1DA77B0155}">
+      <dgm:prSet/>
+      <dgm:spPr/>
+      <dgm:t>
+        <a:bodyPr/>
+        <a:lstStyle/>
+        <a:p>
+          <a:endParaRPr lang="ru-RU"/>
+        </a:p>
+      </dgm:t>
+    </dgm:pt>
+    <dgm:pt modelId="{3D325FCD-B33D-4581-BD63-996347117458}">
+      <dgm:prSet phldrT="[Текст]"/>
+      <dgm:spPr/>
+      <dgm:t>
+        <a:bodyPr/>
+        <a:lstStyle/>
+        <a:p>
+          <a:r>
+            <a:rPr lang="en-US" dirty="0"/>
+            <a:t>JSX</a:t>
+          </a:r>
+          <a:endParaRPr lang="ru-RU" dirty="0"/>
+        </a:p>
+      </dgm:t>
+    </dgm:pt>
+    <dgm:pt modelId="{5D6E39D2-C1FF-461C-BCF6-6466BD8D5C70}" type="parTrans" cxnId="{2BA65040-F976-488E-AFFE-0CF1B9DEA435}">
+      <dgm:prSet/>
+      <dgm:spPr/>
+      <dgm:t>
+        <a:bodyPr/>
+        <a:lstStyle/>
+        <a:p>
+          <a:endParaRPr lang="ru-RU"/>
+        </a:p>
+      </dgm:t>
+    </dgm:pt>
+    <dgm:pt modelId="{88AE05DB-36CA-4EA7-93F1-C95937EE08C9}" type="sibTrans" cxnId="{2BA65040-F976-488E-AFFE-0CF1B9DEA435}">
+      <dgm:prSet/>
+      <dgm:spPr/>
+      <dgm:t>
+        <a:bodyPr/>
+        <a:lstStyle/>
+        <a:p>
+          <a:endParaRPr lang="ru-RU"/>
+        </a:p>
+      </dgm:t>
+    </dgm:pt>
+    <dgm:pt modelId="{D2C5D58C-4EE9-4C40-8E83-440302A583FF}" type="pres">
+      <dgm:prSet presAssocID="{E6442EA2-C942-4FED-B499-1983D6F98907}" presName="linearFlow" presStyleCnt="0">
+        <dgm:presLayoutVars>
+          <dgm:dir/>
+          <dgm:resizeHandles val="exact"/>
+        </dgm:presLayoutVars>
+      </dgm:prSet>
+      <dgm:spPr/>
+    </dgm:pt>
+    <dgm:pt modelId="{5243AF5E-A026-4BD6-9B28-4C4B2B2504C7}" type="pres">
+      <dgm:prSet presAssocID="{EBC97C4B-4A78-4952-8E30-1776E96AF137}" presName="comp" presStyleCnt="0"/>
+      <dgm:spPr/>
+    </dgm:pt>
+    <dgm:pt modelId="{9A6A3695-3A51-4267-811E-54D4AF901C25}" type="pres">
+      <dgm:prSet presAssocID="{EBC97C4B-4A78-4952-8E30-1776E96AF137}" presName="rect2" presStyleLbl="node1" presStyleIdx="0" presStyleCnt="3">
+        <dgm:presLayoutVars>
+          <dgm:bulletEnabled val="1"/>
+        </dgm:presLayoutVars>
+      </dgm:prSet>
+      <dgm:spPr/>
+    </dgm:pt>
+    <dgm:pt modelId="{F5E36DEC-43EF-4C4E-A5BA-962CBBB74617}" type="pres">
+      <dgm:prSet presAssocID="{EBC97C4B-4A78-4952-8E30-1776E96AF137}" presName="rect1" presStyleLbl="lnNode1" presStyleIdx="0" presStyleCnt="3"/>
+      <dgm:spPr>
+        <a:blipFill>
+          <a:blip xmlns:r="http://schemas.openxmlformats.org/officeDocument/2006/relationships" r:embed="rId1" cstate="print">
+            <a:extLst>
+              <a:ext uri="{28A0092B-C50C-407E-A947-70E740481C1C}">
+                <a14:useLocalDpi xmlns:a14="http://schemas.microsoft.com/office/drawing/2010/main" val="0"/>
+              </a:ext>
+            </a:extLst>
+          </a:blip>
+          <a:srcRect/>
+          <a:stretch>
+            <a:fillRect l="-68000" r="-68000"/>
+          </a:stretch>
+        </a:blipFill>
+        <a:ln>
+          <a:noFill/>
+        </a:ln>
+      </dgm:spPr>
+    </dgm:pt>
+    <dgm:pt modelId="{BA470BD6-0517-4F20-93D1-532F167ADCF6}" type="pres">
+      <dgm:prSet presAssocID="{C6A0600E-4FE3-47C0-8095-6DB795284747}" presName="sibTrans" presStyleCnt="0"/>
+      <dgm:spPr/>
+    </dgm:pt>
+    <dgm:pt modelId="{590C3AD5-0EB6-4618-A137-14401890B3BC}" type="pres">
+      <dgm:prSet presAssocID="{BDBE57C2-82E4-4EE2-A045-EB71D877C953}" presName="comp" presStyleCnt="0"/>
+      <dgm:spPr/>
+    </dgm:pt>
+    <dgm:pt modelId="{AE96CC0C-3CFC-4550-BE70-DEDDC8C2DD31}" type="pres">
+      <dgm:prSet presAssocID="{BDBE57C2-82E4-4EE2-A045-EB71D877C953}" presName="rect2" presStyleLbl="node1" presStyleIdx="1" presStyleCnt="3">
+        <dgm:presLayoutVars>
+          <dgm:bulletEnabled val="1"/>
+        </dgm:presLayoutVars>
+      </dgm:prSet>
+      <dgm:spPr/>
+    </dgm:pt>
+    <dgm:pt modelId="{921368BB-A858-4F4D-B044-5BB28B62261A}" type="pres">
+      <dgm:prSet presAssocID="{BDBE57C2-82E4-4EE2-A045-EB71D877C953}" presName="rect1" presStyleLbl="lnNode1" presStyleIdx="1" presStyleCnt="3"/>
+      <dgm:spPr>
+        <a:blipFill>
+          <a:blip xmlns:r="http://schemas.openxmlformats.org/officeDocument/2006/relationships" r:embed="rId2"/>
+          <a:srcRect/>
+          <a:stretch>
+            <a:fillRect l="-24000" r="-24000"/>
+          </a:stretch>
+        </a:blipFill>
+        <a:ln>
+          <a:noFill/>
+        </a:ln>
+      </dgm:spPr>
+    </dgm:pt>
+    <dgm:pt modelId="{4B696759-42C7-464C-BDD6-19A242E5E6ED}" type="pres">
+      <dgm:prSet presAssocID="{88B21CB8-8E2D-4D54-9C41-777D27CDDA34}" presName="sibTrans" presStyleCnt="0"/>
+      <dgm:spPr/>
+    </dgm:pt>
+    <dgm:pt modelId="{4302F9D6-6096-4E09-83CE-26F7C624F8A0}" type="pres">
+      <dgm:prSet presAssocID="{3D325FCD-B33D-4581-BD63-996347117458}" presName="comp" presStyleCnt="0"/>
+      <dgm:spPr/>
+    </dgm:pt>
+    <dgm:pt modelId="{7F1672A2-1BF4-415A-AF38-AB9CE7DB077D}" type="pres">
+      <dgm:prSet presAssocID="{3D325FCD-B33D-4581-BD63-996347117458}" presName="rect2" presStyleLbl="node1" presStyleIdx="2" presStyleCnt="3">
+        <dgm:presLayoutVars>
+          <dgm:bulletEnabled val="1"/>
+        </dgm:presLayoutVars>
+      </dgm:prSet>
+      <dgm:spPr/>
+    </dgm:pt>
+    <dgm:pt modelId="{BFF399A4-3FAD-458D-BC98-5B8A9784BBF6}" type="pres">
+      <dgm:prSet presAssocID="{3D325FCD-B33D-4581-BD63-996347117458}" presName="rect1" presStyleLbl="lnNode1" presStyleIdx="2" presStyleCnt="3"/>
+      <dgm:spPr>
+        <a:prstGeom prst="rect">
+          <a:avLst/>
+        </a:prstGeom>
+        <a:blipFill dpi="0" rotWithShape="1">
+          <a:blip xmlns:r="http://schemas.openxmlformats.org/officeDocument/2006/relationships" r:embed="rId3"/>
+          <a:srcRect/>
+          <a:stretch>
+            <a:fillRect l="-1000" r="-1000"/>
+          </a:stretch>
+        </a:blipFill>
+        <a:ln>
+          <a:noFill/>
+        </a:ln>
+      </dgm:spPr>
+    </dgm:pt>
+  </dgm:ptLst>
+  <dgm:cxnLst>
+    <dgm:cxn modelId="{DADE9531-EB2D-4464-94AE-F4EC0E2ECD4B}" srcId="{E6442EA2-C942-4FED-B499-1983D6F98907}" destId="{EBC97C4B-4A78-4952-8E30-1776E96AF137}" srcOrd="0" destOrd="0" parTransId="{0DA68750-6A89-4465-AA1A-0C311F8181BD}" sibTransId="{C6A0600E-4FE3-47C0-8095-6DB795284747}"/>
+    <dgm:cxn modelId="{2BA65040-F976-488E-AFFE-0CF1B9DEA435}" srcId="{E6442EA2-C942-4FED-B499-1983D6F98907}" destId="{3D325FCD-B33D-4581-BD63-996347117458}" srcOrd="2" destOrd="0" parTransId="{5D6E39D2-C1FF-461C-BCF6-6466BD8D5C70}" sibTransId="{88AE05DB-36CA-4EA7-93F1-C95937EE08C9}"/>
+    <dgm:cxn modelId="{A204D66F-1848-4D74-A7EE-6A1DA77B0155}" srcId="{E6442EA2-C942-4FED-B499-1983D6F98907}" destId="{BDBE57C2-82E4-4EE2-A045-EB71D877C953}" srcOrd="1" destOrd="0" parTransId="{D1055B5D-B07D-477F-B7D0-5F2B1BB4E629}" sibTransId="{88B21CB8-8E2D-4D54-9C41-777D27CDDA34}"/>
+    <dgm:cxn modelId="{6F195274-CCBB-47C4-BD03-8625CA7E7017}" type="presOf" srcId="{3D325FCD-B33D-4581-BD63-996347117458}" destId="{7F1672A2-1BF4-415A-AF38-AB9CE7DB077D}" srcOrd="0" destOrd="0" presId="urn:microsoft.com/office/officeart/2008/layout/AlternatingPictureBlocks"/>
+    <dgm:cxn modelId="{92C6C683-4642-42C4-8523-E7298F472A4F}" type="presOf" srcId="{E6442EA2-C942-4FED-B499-1983D6F98907}" destId="{D2C5D58C-4EE9-4C40-8E83-440302A583FF}" srcOrd="0" destOrd="0" presId="urn:microsoft.com/office/officeart/2008/layout/AlternatingPictureBlocks"/>
+    <dgm:cxn modelId="{BB3DE395-D29A-4B01-BDE0-1C07900A4C78}" type="presOf" srcId="{BDBE57C2-82E4-4EE2-A045-EB71D877C953}" destId="{AE96CC0C-3CFC-4550-BE70-DEDDC8C2DD31}" srcOrd="0" destOrd="0" presId="urn:microsoft.com/office/officeart/2008/layout/AlternatingPictureBlocks"/>
+    <dgm:cxn modelId="{04F23F9F-21B9-4CFE-B302-50120B6570FD}" type="presOf" srcId="{EBC97C4B-4A78-4952-8E30-1776E96AF137}" destId="{9A6A3695-3A51-4267-811E-54D4AF901C25}" srcOrd="0" destOrd="0" presId="urn:microsoft.com/office/officeart/2008/layout/AlternatingPictureBlocks"/>
+    <dgm:cxn modelId="{CDE1C877-402E-4A82-8CBE-57B218850EB3}" type="presParOf" srcId="{D2C5D58C-4EE9-4C40-8E83-440302A583FF}" destId="{5243AF5E-A026-4BD6-9B28-4C4B2B2504C7}" srcOrd="0" destOrd="0" presId="urn:microsoft.com/office/officeart/2008/layout/AlternatingPictureBlocks"/>
+    <dgm:cxn modelId="{C1153ABA-885E-4B81-ABFF-D953B8F520FC}" type="presParOf" srcId="{5243AF5E-A026-4BD6-9B28-4C4B2B2504C7}" destId="{9A6A3695-3A51-4267-811E-54D4AF901C25}" srcOrd="0" destOrd="0" presId="urn:microsoft.com/office/officeart/2008/layout/AlternatingPictureBlocks"/>
+    <dgm:cxn modelId="{BC1631E9-885B-45F5-82C6-A7045DEDA3B3}" type="presParOf" srcId="{5243AF5E-A026-4BD6-9B28-4C4B2B2504C7}" destId="{F5E36DEC-43EF-4C4E-A5BA-962CBBB74617}" srcOrd="1" destOrd="0" presId="urn:microsoft.com/office/officeart/2008/layout/AlternatingPictureBlocks"/>
+    <dgm:cxn modelId="{D5F1E6B3-A1ED-4718-A72C-1B1F87A40318}" type="presParOf" srcId="{D2C5D58C-4EE9-4C40-8E83-440302A583FF}" destId="{BA470BD6-0517-4F20-93D1-532F167ADCF6}" srcOrd="1" destOrd="0" presId="urn:microsoft.com/office/officeart/2008/layout/AlternatingPictureBlocks"/>
+    <dgm:cxn modelId="{2DB8D070-9FB8-47DA-A7E3-D0C0351F5E47}" type="presParOf" srcId="{D2C5D58C-4EE9-4C40-8E83-440302A583FF}" destId="{590C3AD5-0EB6-4618-A137-14401890B3BC}" srcOrd="2" destOrd="0" presId="urn:microsoft.com/office/officeart/2008/layout/AlternatingPictureBlocks"/>
+    <dgm:cxn modelId="{07F82CFF-66E7-46F2-A895-6D0C4EDF0FF8}" type="presParOf" srcId="{590C3AD5-0EB6-4618-A137-14401890B3BC}" destId="{AE96CC0C-3CFC-4550-BE70-DEDDC8C2DD31}" srcOrd="0" destOrd="0" presId="urn:microsoft.com/office/officeart/2008/layout/AlternatingPictureBlocks"/>
+    <dgm:cxn modelId="{FEB2CE2F-172C-4385-B8BC-3CCBCFA4E1B1}" type="presParOf" srcId="{590C3AD5-0EB6-4618-A137-14401890B3BC}" destId="{921368BB-A858-4F4D-B044-5BB28B62261A}" srcOrd="1" destOrd="0" presId="urn:microsoft.com/office/officeart/2008/layout/AlternatingPictureBlocks"/>
+    <dgm:cxn modelId="{FE763404-DE2B-406B-A32D-964A7530FBBC}" type="presParOf" srcId="{D2C5D58C-4EE9-4C40-8E83-440302A583FF}" destId="{4B696759-42C7-464C-BDD6-19A242E5E6ED}" srcOrd="3" destOrd="0" presId="urn:microsoft.com/office/officeart/2008/layout/AlternatingPictureBlocks"/>
+    <dgm:cxn modelId="{96F12C56-50F6-451C-A728-2BDD8DA4CB9C}" type="presParOf" srcId="{D2C5D58C-4EE9-4C40-8E83-440302A583FF}" destId="{4302F9D6-6096-4E09-83CE-26F7C624F8A0}" srcOrd="4" destOrd="0" presId="urn:microsoft.com/office/officeart/2008/layout/AlternatingPictureBlocks"/>
+    <dgm:cxn modelId="{EE2C3714-4E32-4D28-88AB-73C36889F37A}" type="presParOf" srcId="{4302F9D6-6096-4E09-83CE-26F7C624F8A0}" destId="{7F1672A2-1BF4-415A-AF38-AB9CE7DB077D}" srcOrd="0" destOrd="0" presId="urn:microsoft.com/office/officeart/2008/layout/AlternatingPictureBlocks"/>
+    <dgm:cxn modelId="{99C8B0FB-D1A5-4D04-ABF7-EEA37ED9D5AF}" type="presParOf" srcId="{4302F9D6-6096-4E09-83CE-26F7C624F8A0}" destId="{BFF399A4-3FAD-458D-BC98-5B8A9784BBF6}" srcOrd="1" destOrd="0" presId="urn:microsoft.com/office/officeart/2008/layout/AlternatingPictureBlocks"/>
+  </dgm:cxnLst>
+  <dgm:bg/>
+  <dgm:whole/>
+  <dgm:extLst>
+    <a:ext uri="http://schemas.microsoft.com/office/drawing/2008/diagram">
+      <dsp:dataModelExt xmlns:dsp="http://schemas.microsoft.com/office/drawing/2008/diagram" relId="rId6" minVer="http://schemas.openxmlformats.org/drawingml/2006/diagram"/>
+    </a:ext>
+  </dgm:extLst>
+</dgm:dataModel>
+</file>
+
+<file path=ppt/diagrams/drawing1.xml><?xml version="1.0" encoding="utf-8"?>
+<dsp:drawing xmlns:dgm="http://schemas.openxmlformats.org/drawingml/2006/diagram" xmlns:dsp="http://schemas.microsoft.com/office/drawing/2008/diagram" xmlns:a="http://schemas.openxmlformats.org/drawingml/2006/main">
+  <dsp:spTree>
+    <dsp:nvGrpSpPr>
+      <dsp:cNvPr id="0" name=""/>
+      <dsp:cNvGrpSpPr/>
+    </dsp:nvGrpSpPr>
+    <dsp:grpSpPr/>
+    <dsp:sp modelId="{9A6A3695-3A51-4267-811E-54D4AF901C25}">
+      <dsp:nvSpPr>
+        <dsp:cNvPr id="0" name=""/>
+        <dsp:cNvSpPr/>
+      </dsp:nvSpPr>
+      <dsp:spPr>
+        <a:xfrm>
+          <a:off x="4525456" y="2135"/>
+          <a:ext cx="2886296" cy="1305425"/>
+        </a:xfrm>
+        <a:prstGeom prst="rect">
+          <a:avLst/>
+        </a:prstGeom>
+        <a:solidFill>
+          <a:schemeClr val="accent1">
+            <a:hueOff val="0"/>
+            <a:satOff val="0"/>
+            <a:lumOff val="0"/>
+            <a:alphaOff val="0"/>
+          </a:schemeClr>
+        </a:solidFill>
+        <a:ln w="12700" cap="flat" cmpd="sng" algn="ctr">
+          <a:solidFill>
+            <a:schemeClr val="lt1">
+              <a:hueOff val="0"/>
+              <a:satOff val="0"/>
+              <a:lumOff val="0"/>
+              <a:alphaOff val="0"/>
+            </a:schemeClr>
+          </a:solidFill>
+          <a:prstDash val="solid"/>
+          <a:miter lim="800000"/>
+        </a:ln>
+        <a:effectLst/>
+      </dsp:spPr>
+      <dsp:style>
+        <a:lnRef idx="2">
+          <a:scrgbClr r="0" g="0" b="0"/>
+        </a:lnRef>
+        <a:fillRef idx="1">
+          <a:scrgbClr r="0" g="0" b="0"/>
+        </a:fillRef>
+        <a:effectRef idx="0">
+          <a:scrgbClr r="0" g="0" b="0"/>
+        </a:effectRef>
+        <a:fontRef idx="minor">
+          <a:schemeClr val="lt1"/>
+        </a:fontRef>
+      </dsp:style>
+      <dsp:txBody>
+        <a:bodyPr spcFirstLastPara="0" vert="horz" wrap="square" lIns="160020" tIns="160020" rIns="160020" bIns="160020" numCol="1" spcCol="1270" anchor="ctr" anchorCtr="0">
+          <a:noAutofit/>
+        </a:bodyPr>
+        <a:lstStyle/>
+        <a:p>
+          <a:pPr marL="0" lvl="0" indent="0" algn="ctr" defTabSz="1866900">
+            <a:lnSpc>
+              <a:spcPct val="90000"/>
+            </a:lnSpc>
+            <a:spcBef>
+              <a:spcPct val="0"/>
+            </a:spcBef>
+            <a:spcAft>
+              <a:spcPct val="35000"/>
+            </a:spcAft>
+            <a:buNone/>
+          </a:pPr>
+          <a:r>
+            <a:rPr lang="en-US" sz="4200" kern="1200" dirty="0"/>
+            <a:t>App</a:t>
+          </a:r>
+          <a:endParaRPr lang="ru-RU" sz="4200" kern="1200" dirty="0"/>
+        </a:p>
+      </dsp:txBody>
+      <dsp:txXfrm>
+        <a:off x="4525456" y="2135"/>
+        <a:ext cx="2886296" cy="1305425"/>
+      </dsp:txXfrm>
+    </dsp:sp>
+    <dsp:sp modelId="{F5E36DEC-43EF-4C4E-A5BA-962CBBB74617}">
+      <dsp:nvSpPr>
+        <dsp:cNvPr id="0" name=""/>
+        <dsp:cNvSpPr/>
+      </dsp:nvSpPr>
+      <dsp:spPr>
+        <a:xfrm>
+          <a:off x="3103847" y="2135"/>
+          <a:ext cx="1292371" cy="1305425"/>
+        </a:xfrm>
+        <a:prstGeom prst="rect">
+          <a:avLst/>
+        </a:prstGeom>
+        <a:blipFill>
+          <a:blip xmlns:r="http://schemas.openxmlformats.org/officeDocument/2006/relationships" r:embed="rId1" cstate="print">
+            <a:extLst>
+              <a:ext uri="{28A0092B-C50C-407E-A947-70E740481C1C}">
+                <a14:useLocalDpi xmlns:a14="http://schemas.microsoft.com/office/drawing/2010/main" val="0"/>
+              </a:ext>
+            </a:extLst>
+          </a:blip>
+          <a:srcRect/>
+          <a:stretch>
+            <a:fillRect l="-68000" r="-68000"/>
+          </a:stretch>
+        </a:blipFill>
+        <a:ln w="12700" cap="flat" cmpd="sng" algn="ctr">
+          <a:noFill/>
+          <a:prstDash val="solid"/>
+          <a:miter lim="800000"/>
+        </a:ln>
+        <a:effectLst/>
+      </dsp:spPr>
+      <dsp:style>
+        <a:lnRef idx="2">
+          <a:scrgbClr r="0" g="0" b="0"/>
+        </a:lnRef>
+        <a:fillRef idx="1">
+          <a:scrgbClr r="0" g="0" b="0"/>
+        </a:fillRef>
+        <a:effectRef idx="0">
+          <a:scrgbClr r="0" g="0" b="0"/>
+        </a:effectRef>
+        <a:fontRef idx="minor">
+          <a:schemeClr val="lt1"/>
+        </a:fontRef>
+      </dsp:style>
+    </dsp:sp>
+    <dsp:sp modelId="{AE96CC0C-3CFC-4550-BE70-DEDDC8C2DD31}">
+      <dsp:nvSpPr>
+        <dsp:cNvPr id="0" name=""/>
+        <dsp:cNvSpPr/>
+      </dsp:nvSpPr>
+      <dsp:spPr>
+        <a:xfrm>
+          <a:off x="3103847" y="1522956"/>
+          <a:ext cx="2886296" cy="1305425"/>
+        </a:xfrm>
+        <a:prstGeom prst="rect">
+          <a:avLst/>
+        </a:prstGeom>
+        <a:solidFill>
+          <a:schemeClr val="accent1">
+            <a:hueOff val="0"/>
+            <a:satOff val="0"/>
+            <a:lumOff val="0"/>
+            <a:alphaOff val="0"/>
+          </a:schemeClr>
+        </a:solidFill>
+        <a:ln w="12700" cap="flat" cmpd="sng" algn="ctr">
+          <a:solidFill>
+            <a:schemeClr val="lt1">
+              <a:hueOff val="0"/>
+              <a:satOff val="0"/>
+              <a:lumOff val="0"/>
+              <a:alphaOff val="0"/>
+            </a:schemeClr>
+          </a:solidFill>
+          <a:prstDash val="solid"/>
+          <a:miter lim="800000"/>
+        </a:ln>
+        <a:effectLst/>
+      </dsp:spPr>
+      <dsp:style>
+        <a:lnRef idx="2">
+          <a:scrgbClr r="0" g="0" b="0"/>
+        </a:lnRef>
+        <a:fillRef idx="1">
+          <a:scrgbClr r="0" g="0" b="0"/>
+        </a:fillRef>
+        <a:effectRef idx="0">
+          <a:scrgbClr r="0" g="0" b="0"/>
+        </a:effectRef>
+        <a:fontRef idx="minor">
+          <a:schemeClr val="lt1"/>
+        </a:fontRef>
+      </dsp:style>
+      <dsp:txBody>
+        <a:bodyPr spcFirstLastPara="0" vert="horz" wrap="square" lIns="160020" tIns="160020" rIns="160020" bIns="160020" numCol="1" spcCol="1270" anchor="ctr" anchorCtr="0">
+          <a:noAutofit/>
+        </a:bodyPr>
+        <a:lstStyle/>
+        <a:p>
+          <a:pPr marL="0" lvl="0" indent="0" algn="ctr" defTabSz="1866900">
+            <a:lnSpc>
+              <a:spcPct val="90000"/>
+            </a:lnSpc>
+            <a:spcBef>
+              <a:spcPct val="0"/>
+            </a:spcBef>
+            <a:spcAft>
+              <a:spcPct val="35000"/>
+            </a:spcAft>
+            <a:buNone/>
+          </a:pPr>
+          <a:r>
+            <a:rPr lang="en-US" sz="4200" kern="1200" dirty="0"/>
+            <a:t>Component</a:t>
+          </a:r>
+          <a:endParaRPr lang="ru-RU" sz="4200" kern="1200" dirty="0"/>
+        </a:p>
+      </dsp:txBody>
+      <dsp:txXfrm>
+        <a:off x="3103847" y="1522956"/>
+        <a:ext cx="2886296" cy="1305425"/>
+      </dsp:txXfrm>
+    </dsp:sp>
+    <dsp:sp modelId="{921368BB-A858-4F4D-B044-5BB28B62261A}">
+      <dsp:nvSpPr>
+        <dsp:cNvPr id="0" name=""/>
+        <dsp:cNvSpPr/>
+      </dsp:nvSpPr>
+      <dsp:spPr>
+        <a:xfrm>
+          <a:off x="6119380" y="1522956"/>
+          <a:ext cx="1292371" cy="1305425"/>
+        </a:xfrm>
+        <a:prstGeom prst="rect">
+          <a:avLst/>
+        </a:prstGeom>
+        <a:blipFill>
+          <a:blip xmlns:r="http://schemas.openxmlformats.org/officeDocument/2006/relationships" r:embed="rId2"/>
+          <a:srcRect/>
+          <a:stretch>
+            <a:fillRect l="-24000" r="-24000"/>
+          </a:stretch>
+        </a:blipFill>
+        <a:ln w="12700" cap="flat" cmpd="sng" algn="ctr">
+          <a:noFill/>
+          <a:prstDash val="solid"/>
+          <a:miter lim="800000"/>
+        </a:ln>
+        <a:effectLst/>
+      </dsp:spPr>
+      <dsp:style>
+        <a:lnRef idx="2">
+          <a:scrgbClr r="0" g="0" b="0"/>
+        </a:lnRef>
+        <a:fillRef idx="1">
+          <a:scrgbClr r="0" g="0" b="0"/>
+        </a:fillRef>
+        <a:effectRef idx="0">
+          <a:scrgbClr r="0" g="0" b="0"/>
+        </a:effectRef>
+        <a:fontRef idx="minor">
+          <a:schemeClr val="lt1"/>
+        </a:fontRef>
+      </dsp:style>
+    </dsp:sp>
+    <dsp:sp modelId="{7F1672A2-1BF4-415A-AF38-AB9CE7DB077D}">
+      <dsp:nvSpPr>
+        <dsp:cNvPr id="0" name=""/>
+        <dsp:cNvSpPr/>
+      </dsp:nvSpPr>
+      <dsp:spPr>
+        <a:xfrm>
+          <a:off x="4525456" y="3043777"/>
+          <a:ext cx="2886296" cy="1305425"/>
+        </a:xfrm>
+        <a:prstGeom prst="rect">
+          <a:avLst/>
+        </a:prstGeom>
+        <a:solidFill>
+          <a:schemeClr val="accent1">
+            <a:hueOff val="0"/>
+            <a:satOff val="0"/>
+            <a:lumOff val="0"/>
+            <a:alphaOff val="0"/>
+          </a:schemeClr>
+        </a:solidFill>
+        <a:ln w="12700" cap="flat" cmpd="sng" algn="ctr">
+          <a:solidFill>
+            <a:schemeClr val="lt1">
+              <a:hueOff val="0"/>
+              <a:satOff val="0"/>
+              <a:lumOff val="0"/>
+              <a:alphaOff val="0"/>
+            </a:schemeClr>
+          </a:solidFill>
+          <a:prstDash val="solid"/>
+          <a:miter lim="800000"/>
+        </a:ln>
+        <a:effectLst/>
+      </dsp:spPr>
+      <dsp:style>
+        <a:lnRef idx="2">
+          <a:scrgbClr r="0" g="0" b="0"/>
+        </a:lnRef>
+        <a:fillRef idx="1">
+          <a:scrgbClr r="0" g="0" b="0"/>
+        </a:fillRef>
+        <a:effectRef idx="0">
+          <a:scrgbClr r="0" g="0" b="0"/>
+        </a:effectRef>
+        <a:fontRef idx="minor">
+          <a:schemeClr val="lt1"/>
+        </a:fontRef>
+      </dsp:style>
+      <dsp:txBody>
+        <a:bodyPr spcFirstLastPara="0" vert="horz" wrap="square" lIns="160020" tIns="160020" rIns="160020" bIns="160020" numCol="1" spcCol="1270" anchor="ctr" anchorCtr="0">
+          <a:noAutofit/>
+        </a:bodyPr>
+        <a:lstStyle/>
+        <a:p>
+          <a:pPr marL="0" lvl="0" indent="0" algn="ctr" defTabSz="1866900">
+            <a:lnSpc>
+              <a:spcPct val="90000"/>
+            </a:lnSpc>
+            <a:spcBef>
+              <a:spcPct val="0"/>
+            </a:spcBef>
+            <a:spcAft>
+              <a:spcPct val="35000"/>
+            </a:spcAft>
+            <a:buNone/>
+          </a:pPr>
+          <a:r>
+            <a:rPr lang="en-US" sz="4200" kern="1200" dirty="0"/>
+            <a:t>JSX</a:t>
+          </a:r>
+          <a:endParaRPr lang="ru-RU" sz="4200" kern="1200" dirty="0"/>
+        </a:p>
+      </dsp:txBody>
+      <dsp:txXfrm>
+        <a:off x="4525456" y="3043777"/>
+        <a:ext cx="2886296" cy="1305425"/>
+      </dsp:txXfrm>
+    </dsp:sp>
+    <dsp:sp modelId="{BFF399A4-3FAD-458D-BC98-5B8A9784BBF6}">
+      <dsp:nvSpPr>
+        <dsp:cNvPr id="0" name=""/>
+        <dsp:cNvSpPr/>
+      </dsp:nvSpPr>
+      <dsp:spPr>
+        <a:xfrm>
+          <a:off x="3103847" y="3043777"/>
+          <a:ext cx="1292371" cy="1305425"/>
+        </a:xfrm>
+        <a:prstGeom prst="rect">
+          <a:avLst/>
+        </a:prstGeom>
+        <a:blipFill dpi="0" rotWithShape="1">
+          <a:blip xmlns:r="http://schemas.openxmlformats.org/officeDocument/2006/relationships" r:embed="rId3"/>
+          <a:srcRect/>
+          <a:stretch>
+            <a:fillRect l="-1000" r="-1000"/>
+          </a:stretch>
+        </a:blipFill>
+        <a:ln w="12700" cap="flat" cmpd="sng" algn="ctr">
+          <a:noFill/>
+          <a:prstDash val="solid"/>
+          <a:miter lim="800000"/>
+        </a:ln>
+        <a:effectLst/>
+      </dsp:spPr>
+      <dsp:style>
+        <a:lnRef idx="2">
+          <a:scrgbClr r="0" g="0" b="0"/>
+        </a:lnRef>
+        <a:fillRef idx="1">
+          <a:scrgbClr r="0" g="0" b="0"/>
+        </a:fillRef>
+        <a:effectRef idx="0">
+          <a:scrgbClr r="0" g="0" b="0"/>
+        </a:effectRef>
+        <a:fontRef idx="minor">
+          <a:schemeClr val="lt1"/>
+        </a:fontRef>
+      </dsp:style>
+    </dsp:sp>
+  </dsp:spTree>
+</dsp:drawing>
+</file>
+
+<file path=ppt/diagrams/layout1.xml><?xml version="1.0" encoding="utf-8"?>
+<dgm:layoutDef xmlns:dgm="http://schemas.openxmlformats.org/drawingml/2006/diagram" xmlns:a="http://schemas.openxmlformats.org/drawingml/2006/main" uniqueId="urn:microsoft.com/office/officeart/2008/layout/AlternatingPictureBlocks">
+  <dgm:title val=""/>
+  <dgm:desc val=""/>
+  <dgm:catLst>
+    <dgm:cat type="picture" pri="15000"/>
+    <dgm:cat type="pictureconvert" pri="15000"/>
+    <dgm:cat type="list" pri="13500"/>
+  </dgm:catLst>
+  <dgm:sampData useDef="1">
+    <dgm:dataModel>
+      <dgm:ptLst/>
+      <dgm:bg/>
+      <dgm:whole/>
+    </dgm:dataModel>
+  </dgm:sampData>
+  <dgm:styleData>
+    <dgm:dataModel>
+      <dgm:ptLst>
+        <dgm:pt modelId="0" type="doc"/>
+        <dgm:pt modelId="1"/>
+        <dgm:pt modelId="2"/>
+      </dgm:ptLst>
+      <dgm:cxnLst>
+        <dgm:cxn modelId="3" srcId="0" destId="1" srcOrd="0" destOrd="0"/>
+        <dgm:cxn modelId="4" srcId="0" destId="2" srcOrd="1" destOrd="0"/>
+      </dgm:cxnLst>
+      <dgm:bg/>
+      <dgm:whole/>
+    </dgm:dataModel>
+  </dgm:styleData>
+  <dgm:clrData>
+    <dgm:dataModel>
+      <dgm:ptLst>
+        <dgm:pt modelId="0" type="doc"/>
+        <dgm:pt modelId="1"/>
+        <dgm:pt modelId="2"/>
+        <dgm:pt modelId="3"/>
+        <dgm:pt modelId="4"/>
+      </dgm:ptLst>
+      <dgm:cxnLst>
+        <dgm:cxn modelId="5" srcId="0" destId="1" srcOrd="0" destOrd="0"/>
+        <dgm:cxn modelId="6" srcId="0" destId="2" srcOrd="1" destOrd="0"/>
+        <dgm:cxn modelId="7" srcId="0" destId="3" srcOrd="2" destOrd="0"/>
+        <dgm:cxn modelId="8" srcId="0" destId="4" srcOrd="3" destOrd="0"/>
+      </dgm:cxnLst>
+      <dgm:bg/>
+      <dgm:whole/>
+    </dgm:dataModel>
+  </dgm:clrData>
+  <dgm:layoutNode name="linearFlow">
+    <dgm:varLst>
+      <dgm:dir/>
+      <dgm:resizeHandles val="exact"/>
+    </dgm:varLst>
+    <dgm:alg type="lin">
+      <dgm:param type="linDir" val="fromT"/>
+      <dgm:param type="vertAlign" val="mid"/>
+      <dgm:param type="horzAlign" val="ctr"/>
+    </dgm:alg>
+    <dgm:shape xmlns:r="http://schemas.openxmlformats.org/officeDocument/2006/relationships" r:blip="">
+      <dgm:adjLst/>
+    </dgm:shape>
+    <dgm:presOf/>
+    <dgm:constrLst>
+      <dgm:constr type="primFontSz" for="des" ptType="node" op="equ" val="65"/>
+      <dgm:constr type="w" for="ch" forName="comp" refType="w"/>
+      <dgm:constr type="h" for="ch" forName="comp" refType="h"/>
+      <dgm:constr type="h" for="ch" forName="sibTrans" refType="w" refFor="ch" refForName="comp" op="equ" fact="0.05"/>
+    </dgm:constrLst>
+    <dgm:ruleLst/>
+    <dgm:forEach name="Name0" axis="ch" ptType="node">
+      <dgm:layoutNode name="comp" styleLbl="node1">
+        <dgm:alg type="composite">
+          <dgm:param type="ar" val="3.30"/>
+        </dgm:alg>
+        <dgm:shape xmlns:r="http://schemas.openxmlformats.org/officeDocument/2006/relationships" r:blip="">
+          <dgm:adjLst/>
+        </dgm:shape>
+        <dgm:presOf/>
+        <dgm:choose name="Name1">
+          <dgm:if name="Name2" func="var" arg="dir" op="equ" val="norm">
+            <dgm:choose name="Name4">
+              <dgm:if name="Name5" axis="desOrSelf" ptType="node" func="posOdd" op="equ" val="1">
+                <dgm:constrLst>
+                  <dgm:constr type="l" for="ch" forName="rect1" refType="w" fact="0"/>
+                  <dgm:constr type="t" for="ch" forName="rect1" refType="h" fact="0"/>
+                  <dgm:constr type="w" for="ch" forName="rect1" refType="w" fact="0.3"/>
+                  <dgm:constr type="h" for="ch" forName="rect1" refType="h"/>
+                  <dgm:constr type="l" for="ch" forName="rect2" refType="w" fact="0.33"/>
+                  <dgm:constr type="t" for="ch" forName="rect2" refType="h" fact="0"/>
+                  <dgm:constr type="w" for="ch" forName="rect2" refType="w" fact="0.67"/>
+                  <dgm:constr type="h" for="ch" forName="rect2" refType="h"/>
+                </dgm:constrLst>
+              </dgm:if>
+              <dgm:else name="Name6">
+                <dgm:constrLst>
+                  <dgm:constr type="l" for="ch" forName="rect1" refType="w" fact="0.7"/>
+                  <dgm:constr type="t" for="ch" forName="rect1" refType="h" fact="0"/>
+                  <dgm:constr type="w" for="ch" forName="rect1" refType="w" fact="0.3"/>
+                  <dgm:constr type="h" for="ch" forName="rect1" refType="h"/>
+                  <dgm:constr type="l" for="ch" forName="rect2" refType="w" fact="0"/>
+                  <dgm:constr type="t" for="ch" forName="rect2" refType="h" fact="0"/>
+                  <dgm:constr type="w" for="ch" forName="rect2" refType="w" fact="0.67"/>
+                  <dgm:constr type="h" for="ch" forName="rect2" refType="h"/>
+                </dgm:constrLst>
+              </dgm:else>
+            </dgm:choose>
+          </dgm:if>
+          <dgm:else name="Name3">
+            <dgm:choose name="Name7">
+              <dgm:if name="Name8" axis="desOrSelf" ptType="node" func="posOdd" op="equ" val="1">
+                <dgm:constrLst>
+                  <dgm:constr type="l" for="ch" forName="rect1" refType="w" fact="0.7"/>
+                  <dgm:constr type="t" for="ch" forName="rect1" refType="h" fact="0"/>
+                  <dgm:constr type="w" for="ch" forName="rect1" refType="w" fact="0.3"/>
+                  <dgm:constr type="h" for="ch" forName="rect1" refType="h"/>
+                  <dgm:constr type="l" for="ch" forName="rect2" refType="w" fact="0"/>
+                  <dgm:constr type="t" for="ch" forName="rect2" refType="h" fact="0"/>
+                  <dgm:constr type="w" for="ch" forName="rect2" refType="w" fact="0.67"/>
+                  <dgm:constr type="h" for="ch" forName="rect2" refType="h"/>
+                </dgm:constrLst>
+              </dgm:if>
+              <dgm:else name="Name9">
+                <dgm:constrLst>
+                  <dgm:constr type="l" for="ch" forName="rect1" refType="w" fact="0"/>
+                  <dgm:constr type="t" for="ch" forName="rect1" refType="h" fact="0"/>
+                  <dgm:constr type="w" for="ch" forName="rect1" refType="w" fact="0.3"/>
+                  <dgm:constr type="h" for="ch" forName="rect1" refType="h"/>
+                  <dgm:constr type="l" for="ch" forName="rect2" refType="w" fact="0.33"/>
+                  <dgm:constr type="t" for="ch" forName="rect2" refType="h" fact="0"/>
+                  <dgm:constr type="w" for="ch" forName="rect2" refType="w" fact="0.67"/>
+                  <dgm:constr type="h" for="ch" forName="rect2" refType="h"/>
+                </dgm:constrLst>
+              </dgm:else>
+            </dgm:choose>
+          </dgm:else>
+        </dgm:choose>
+        <dgm:ruleLst/>
+        <dgm:layoutNode name="rect2" styleLbl="node1">
+          <dgm:varLst>
+            <dgm:bulletEnabled val="1"/>
+          </dgm:varLst>
+          <dgm:alg type="tx"/>
+          <dgm:shape xmlns:r="http://schemas.openxmlformats.org/officeDocument/2006/relationships" type="rect" r:blip="">
+            <dgm:adjLst/>
+          </dgm:shape>
+          <dgm:presOf axis="desOrSelf" ptType="node"/>
+          <dgm:constrLst>
+            <dgm:constr type="primFontSz" val="65"/>
+            <dgm:constr type="lMarg" refType="primFontSz" fact="0.3"/>
+            <dgm:constr type="rMarg" refType="primFontSz" fact="0.3"/>
+            <dgm:constr type="tMarg" refType="primFontSz" fact="0.3"/>
+            <dgm:constr type="bMarg" refType="primFontSz" fact="0.3"/>
+          </dgm:constrLst>
+          <dgm:ruleLst>
+            <dgm:rule type="primFontSz" val="5" fact="NaN" max="NaN"/>
+          </dgm:ruleLst>
+        </dgm:layoutNode>
+        <dgm:layoutNode name="rect1" styleLbl="lnNode1">
+          <dgm:alg type="sp"/>
+          <dgm:shape xmlns:r="http://schemas.openxmlformats.org/officeDocument/2006/relationships" type="rect" r:blip="" blipPhldr="1">
+            <dgm:adjLst/>
+          </dgm:shape>
+          <dgm:presOf/>
+        </dgm:layoutNode>
+      </dgm:layoutNode>
+      <dgm:forEach name="sibTransForEach" axis="followSib" ptType="sibTrans" cnt="1">
+        <dgm:layoutNode name="sibTrans">
+          <dgm:alg type="sp"/>
+          <dgm:shape xmlns:r="http://schemas.openxmlformats.org/officeDocument/2006/relationships" r:blip="">
+            <dgm:adjLst/>
+          </dgm:shape>
+        </dgm:layoutNode>
+      </dgm:forEach>
+    </dgm:forEach>
+  </dgm:layoutNode>
+</dgm:layoutDef>
+</file>
+
+<file path=ppt/diagrams/quickStyle1.xml><?xml version="1.0" encoding="utf-8"?>
+<dgm:styleDef xmlns:dgm="http://schemas.openxmlformats.org/drawingml/2006/diagram" xmlns:a="http://schemas.openxmlformats.org/drawingml/2006/main" uniqueId="urn:microsoft.com/office/officeart/2005/8/quickstyle/simple1">
+  <dgm:title val=""/>
+  <dgm:desc val=""/>
+  <dgm:catLst>
+    <dgm:cat type="simple" pri="10100"/>
+  </dgm:catLst>
+  <dgm:scene3d>
+    <a:camera prst="orthographicFront"/>
+    <a:lightRig rig="threePt" dir="t"/>
+  </dgm:scene3d>
+  <dgm:styleLbl name="node0">
+    <dgm:scene3d>
+      <a:camera prst="orthographicFront"/>
+      <a:lightRig rig="threePt" dir="t"/>
+    </dgm:scene3d>
+    <dgm:sp3d/>
+    <dgm:txPr/>
+    <dgm:style>
+      <a:lnRef idx="2">
+        <a:scrgbClr r="0" g="0" b="0"/>
+      </a:lnRef>
+      <a:fillRef idx="1">
+        <a:scrgbClr r="0" g="0" b="0"/>
+      </a:fillRef>
+      <a:effectRef idx="0">
+        <a:scrgbClr r="0" g="0" b="0"/>
+      </a:effectRef>
+      <a:fontRef idx="minor">
+        <a:schemeClr val="lt1"/>
+      </a:fontRef>
+    </dgm:style>
+  </dgm:styleLbl>
+  <dgm:styleLbl name="lnNode1">
+    <dgm:scene3d>
+      <a:camera prst="orthographicFront"/>
+      <a:lightRig rig="threePt" dir="t"/>
+    </dgm:scene3d>
+    <dgm:sp3d/>
+    <dgm:txPr/>
+    <dgm:style>
+      <a:lnRef idx="2">
+        <a:scrgbClr r="0" g="0" b="0"/>
+      </a:lnRef>
+      <a:fillRef idx="1">
+        <a:scrgbClr r="0" g="0" b="0"/>
+      </a:fillRef>
+      <a:effectRef idx="0">
+        <a:scrgbClr r="0" g="0" b="0"/>
+      </a:effectRef>
+      <a:fontRef idx="minor">
+        <a:schemeClr val="lt1"/>
+      </a:fontRef>
+    </dgm:style>
+  </dgm:styleLbl>
+  <dgm:styleLbl name="vennNode1">
+    <dgm:scene3d>
+      <a:camera prst="orthographicFront"/>
+      <a:lightRig rig="threePt" dir="t"/>
+    </dgm:scene3d>
+    <dgm:sp3d/>
+    <dgm:txPr/>
+    <dgm:style>
+      <a:lnRef idx="2">
+        <a:scrgbClr r="0" g="0" b="0"/>
+      </a:lnRef>
+      <a:fillRef idx="1">
+        <a:scrgbClr r="0" g="0" b="0"/>
+      </a:fillRef>
+      <a:effectRef idx="0">
+        <a:scrgbClr r="0" g="0" b="0"/>
+      </a:effectRef>
+      <a:fontRef idx="minor">
+        <a:schemeClr val="tx1"/>
+      </a:fontRef>
+    </dgm:style>
+  </dgm:styleLbl>
+  <dgm:styleLbl name="alignNode1">
+    <dgm:scene3d>
+      <a:camera prst="orthographicFront"/>
+      <a:lightRig rig="threePt" dir="t"/>
+    </dgm:scene3d>
+    <dgm:sp3d/>
+    <dgm:txPr/>
+    <dgm:style>
+      <a:lnRef idx="2">
+        <a:scrgbClr r="0" g="0" b="0"/>
+      </a:lnRef>
+      <a:fillRef idx="1">
+        <a:scrgbClr r="0" g="0" b="0"/>
+      </a:fillRef>
+      <a:effectRef idx="0">
+        <a:scrgbClr r="0" g="0" b="0"/>
+      </a:effectRef>
+      <a:fontRef idx="minor">
+        <a:schemeClr val="lt1"/>
+      </a:fontRef>
+    </dgm:style>
+  </dgm:styleLbl>
+  <dgm:styleLbl name="node1">
+    <dgm:scene3d>
+      <a:camera prst="orthographicFront"/>
+      <a:lightRig rig="threePt" dir="t"/>
+    </dgm:scene3d>
+    <dgm:sp3d/>
+    <dgm:txPr/>
+    <dgm:style>
+      <a:lnRef idx="2">
+        <a:scrgbClr r="0" g="0" b="0"/>
+      </a:lnRef>
+      <a:fillRef idx="1">
+        <a:scrgbClr r="0" g="0" b="0"/>
+      </a:fillRef>
+      <a:effectRef idx="0">
+        <a:scrgbClr r="0" g="0" b="0"/>
+      </a:effectRef>
+      <a:fontRef idx="minor">
+        <a:schemeClr val="lt1"/>
+      </a:fontRef>
+    </dgm:style>
+  </dgm:styleLbl>
+  <dgm:styleLbl name="node2">
+    <dgm:scene3d>
+      <a:camera prst="orthographicFront"/>
+      <a:lightRig rig="threePt" dir="t"/>
+    </dgm:scene3d>
+    <dgm:sp3d/>
+    <dgm:txPr/>
+    <dgm:style>
+      <a:lnRef idx="2">
+        <a:scrgbClr r="0" g="0" b="0"/>
+      </a:lnRef>
+      <a:fillRef idx="1">
+        <a:scrgbClr r="0" g="0" b="0"/>
+      </a:fillRef>
+      <a:effectRef idx="0">
+        <a:scrgbClr r="0" g="0" b="0"/>
+      </a:effectRef>
+      <a:fontRef idx="minor">
+        <a:schemeClr val="lt1"/>
+      </a:fontRef>
+    </dgm:style>
+  </dgm:styleLbl>
+  <dgm:styleLbl name="node3">
+    <dgm:scene3d>
+      <a:camera prst="orthographicFront"/>
+      <a:lightRig rig="threePt" dir="t"/>
+    </dgm:scene3d>
+    <dgm:sp3d/>
+    <dgm:txPr/>
+    <dgm:style>
+      <a:lnRef idx="2">
+        <a:scrgbClr r="0" g="0" b="0"/>
+      </a:lnRef>
+      <a:fillRef idx="1">
+        <a:scrgbClr r="0" g="0" b="0"/>
+      </a:fillRef>
+      <a:effectRef idx="0">
+        <a:scrgbClr r="0" g="0" b="0"/>
+      </a:effectRef>
+      <a:fontRef idx="minor">
+        <a:schemeClr val="lt1"/>
+      </a:fontRef>
+    </dgm:style>
+  </dgm:styleLbl>
+  <dgm:styleLbl name="node4">
+    <dgm:scene3d>
+      <a:camera prst="orthographicFront"/>
+      <a:lightRig rig="threePt" dir="t"/>
+    </dgm:scene3d>
+    <dgm:sp3d/>
+    <dgm:txPr/>
+    <dgm:style>
+      <a:lnRef idx="2">
+        <a:scrgbClr r="0" g="0" b="0"/>
+      </a:lnRef>
+      <a:fillRef idx="1">
+        <a:scrgbClr r="0" g="0" b="0"/>
+      </a:fillRef>
+      <a:effectRef idx="0">
+        <a:scrgbClr r="0" g="0" b="0"/>
+      </a:effectRef>
+      <a:fontRef idx="minor">
+        <a:schemeClr val="lt1"/>
+      </a:fontRef>
+    </dgm:style>
+  </dgm:styleLbl>
+  <dgm:styleLbl name="fgImgPlace1">
+    <dgm:scene3d>
+      <a:camera prst="orthographicFront"/>
+      <a:lightRig rig="threePt" dir="t"/>
+    </dgm:scene3d>
+    <dgm:sp3d/>
+    <dgm:txPr/>
+    <dgm:style>
+      <a:lnRef idx="2">
+        <a:scrgbClr r="0" g="0" b="0"/>
+      </a:lnRef>
+      <a:fillRef idx="1">
+        <a:scrgbClr r="0" g="0" b="0"/>
+      </a:fillRef>
+      <a:effectRef idx="0">
+        <a:scrgbClr r="0" g="0" b="0"/>
+      </a:effectRef>
+      <a:fontRef idx="minor"/>
+    </dgm:style>
+  </dgm:styleLbl>
+  <dgm:styleLbl name="alignImgPlace1">
+    <dgm:scene3d>
+      <a:camera prst="orthographicFront"/>
+      <a:lightRig rig="threePt" dir="t"/>
+    </dgm:scene3d>
+    <dgm:sp3d/>
+    <dgm:txPr/>
+    <dgm:style>
+      <a:lnRef idx="2">
+        <a:scrgbClr r="0" g="0" b="0"/>
+      </a:lnRef>
+      <a:fillRef idx="1">
+        <a:scrgbClr r="0" g="0" b="0"/>
+      </a:fillRef>
+      <a:effectRef idx="0">
+        <a:scrgbClr r="0" g="0" b="0"/>
+      </a:effectRef>
+      <a:fontRef idx="minor"/>
+    </dgm:style>
+  </dgm:styleLbl>
+  <dgm:styleLbl name="bgImgPlace1">
+    <dgm:scene3d>
+      <a:camera prst="orthographicFront"/>
+      <a:lightRig rig="threePt" dir="t"/>
+    </dgm:scene3d>
+    <dgm:sp3d/>
+    <dgm:txPr/>
+    <dgm:style>
+      <a:lnRef idx="2">
+        <a:scrgbClr r="0" g="0" b="0"/>
+      </a:lnRef>
+      <a:fillRef idx="1">
+        <a:scrgbClr r="0" g="0" b="0"/>
+      </a:fillRef>
+      <a:effectRef idx="0">
+        <a:scrgbClr r="0" g="0" b="0"/>
+      </a:effectRef>
+      <a:fontRef idx="minor"/>
+    </dgm:style>
+  </dgm:styleLbl>
+  <dgm:styleLbl name="sibTrans2D1">
+    <dgm:scene3d>
+      <a:camera prst="orthographicFront"/>
+      <a:lightRig rig="threePt" dir="t"/>
+    </dgm:scene3d>
+    <dgm:sp3d/>
+    <dgm:txPr/>
+    <dgm:style>
+      <a:lnRef idx="0">
+        <a:scrgbClr r="0" g="0" b="0"/>
+      </a:lnRef>
+      <a:fillRef idx="1">
+        <a:scrgbClr r="0" g="0" b="0"/>
+      </a:fillRef>
+      <a:effectRef idx="0">
+        <a:scrgbClr r="0" g="0" b="0"/>
+      </a:effectRef>
+      <a:fontRef idx="minor">
+        <a:schemeClr val="lt1"/>
+      </a:fontRef>
+    </dgm:style>
+  </dgm:styleLbl>
+  <dgm:styleLbl name="fgSibTrans2D1">
+    <dgm:scene3d>
+      <a:camera prst="orthographicFront"/>
+      <a:lightRig rig="threePt" dir="t"/>
+    </dgm:scene3d>
+    <dgm:sp3d/>
+    <dgm:txPr/>
+    <dgm:style>
+      <a:lnRef idx="0">
+        <a:scrgbClr r="0" g="0" b="0"/>
+      </a:lnRef>
+      <a:fillRef idx="1">
+        <a:scrgbClr r="0" g="0" b="0"/>
+      </a:fillRef>
+      <a:effectRef idx="0">
+        <a:scrgbClr r="0" g="0" b="0"/>
+      </a:effectRef>
+      <a:fontRef idx="minor">
+        <a:schemeClr val="lt1"/>
+      </a:fontRef>
+    </dgm:style>
+  </dgm:styleLbl>
+  <dgm:styleLbl name="bgSibTrans2D1">
+    <dgm:scene3d>
+      <a:camera prst="orthographicFront"/>
+      <a:lightRig rig="threePt" dir="t"/>
+    </dgm:scene3d>
+    <dgm:sp3d/>
+    <dgm:txPr/>
+    <dgm:style>
+      <a:lnRef idx="0">
+        <a:scrgbClr r="0" g="0" b="0"/>
+      </a:lnRef>
+      <a:fillRef idx="1">
+        <a:scrgbClr r="0" g="0" b="0"/>
+      </a:fillRef>
+      <a:effectRef idx="0">
+        <a:scrgbClr r="0" g="0" b="0"/>
+      </a:effectRef>
+      <a:fontRef idx="minor">
+        <a:schemeClr val="lt1"/>
+      </a:fontRef>
+    </dgm:style>
+  </dgm:styleLbl>
+  <dgm:styleLbl name="sibTrans1D1">
+    <dgm:scene3d>
+      <a:camera prst="orthographicFront"/>
+      <a:lightRig rig="threePt" dir="t"/>
+    </dgm:scene3d>
+    <dgm:sp3d/>
+    <dgm:txPr/>
+    <dgm:style>
+      <a:lnRef idx="1">
+        <a:scrgbClr r="0" g="0" b="0"/>
+      </a:lnRef>
+      <a:fillRef idx="0">
+        <a:scrgbClr r="0" g="0" b="0"/>
+      </a:fillRef>
+      <a:effectRef idx="0">
+        <a:scrgbClr r="0" g="0" b="0"/>
+      </a:effectRef>
+      <a:fontRef idx="minor"/>
+    </dgm:style>
+  </dgm:styleLbl>
+  <dgm:styleLbl name="callout">
+    <dgm:scene3d>
+      <a:camera prst="orthographicFront"/>
+      <a:lightRig rig="threePt" dir="t"/>
+    </dgm:scene3d>
+    <dgm:sp3d/>
+    <dgm:txPr/>
+    <dgm:style>
+      <a:lnRef idx="2">
+        <a:scrgbClr r="0" g="0" b="0"/>
+      </a:lnRef>
+      <a:fillRef idx="1">
+        <a:scrgbClr r="0" g="0" b="0"/>
+      </a:fillRef>
+      <a:effectRef idx="0">
+        <a:scrgbClr r="0" g="0" b="0"/>
+      </a:effectRef>
+      <a:fontRef idx="minor"/>
+    </dgm:style>
+  </dgm:styleLbl>
+  <dgm:styleLbl name="asst0">
+    <dgm:scene3d>
+      <a:camera prst="orthographicFront"/>
+      <a:lightRig rig="threePt" dir="t"/>
+    </dgm:scene3d>
+    <dgm:sp3d/>
+    <dgm:txPr/>
+    <dgm:style>
+      <a:lnRef idx="2">
+        <a:scrgbClr r="0" g="0" b="0"/>
+      </a:lnRef>
+      <a:fillRef idx="1">
+        <a:scrgbClr r="0" g="0" b="0"/>
+      </a:fillRef>
+      <a:effectRef idx="0">
+        <a:scrgbClr r="0" g="0" b="0"/>
+      </a:effectRef>
+      <a:fontRef idx="minor">
+        <a:schemeClr val="lt1"/>
+      </a:fontRef>
+    </dgm:style>
+  </dgm:styleLbl>
+  <dgm:styleLbl name="asst1">
+    <dgm:scene3d>
+      <a:camera prst="orthographicFront"/>
+      <a:lightRig rig="threePt" dir="t"/>
+    </dgm:scene3d>
+    <dgm:sp3d/>
+    <dgm:txPr/>
+    <dgm:style>
+      <a:lnRef idx="2">
+        <a:scrgbClr r="0" g="0" b="0"/>
+      </a:lnRef>
+      <a:fillRef idx="1">
+        <a:scrgbClr r="0" g="0" b="0"/>
+      </a:fillRef>
+      <a:effectRef idx="0">
+        <a:scrgbClr r="0" g="0" b="0"/>
+      </a:effectRef>
+      <a:fontRef idx="minor">
+        <a:schemeClr val="lt1"/>
+      </a:fontRef>
+    </dgm:style>
+  </dgm:styleLbl>
+  <dgm:styleLbl name="asst2">
+    <dgm:scene3d>
+      <a:camera prst="orthographicFront"/>
+      <a:lightRig rig="threePt" dir="t"/>
+    </dgm:scene3d>
+    <dgm:sp3d/>
+    <dgm:txPr/>
+    <dgm:style>
+      <a:lnRef idx="2">
+        <a:scrgbClr r="0" g="0" b="0"/>
+      </a:lnRef>
+      <a:fillRef idx="1">
+        <a:scrgbClr r="0" g="0" b="0"/>
+      </a:fillRef>
+      <a:effectRef idx="0">
+        <a:scrgbClr r="0" g="0" b="0"/>
+      </a:effectRef>
+      <a:fontRef idx="minor">
+        <a:schemeClr val="lt1"/>
+      </a:fontRef>
+    </dgm:style>
+  </dgm:styleLbl>
+  <dgm:styleLbl name="asst3">
+    <dgm:scene3d>
+      <a:camera prst="orthographicFront"/>
+      <a:lightRig rig="threePt" dir="t"/>
+    </dgm:scene3d>
+    <dgm:sp3d/>
+    <dgm:txPr/>
+    <dgm:style>
+      <a:lnRef idx="2">
+        <a:scrgbClr r="0" g="0" b="0"/>
+      </a:lnRef>
+      <a:fillRef idx="1">
+        <a:scrgbClr r="0" g="0" b="0"/>
+      </a:fillRef>
+      <a:effectRef idx="0">
+        <a:scrgbClr r="0" g="0" b="0"/>
+      </a:effectRef>
+      <a:fontRef idx="minor">
+        <a:schemeClr val="lt1"/>
+      </a:fontRef>
+    </dgm:style>
+  </dgm:styleLbl>
+  <dgm:styleLbl name="asst4">
+    <dgm:scene3d>
+      <a:camera prst="orthographicFront"/>
+      <a:lightRig rig="threePt" dir="t"/>
+    </dgm:scene3d>
+    <dgm:sp3d/>
+    <dgm:txPr/>
+    <dgm:style>
+      <a:lnRef idx="2">
+        <a:scrgbClr r="0" g="0" b="0"/>
+      </a:lnRef>
+      <a:fillRef idx="1">
+        <a:scrgbClr r="0" g="0" b="0"/>
+      </a:fillRef>
+      <a:effectRef idx="0">
+        <a:scrgbClr r="0" g="0" b="0"/>
+      </a:effectRef>
+      <a:fontRef idx="minor">
+        <a:schemeClr val="lt1"/>
+      </a:fontRef>
+    </dgm:style>
+  </dgm:styleLbl>
+  <dgm:styleLbl name="parChTrans2D1">
+    <dgm:scene3d>
+      <a:camera prst="orthographicFront"/>
+      <a:lightRig rig="threePt" dir="t"/>
+    </dgm:scene3d>
+    <dgm:sp3d/>
+    <dgm:txPr/>
+    <dgm:style>
+      <a:lnRef idx="2">
+        <a:scrgbClr r="0" g="0" b="0"/>
+      </a:lnRef>
+      <a:fillRef idx="1">
+        <a:scrgbClr r="0" g="0" b="0"/>
+      </a:fillRef>
+      <a:effectRef idx="0">
+        <a:scrgbClr r="0" g="0" b="0"/>
+      </a:effectRef>
+      <a:fontRef idx="minor">
+        <a:schemeClr val="lt1"/>
+      </a:fontRef>
+    </dgm:style>
+  </dgm:styleLbl>
+  <dgm:styleLbl name="parChTrans2D2">
+    <dgm:scene3d>
+      <a:camera prst="orthographicFront"/>
+      <a:lightRig rig="threePt" dir="t"/>
+    </dgm:scene3d>
+    <dgm:sp3d/>
+    <dgm:txPr/>
+    <dgm:style>
+      <a:lnRef idx="2">
+        <a:scrgbClr r="0" g="0" b="0"/>
+      </a:lnRef>
+      <a:fillRef idx="1">
+        <a:scrgbClr r="0" g="0" b="0"/>
+      </a:fillRef>
+      <a:effectRef idx="0">
+        <a:scrgbClr r="0" g="0" b="0"/>
+      </a:effectRef>
+      <a:fontRef idx="minor">
+        <a:schemeClr val="lt1"/>
+      </a:fontRef>
+    </dgm:style>
+  </dgm:styleLbl>
+  <dgm:styleLbl name="parChTrans2D3">
+    <dgm:scene3d>
+      <a:camera prst="orthographicFront"/>
+      <a:lightRig rig="threePt" dir="t"/>
+    </dgm:scene3d>
+    <dgm:sp3d/>
+    <dgm:txPr/>
+    <dgm:style>
+      <a:lnRef idx="2">
+        <a:scrgbClr r="0" g="0" b="0"/>
+      </a:lnRef>
+      <a:fillRef idx="1">
+        <a:scrgbClr r="0" g="0" b="0"/>
+      </a:fillRef>
+      <a:effectRef idx="0">
+        <a:scrgbClr r="0" g="0" b="0"/>
+      </a:effectRef>
+      <a:fontRef idx="minor">
+        <a:schemeClr val="lt1"/>
+      </a:fontRef>
+    </dgm:style>
+  </dgm:styleLbl>
+  <dgm:styleLbl name="parChTrans2D4">
+    <dgm:scene3d>
+      <a:camera prst="orthographicFront"/>
+      <a:lightRig rig="threePt" dir="t"/>
+    </dgm:scene3d>
+    <dgm:sp3d/>
+    <dgm:txPr/>
+    <dgm:style>
+      <a:lnRef idx="2">
+        <a:scrgbClr r="0" g="0" b="0"/>
+      </a:lnRef>
+      <a:fillRef idx="1">
+        <a:scrgbClr r="0" g="0" b="0"/>
+      </a:fillRef>
+      <a:effectRef idx="0">
+        <a:scrgbClr r="0" g="0" b="0"/>
+      </a:effectRef>
+      <a:fontRef idx="minor">
+        <a:schemeClr val="lt1"/>
+      </a:fontRef>
+    </dgm:style>
+  </dgm:styleLbl>
+  <dgm:styleLbl name="parChTrans1D1">
+    <dgm:scene3d>
+      <a:camera prst="orthographicFront"/>
+      <a:lightRig rig="threePt" dir="t"/>
+    </dgm:scene3d>
+    <dgm:sp3d/>
+    <dgm:txPr/>
+    <dgm:style>
+      <a:lnRef idx="2">
+        <a:scrgbClr r="0" g="0" b="0"/>
+      </a:lnRef>
+      <a:fillRef idx="0">
+        <a:scrgbClr r="0" g="0" b="0"/>
+      </a:fillRef>
+      <a:effectRef idx="0">
+        <a:scrgbClr r="0" g="0" b="0"/>
+      </a:effectRef>
+      <a:fontRef idx="minor"/>
+    </dgm:style>
+  </dgm:styleLbl>
+  <dgm:styleLbl name="parChTrans1D2">
+    <dgm:scene3d>
+      <a:camera prst="orthographicFront"/>
+      <a:lightRig rig="threePt" dir="t"/>
+    </dgm:scene3d>
+    <dgm:sp3d/>
+    <dgm:txPr/>
+    <dgm:style>
+      <a:lnRef idx="2">
+        <a:scrgbClr r="0" g="0" b="0"/>
+      </a:lnRef>
+      <a:fillRef idx="0">
+        <a:scrgbClr r="0" g="0" b="0"/>
+      </a:fillRef>
+      <a:effectRef idx="0">
+        <a:scrgbClr r="0" g="0" b="0"/>
+      </a:effectRef>
+      <a:fontRef idx="minor"/>
+    </dgm:style>
+  </dgm:styleLbl>
+  <dgm:styleLbl name="parChTrans1D3">
+    <dgm:scene3d>
+      <a:camera prst="orthographicFront"/>
+      <a:lightRig rig="threePt" dir="t"/>
+    </dgm:scene3d>
+    <dgm:sp3d/>
+    <dgm:txPr/>
+    <dgm:style>
+      <a:lnRef idx="2">
+        <a:scrgbClr r="0" g="0" b="0"/>
+      </a:lnRef>
+      <a:fillRef idx="0">
+        <a:scrgbClr r="0" g="0" b="0"/>
+      </a:fillRef>
+      <a:effectRef idx="0">
+        <a:scrgbClr r="0" g="0" b="0"/>
+      </a:effectRef>
+      <a:fontRef idx="minor"/>
+    </dgm:style>
+  </dgm:styleLbl>
+  <dgm:styleLbl name="parChTrans1D4">
+    <dgm:scene3d>
+      <a:camera prst="orthographicFront"/>
+      <a:lightRig rig="threePt" dir="t"/>
+    </dgm:scene3d>
+    <dgm:sp3d/>
+    <dgm:txPr/>
+    <dgm:style>
+      <a:lnRef idx="2">
+        <a:scrgbClr r="0" g="0" b="0"/>
+      </a:lnRef>
+      <a:fillRef idx="0">
+        <a:scrgbClr r="0" g="0" b="0"/>
+      </a:fillRef>
+      <a:effectRef idx="0">
+        <a:scrgbClr r="0" g="0" b="0"/>
+      </a:effectRef>
+      <a:fontRef idx="minor"/>
+    </dgm:style>
+  </dgm:styleLbl>
+  <dgm:styleLbl name="fgAcc1">
+    <dgm:scene3d>
+      <a:camera prst="orthographicFront"/>
+      <a:lightRig rig="threePt" dir="t"/>
+    </dgm:scene3d>
+    <dgm:sp3d/>
+    <dgm:txPr/>
+    <dgm:style>
+      <a:lnRef idx="2">
+        <a:scrgbClr r="0" g="0" b="0"/>
+      </a:lnRef>
+      <a:fillRef idx="1">
+        <a:scrgbClr r="0" g="0" b="0"/>
+      </a:fillRef>
+      <a:effectRef idx="0">
+        <a:scrgbClr r="0" g="0" b="0"/>
+      </a:effectRef>
+      <a:fontRef idx="minor"/>
+    </dgm:style>
+  </dgm:styleLbl>
+  <dgm:styleLbl name="conFgAcc1">
+    <dgm:scene3d>
+      <a:camera prst="orthographicFront"/>
+      <a:lightRig rig="threePt" dir="t"/>
+    </dgm:scene3d>
+    <dgm:sp3d/>
+    <dgm:txPr/>
+    <dgm:style>
+      <a:lnRef idx="2">
+        <a:scrgbClr r="0" g="0" b="0"/>
+      </a:lnRef>
+      <a:fillRef idx="1">
+        <a:scrgbClr r="0" g="0" b="0"/>
+      </a:fillRef>
+      <a:effectRef idx="0">
+        <a:scrgbClr r="0" g="0" b="0"/>
+      </a:effectRef>
+      <a:fontRef idx="minor"/>
+    </dgm:style>
+  </dgm:styleLbl>
+  <dgm:styleLbl name="alignAcc1">
+    <dgm:scene3d>
+      <a:camera prst="orthographicFront"/>
+      <a:lightRig rig="threePt" dir="t"/>
+    </dgm:scene3d>
+    <dgm:sp3d/>
+    <dgm:txPr/>
+    <dgm:style>
+      <a:lnRef idx="2">
+        <a:scrgbClr r="0" g="0" b="0"/>
+      </a:lnRef>
+      <a:fillRef idx="1">
+        <a:scrgbClr r="0" g="0" b="0"/>
+      </a:fillRef>
+      <a:effectRef idx="0">
+        <a:scrgbClr r="0" g="0" b="0"/>
+      </a:effectRef>
+      <a:fontRef idx="minor"/>
+    </dgm:style>
+  </dgm:styleLbl>
+  <dgm:styleLbl name="trAlignAcc1">
+    <dgm:scene3d>
+      <a:camera prst="orthographicFront"/>
+      <a:lightRig rig="threePt" dir="t"/>
+    </dgm:scene3d>
+    <dgm:sp3d/>
+    <dgm:txPr/>
+    <dgm:style>
+      <a:lnRef idx="1">
+        <a:scrgbClr r="0" g="0" b="0"/>
+      </a:lnRef>
+      <a:fillRef idx="1">
+        <a:scrgbClr r="0" g="0" b="0"/>
+      </a:fillRef>
+      <a:effectRef idx="0">
+        <a:scrgbClr r="0" g="0" b="0"/>
+      </a:effectRef>
+      <a:fontRef idx="minor"/>
+    </dgm:style>
+  </dgm:styleLbl>
+  <dgm:styleLbl name="bgAcc1">
+    <dgm:scene3d>
+      <a:camera prst="orthographicFront"/>
+      <a:lightRig rig="threePt" dir="t"/>
+    </dgm:scene3d>
+    <dgm:sp3d/>
+    <dgm:txPr/>
+    <dgm:style>
+      <a:lnRef idx="2">
+        <a:scrgbClr r="0" g="0" b="0"/>
+      </a:lnRef>
+      <a:fillRef idx="1">
+        <a:scrgbClr r="0" g="0" b="0"/>
+      </a:fillRef>
+      <a:effectRef idx="0">
+        <a:scrgbClr r="0" g="0" b="0"/>
+      </a:effectRef>
+      <a:fontRef idx="minor"/>
+    </dgm:style>
+  </dgm:styleLbl>
+  <dgm:styleLbl name="solidFgAcc1">
+    <dgm:scene3d>
+      <a:camera prst="orthographicFront"/>
+      <a:lightRig rig="threePt" dir="t"/>
+    </dgm:scene3d>
+    <dgm:sp3d/>
+    <dgm:txPr/>
+    <dgm:style>
+      <a:lnRef idx="2">
+        <a:scrgbClr r="0" g="0" b="0"/>
+      </a:lnRef>
+      <a:fillRef idx="1">
+        <a:scrgbClr r="0" g="0" b="0"/>
+      </a:fillRef>
+      <a:effectRef idx="0">
+        <a:scrgbClr r="0" g="0" b="0"/>
+      </a:effectRef>
+      <a:fontRef idx="minor"/>
+    </dgm:style>
+  </dgm:styleLbl>
+  <dgm:styleLbl name="solidAlignAcc1">
+    <dgm:scene3d>
+      <a:camera prst="orthographicFront"/>
+      <a:lightRig rig="threePt" dir="t"/>
+    </dgm:scene3d>
+    <dgm:sp3d/>
+    <dgm:txPr/>
+    <dgm:style>
+      <a:lnRef idx="2">
+        <a:scrgbClr r="0" g="0" b="0"/>
+      </a:lnRef>
+      <a:fillRef idx="1">
+        <a:scrgbClr r="0" g="0" b="0"/>
+      </a:fillRef>
+      <a:effectRef idx="0">
+        <a:scrgbClr r="0" g="0" b="0"/>
+      </a:effectRef>
+      <a:fontRef idx="minor"/>
+    </dgm:style>
+  </dgm:styleLbl>
+  <dgm:styleLbl name="solidBgAcc1">
+    <dgm:scene3d>
+      <a:camera prst="orthographicFront"/>
+      <a:lightRig rig="threePt" dir="t"/>
+    </dgm:scene3d>
+    <dgm:sp3d/>
+    <dgm:txPr/>
+    <dgm:style>
+      <a:lnRef idx="2">
+        <a:scrgbClr r="0" g="0" b="0"/>
+      </a:lnRef>
+      <a:fillRef idx="1">
+        <a:scrgbClr r="0" g="0" b="0"/>
+      </a:fillRef>
+      <a:effectRef idx="0">
+        <a:scrgbClr r="0" g="0" b="0"/>
+      </a:effectRef>
+      <a:fontRef idx="minor"/>
+    </dgm:style>
+  </dgm:styleLbl>
+  <dgm:styleLbl name="fgAccFollowNode1">
+    <dgm:scene3d>
+      <a:camera prst="orthographicFront"/>
+      <a:lightRig rig="threePt" dir="t"/>
+    </dgm:scene3d>
+    <dgm:sp3d/>
+    <dgm:txPr/>
+    <dgm:style>
+      <a:lnRef idx="2">
+        <a:scrgbClr r="0" g="0" b="0"/>
+      </a:lnRef>
+      <a:fillRef idx="1">
+        <a:scrgbClr r="0" g="0" b="0"/>
+      </a:fillRef>
+      <a:effectRef idx="0">
+        <a:scrgbClr r="0" g="0" b="0"/>
+      </a:effectRef>
+      <a:fontRef idx="minor"/>
+    </dgm:style>
+  </dgm:styleLbl>
+  <dgm:styleLbl name="alignAccFollowNode1">
+    <dgm:scene3d>
+      <a:camera prst="orthographicFront"/>
+      <a:lightRig rig="threePt" dir="t"/>
+    </dgm:scene3d>
+    <dgm:sp3d/>
+    <dgm:txPr/>
+    <dgm:style>
+      <a:lnRef idx="2">
+        <a:scrgbClr r="0" g="0" b="0"/>
+      </a:lnRef>
+      <a:fillRef idx="1">
+        <a:scrgbClr r="0" g="0" b="0"/>
+      </a:fillRef>
+      <a:effectRef idx="0">
+        <a:scrgbClr r="0" g="0" b="0"/>
+      </a:effectRef>
+      <a:fontRef idx="minor"/>
+    </dgm:style>
+  </dgm:styleLbl>
+  <dgm:styleLbl name="bgAccFollowNode1">
+    <dgm:scene3d>
+      <a:camera prst="orthographicFront"/>
+      <a:lightRig rig="threePt" dir="t"/>
+    </dgm:scene3d>
+    <dgm:sp3d/>
+    <dgm:txPr/>
+    <dgm:style>
+      <a:lnRef idx="2">
+        <a:scrgbClr r="0" g="0" b="0"/>
+      </a:lnRef>
+      <a:fillRef idx="1">
+        <a:scrgbClr r="0" g="0" b="0"/>
+      </a:fillRef>
+      <a:effectRef idx="0">
+        <a:scrgbClr r="0" g="0" b="0"/>
+      </a:effectRef>
+      <a:fontRef idx="minor"/>
+    </dgm:style>
+  </dgm:styleLbl>
+  <dgm:styleLbl name="fgAcc0">
+    <dgm:scene3d>
+      <a:camera prst="orthographicFront"/>
+      <a:lightRig rig="threePt" dir="t"/>
+    </dgm:scene3d>
+    <dgm:sp3d/>
+    <dgm:txPr/>
+    <dgm:style>
+      <a:lnRef idx="2">
+        <a:scrgbClr r="0" g="0" b="0"/>
+      </a:lnRef>
+      <a:fillRef idx="1">
+        <a:scrgbClr r="0" g="0" b="0"/>
+      </a:fillRef>
+      <a:effectRef idx="0">
+        <a:scrgbClr r="0" g="0" b="0"/>
+      </a:effectRef>
+      <a:fontRef idx="minor"/>
+    </dgm:style>
+  </dgm:styleLbl>
+  <dgm:styleLbl name="fgAcc2">
+    <dgm:scene3d>
+      <a:camera prst="orthographicFront"/>
+      <a:lightRig rig="threePt" dir="t"/>
+    </dgm:scene3d>
+    <dgm:sp3d/>
+    <dgm:txPr/>
+    <dgm:style>
+      <a:lnRef idx="2">
+        <a:scrgbClr r="0" g="0" b="0"/>
+      </a:lnRef>
+      <a:fillRef idx="1">
+        <a:scrgbClr r="0" g="0" b="0"/>
+      </a:fillRef>
+      <a:effectRef idx="0">
+        <a:scrgbClr r="0" g="0" b="0"/>
+      </a:effectRef>
+      <a:fontRef idx="minor"/>
+    </dgm:style>
+  </dgm:styleLbl>
+  <dgm:styleLbl name="fgAcc3">
+    <dgm:scene3d>
+      <a:camera prst="orthographicFront"/>
+      <a:lightRig rig="threePt" dir="t"/>
+    </dgm:scene3d>
+    <dgm:sp3d/>
+    <dgm:txPr/>
+    <dgm:style>
+      <a:lnRef idx="2">
+        <a:scrgbClr r="0" g="0" b="0"/>
+      </a:lnRef>
+      <a:fillRef idx="1">
+        <a:scrgbClr r="0" g="0" b="0"/>
+      </a:fillRef>
+      <a:effectRef idx="0">
+        <a:scrgbClr r="0" g="0" b="0"/>
+      </a:effectRef>
+      <a:fontRef idx="minor"/>
+    </dgm:style>
+  </dgm:styleLbl>
+  <dgm:styleLbl name="fgAcc4">
+    <dgm:scene3d>
+      <a:camera prst="orthographicFront"/>
+      <a:lightRig rig="threePt" dir="t"/>
+    </dgm:scene3d>
+    <dgm:sp3d/>
+    <dgm:txPr/>
+    <dgm:style>
+      <a:lnRef idx="2">
+        <a:scrgbClr r="0" g="0" b="0"/>
+      </a:lnRef>
+      <a:fillRef idx="1">
+        <a:scrgbClr r="0" g="0" b="0"/>
+      </a:fillRef>
+      <a:effectRef idx="0">
+        <a:scrgbClr r="0" g="0" b="0"/>
+      </a:effectRef>
+      <a:fontRef idx="minor"/>
+    </dgm:style>
+  </dgm:styleLbl>
+  <dgm:styleLbl name="bgShp">
+    <dgm:scene3d>
+      <a:camera prst="orthographicFront"/>
+      <a:lightRig rig="threePt" dir="t"/>
+    </dgm:scene3d>
+    <dgm:sp3d/>
+    <dgm:txPr/>
+    <dgm:style>
+      <a:lnRef idx="0">
+        <a:scrgbClr r="0" g="0" b="0"/>
+      </a:lnRef>
+      <a:fillRef idx="1">
+        <a:scrgbClr r="0" g="0" b="0"/>
+      </a:fillRef>
+      <a:effectRef idx="0">
+        <a:scrgbClr r="0" g="0" b="0"/>
+      </a:effectRef>
+      <a:fontRef idx="minor"/>
+    </dgm:style>
+  </dgm:styleLbl>
+  <dgm:styleLbl name="dkBgShp">
+    <dgm:scene3d>
+      <a:camera prst="orthographicFront"/>
+      <a:lightRig rig="threePt" dir="t"/>
+    </dgm:scene3d>
+    <dgm:sp3d/>
+    <dgm:txPr/>
+    <dgm:style>
+      <a:lnRef idx="0">
+        <a:scrgbClr r="0" g="0" b="0"/>
+      </a:lnRef>
+      <a:fillRef idx="1">
+        <a:scrgbClr r="0" g="0" b="0"/>
+      </a:fillRef>
+      <a:effectRef idx="0">
+        <a:scrgbClr r="0" g="0" b="0"/>
+      </a:effectRef>
+      <a:fontRef idx="minor"/>
+    </dgm:style>
+  </dgm:styleLbl>
+  <dgm:styleLbl name="trBgShp">
+    <dgm:scene3d>
+      <a:camera prst="orthographicFront"/>
+      <a:lightRig rig="threePt" dir="t"/>
+    </dgm:scene3d>
+    <dgm:sp3d/>
+    <dgm:txPr/>
+    <dgm:style>
+      <a:lnRef idx="0">
+        <a:scrgbClr r="0" g="0" b="0"/>
+      </a:lnRef>
+      <a:fillRef idx="1">
+        <a:scrgbClr r="0" g="0" b="0"/>
+      </a:fillRef>
+      <a:effectRef idx="0">
+        <a:scrgbClr r="0" g="0" b="0"/>
+      </a:effectRef>
+      <a:fontRef idx="minor"/>
+    </dgm:style>
+  </dgm:styleLbl>
+  <dgm:styleLbl name="fgShp">
+    <dgm:scene3d>
+      <a:camera prst="orthographicFront"/>
+      <a:lightRig rig="threePt" dir="t"/>
+    </dgm:scene3d>
+    <dgm:sp3d/>
+    <dgm:txPr/>
+    <dgm:style>
+      <a:lnRef idx="2">
+        <a:scrgbClr r="0" g="0" b="0"/>
+      </a:lnRef>
+      <a:fillRef idx="1">
+        <a:scrgbClr r="0" g="0" b="0"/>
+      </a:fillRef>
+      <a:effectRef idx="0">
+        <a:scrgbClr r="0" g="0" b="0"/>
+      </a:effectRef>
+      <a:fontRef idx="minor"/>
+    </dgm:style>
+  </dgm:styleLbl>
+  <dgm:styleLbl name="revTx">
+    <dgm:scene3d>
+      <a:camera prst="orthographicFront"/>
+      <a:lightRig rig="threePt" dir="t"/>
+    </dgm:scene3d>
+    <dgm:sp3d/>
+    <dgm:txPr/>
+    <dgm:style>
+      <a:lnRef idx="0">
+        <a:scrgbClr r="0" g="0" b="0"/>
+      </a:lnRef>
+      <a:fillRef idx="0">
+        <a:scrgbClr r="0" g="0" b="0"/>
+      </a:fillRef>
+      <a:effectRef idx="0">
+        <a:scrgbClr r="0" g="0" b="0"/>
+      </a:effectRef>
+      <a:fontRef idx="minor"/>
+    </dgm:style>
+  </dgm:styleLbl>
+</dgm:styleDef>
+</file>
+
 <file path=ppt/handoutMasters/handoutMaster1.xml><?xml version="1.0" encoding="utf-8"?>
 <p:handoutMaster xmlns:a="http://schemas.openxmlformats.org/drawingml/2006/main" xmlns:r="http://schemas.openxmlformats.org/officeDocument/2006/relationships" xmlns:p="http://schemas.openxmlformats.org/presentationml/2006/main">
   <p:cSld>
@@ -216,7 +2829,7 @@
           <a:p>
             <a:fld id="{CBF8E931-3C61-4AA3-B983-7BA41D16B538}" type="datetimeFigureOut">
               <a:rPr lang="ru-RU" smtClean="0"/>
-              <a:t>06.04.2020</a:t>
+              <a:t>13.04.2020</a:t>
             </a:fld>
             <a:endParaRPr lang="ru-RU"/>
           </a:p>
@@ -381,7 +2994,7 @@
           <a:p>
             <a:fld id="{369BBAB6-7A97-49A7-8642-CF68CD1827E9}" type="datetimeFigureOut">
               <a:rPr lang="ru-RU" smtClean="0"/>
-              <a:t>06.04.2020</a:t>
+              <a:t>13.04.2020</a:t>
             </a:fld>
             <a:endParaRPr lang="ru-RU"/>
           </a:p>
@@ -648,6 +3261,174 @@
 </p:notesMaster>
 </file>
 
+<file path=ppt/notesSlides/notesSlide1.xml><?xml version="1.0" encoding="utf-8"?>
+<p:notes xmlns:a="http://schemas.openxmlformats.org/drawingml/2006/main" xmlns:r="http://schemas.openxmlformats.org/officeDocument/2006/relationships" xmlns:p="http://schemas.openxmlformats.org/presentationml/2006/main">
+  <p:cSld>
+    <p:spTree>
+      <p:nvGrpSpPr>
+        <p:cNvPr id="1" name=""/>
+        <p:cNvGrpSpPr/>
+        <p:nvPr/>
+      </p:nvGrpSpPr>
+      <p:grpSpPr>
+        <a:xfrm>
+          <a:off x="0" y="0"/>
+          <a:ext cx="0" cy="0"/>
+          <a:chOff x="0" y="0"/>
+          <a:chExt cx="0" cy="0"/>
+        </a:xfrm>
+      </p:grpSpPr>
+      <p:sp>
+        <p:nvSpPr>
+          <p:cNvPr id="2" name="Образ слайда 1"/>
+          <p:cNvSpPr>
+            <a:spLocks noGrp="1" noRot="1" noChangeAspect="1"/>
+          </p:cNvSpPr>
+          <p:nvPr>
+            <p:ph type="sldImg"/>
+          </p:nvPr>
+        </p:nvSpPr>
+        <p:spPr/>
+      </p:sp>
+      <p:sp>
+        <p:nvSpPr>
+          <p:cNvPr id="3" name="Заметки 2"/>
+          <p:cNvSpPr>
+            <a:spLocks noGrp="1"/>
+          </p:cNvSpPr>
+          <p:nvPr>
+            <p:ph type="body" idx="1"/>
+          </p:nvPr>
+        </p:nvSpPr>
+        <p:spPr/>
+        <p:txBody>
+          <a:bodyPr/>
+          <a:lstStyle/>
+          <a:p>
+            <a:endParaRPr lang="ru-RU" dirty="0"/>
+          </a:p>
+        </p:txBody>
+      </p:sp>
+      <p:sp>
+        <p:nvSpPr>
+          <p:cNvPr id="4" name="Номер слайда 3"/>
+          <p:cNvSpPr>
+            <a:spLocks noGrp="1"/>
+          </p:cNvSpPr>
+          <p:nvPr>
+            <p:ph type="sldNum" sz="quarter" idx="5"/>
+          </p:nvPr>
+        </p:nvSpPr>
+        <p:spPr/>
+        <p:txBody>
+          <a:bodyPr/>
+          <a:lstStyle/>
+          <a:p>
+            <a:fld id="{11494C88-21AE-412E-9731-CB6F2A41D3AC}" type="slidenum">
+              <a:rPr lang="ru-RU" smtClean="0"/>
+              <a:t>6</a:t>
+            </a:fld>
+            <a:endParaRPr lang="ru-RU"/>
+          </a:p>
+        </p:txBody>
+      </p:sp>
+    </p:spTree>
+    <p:extLst>
+      <p:ext uri="{BB962C8B-B14F-4D97-AF65-F5344CB8AC3E}">
+        <p14:creationId xmlns:p14="http://schemas.microsoft.com/office/powerpoint/2010/main" val="2612298825"/>
+      </p:ext>
+    </p:extLst>
+  </p:cSld>
+  <p:clrMapOvr>
+    <a:masterClrMapping/>
+  </p:clrMapOvr>
+</p:notes>
+</file>
+
+<file path=ppt/notesSlides/notesSlide2.xml><?xml version="1.0" encoding="utf-8"?>
+<p:notes xmlns:a="http://schemas.openxmlformats.org/drawingml/2006/main" xmlns:r="http://schemas.openxmlformats.org/officeDocument/2006/relationships" xmlns:p="http://schemas.openxmlformats.org/presentationml/2006/main">
+  <p:cSld>
+    <p:spTree>
+      <p:nvGrpSpPr>
+        <p:cNvPr id="1" name=""/>
+        <p:cNvGrpSpPr/>
+        <p:nvPr/>
+      </p:nvGrpSpPr>
+      <p:grpSpPr>
+        <a:xfrm>
+          <a:off x="0" y="0"/>
+          <a:ext cx="0" cy="0"/>
+          <a:chOff x="0" y="0"/>
+          <a:chExt cx="0" cy="0"/>
+        </a:xfrm>
+      </p:grpSpPr>
+      <p:sp>
+        <p:nvSpPr>
+          <p:cNvPr id="2" name="Образ слайда 1"/>
+          <p:cNvSpPr>
+            <a:spLocks noGrp="1" noRot="1" noChangeAspect="1"/>
+          </p:cNvSpPr>
+          <p:nvPr>
+            <p:ph type="sldImg"/>
+          </p:nvPr>
+        </p:nvSpPr>
+        <p:spPr/>
+      </p:sp>
+      <p:sp>
+        <p:nvSpPr>
+          <p:cNvPr id="3" name="Заметки 2"/>
+          <p:cNvSpPr>
+            <a:spLocks noGrp="1"/>
+          </p:cNvSpPr>
+          <p:nvPr>
+            <p:ph type="body" idx="1"/>
+          </p:nvPr>
+        </p:nvSpPr>
+        <p:spPr/>
+        <p:txBody>
+          <a:bodyPr/>
+          <a:lstStyle/>
+          <a:p>
+            <a:endParaRPr lang="ru-RU" dirty="0"/>
+          </a:p>
+        </p:txBody>
+      </p:sp>
+      <p:sp>
+        <p:nvSpPr>
+          <p:cNvPr id="4" name="Номер слайда 3"/>
+          <p:cNvSpPr>
+            <a:spLocks noGrp="1"/>
+          </p:cNvSpPr>
+          <p:nvPr>
+            <p:ph type="sldNum" sz="quarter" idx="5"/>
+          </p:nvPr>
+        </p:nvSpPr>
+        <p:spPr/>
+        <p:txBody>
+          <a:bodyPr/>
+          <a:lstStyle/>
+          <a:p>
+            <a:fld id="{11494C88-21AE-412E-9731-CB6F2A41D3AC}" type="slidenum">
+              <a:rPr lang="ru-RU" smtClean="0"/>
+              <a:t>24</a:t>
+            </a:fld>
+            <a:endParaRPr lang="ru-RU"/>
+          </a:p>
+        </p:txBody>
+      </p:sp>
+    </p:spTree>
+    <p:extLst>
+      <p:ext uri="{BB962C8B-B14F-4D97-AF65-F5344CB8AC3E}">
+        <p14:creationId xmlns:p14="http://schemas.microsoft.com/office/powerpoint/2010/main" val="2469309582"/>
+      </p:ext>
+    </p:extLst>
+  </p:cSld>
+  <p:clrMapOvr>
+    <a:masterClrMapping/>
+  </p:clrMapOvr>
+</p:notes>
+</file>
+
 <file path=ppt/slideLayouts/slideLayout1.xml><?xml version="1.0" encoding="utf-8"?>
 <p:sldLayout xmlns:a="http://schemas.openxmlformats.org/drawingml/2006/main" xmlns:r="http://schemas.openxmlformats.org/officeDocument/2006/relationships" xmlns:p="http://schemas.openxmlformats.org/presentationml/2006/main" preserve="1" userDrawn="1">
   <p:cSld name="Титульный слайд">
@@ -746,7 +3527,7 @@
           <a:p>
             <a:fld id="{2A27D6F5-C937-48E2-BAFD-3149C0D05D7E}" type="datetimeFigureOut">
               <a:rPr lang="ru-RU" smtClean="0"/>
-              <a:t>06.04.2020</a:t>
+              <a:t>13.04.2020</a:t>
             </a:fld>
             <a:endParaRPr lang="ru-RU"/>
           </a:p>
@@ -1338,7 +4119,7 @@
           <a:p>
             <a:fld id="{2A27D6F5-C937-48E2-BAFD-3149C0D05D7E}" type="datetimeFigureOut">
               <a:rPr lang="ru-RU" smtClean="0"/>
-              <a:t>06.04.2020</a:t>
+              <a:t>13.04.2020</a:t>
             </a:fld>
             <a:endParaRPr lang="ru-RU"/>
           </a:p>
@@ -1776,7 +4557,7 @@
           <a:p>
             <a:fld id="{2A27D6F5-C937-48E2-BAFD-3149C0D05D7E}" type="datetimeFigureOut">
               <a:rPr lang="ru-RU" smtClean="0"/>
-              <a:t>06.04.2020</a:t>
+              <a:t>13.04.2020</a:t>
             </a:fld>
             <a:endParaRPr lang="ru-RU"/>
           </a:p>
@@ -2001,7 +4782,7 @@
           <a:p>
             <a:fld id="{2A27D6F5-C937-48E2-BAFD-3149C0D05D7E}" type="datetimeFigureOut">
               <a:rPr lang="ru-RU" smtClean="0"/>
-              <a:t>06.04.2020</a:t>
+              <a:t>13.04.2020</a:t>
             </a:fld>
             <a:endParaRPr lang="ru-RU"/>
           </a:p>
@@ -3200,7 +5981,7 @@
           <a:p>
             <a:fld id="{2A27D6F5-C937-48E2-BAFD-3149C0D05D7E}" type="datetimeFigureOut">
               <a:rPr lang="ru-RU" smtClean="0"/>
-              <a:t>06.04.2020</a:t>
+              <a:t>13.04.2020</a:t>
             </a:fld>
             <a:endParaRPr lang="ru-RU"/>
           </a:p>
@@ -4399,7 +7180,7 @@
           <a:p>
             <a:fld id="{2A27D6F5-C937-48E2-BAFD-3149C0D05D7E}" type="datetimeFigureOut">
               <a:rPr lang="ru-RU" smtClean="0"/>
-              <a:t>06.04.2020</a:t>
+              <a:t>13.04.2020</a:t>
             </a:fld>
             <a:endParaRPr lang="ru-RU"/>
           </a:p>
@@ -4660,7 +7441,7 @@
           <a:p>
             <a:fld id="{2A27D6F5-C937-48E2-BAFD-3149C0D05D7E}" type="datetimeFigureOut">
               <a:rPr lang="ru-RU" smtClean="0"/>
-              <a:t>06.04.2020</a:t>
+              <a:t>13.04.2020</a:t>
             </a:fld>
             <a:endParaRPr lang="ru-RU"/>
           </a:p>
@@ -5476,35 +8257,10 @@
       </p:grpSpPr>
       <p:sp>
         <p:nvSpPr>
-          <p:cNvPr id="2" name="Объект 1">
+          <p:cNvPr id="2" name="Заголовок 1">
             <a:extLst>
               <a:ext uri="{FF2B5EF4-FFF2-40B4-BE49-F238E27FC236}">
-                <a16:creationId xmlns:a16="http://schemas.microsoft.com/office/drawing/2014/main" id="{3611DAA6-1E9C-4082-A3D4-7C6057007F94}"/>
-              </a:ext>
-            </a:extLst>
-          </p:cNvPr>
-          <p:cNvSpPr>
-            <a:spLocks noGrp="1"/>
-          </p:cNvSpPr>
-          <p:nvPr>
-            <p:ph idx="4294967295"/>
-          </p:nvPr>
-        </p:nvSpPr>
-        <p:spPr/>
-        <p:txBody>
-          <a:bodyPr/>
-          <a:lstStyle/>
-          <a:p>
-            <a:endParaRPr lang="ru-RU"/>
-          </a:p>
-        </p:txBody>
-      </p:sp>
-      <p:sp>
-        <p:nvSpPr>
-          <p:cNvPr id="3" name="Заголовок 2">
-            <a:extLst>
-              <a:ext uri="{FF2B5EF4-FFF2-40B4-BE49-F238E27FC236}">
-                <a16:creationId xmlns:a16="http://schemas.microsoft.com/office/drawing/2014/main" id="{B73F32E3-36EB-4D71-A29C-F4305706ABAC}"/>
+                <a16:creationId xmlns:a16="http://schemas.microsoft.com/office/drawing/2014/main" id="{0A458654-E47F-44CB-B7D8-31CEC27F5631}"/>
               </a:ext>
             </a:extLst>
           </p:cNvPr>
@@ -5522,15 +8278,240 @@
           <a:p>
             <a:r>
               <a:rPr lang="ru-RU" dirty="0"/>
-              <a:t>Занятие 4. Состояния</a:t>
-            </a:r>
+              <a:t>Ограничения </a:t>
+            </a:r>
+            <a:r>
+              <a:rPr lang="en-US" dirty="0"/>
+              <a:t>JSX</a:t>
+            </a:r>
+            <a:endParaRPr lang="ru-RU" dirty="0"/>
+          </a:p>
+        </p:txBody>
+      </p:sp>
+      <p:sp>
+        <p:nvSpPr>
+          <p:cNvPr id="3" name="Текст 2">
+            <a:extLst>
+              <a:ext uri="{FF2B5EF4-FFF2-40B4-BE49-F238E27FC236}">
+                <a16:creationId xmlns:a16="http://schemas.microsoft.com/office/drawing/2014/main" id="{CC5B5F0A-4BBB-46DC-8432-9D5EB82553EB}"/>
+              </a:ext>
+            </a:extLst>
+          </p:cNvPr>
+          <p:cNvSpPr>
+            <a:spLocks noGrp="1"/>
+          </p:cNvSpPr>
+          <p:nvPr>
+            <p:ph type="body" idx="1"/>
+          </p:nvPr>
+        </p:nvSpPr>
+        <p:spPr>
+          <a:xfrm>
+            <a:off x="515389" y="1690689"/>
+            <a:ext cx="10515600" cy="4802186"/>
+          </a:xfrm>
+        </p:spPr>
+        <p:txBody>
+          <a:bodyPr>
+            <a:normAutofit fontScale="92500" lnSpcReduction="20000"/>
+          </a:bodyPr>
+          <a:lstStyle/>
+          <a:p>
+            <a:r>
+              <a:rPr lang="ru-RU" sz="3000" b="0" dirty="0"/>
+              <a:t>Должен быть только 1 корневой тег</a:t>
+            </a:r>
+          </a:p>
+          <a:p>
+            <a:pPr marL="0" indent="0">
+              <a:buNone/>
+            </a:pPr>
+            <a:r>
+              <a:rPr lang="ru-RU" sz="2200" b="0" dirty="0"/>
+              <a:t>Некорректный </a:t>
+            </a:r>
+            <a:r>
+              <a:rPr lang="en-US" sz="2200" b="0" dirty="0"/>
+              <a:t>JSX: </a:t>
+            </a:r>
+            <a:r>
+              <a:rPr lang="en-US" sz="2200" dirty="0"/>
+              <a:t>&lt;h1&gt;</a:t>
+            </a:r>
+            <a:r>
+              <a:rPr lang="ru-RU" sz="2200" dirty="0"/>
+              <a:t>Привет, Мир!</a:t>
+            </a:r>
+            <a:r>
+              <a:rPr lang="en-US" sz="2200" dirty="0"/>
+              <a:t>&lt;/h1&gt;&lt;p&gt;&lt;Content&gt;&lt;/p&gt;</a:t>
+            </a:r>
+          </a:p>
+          <a:p>
+            <a:pPr marL="0" indent="0">
+              <a:buNone/>
+            </a:pPr>
+            <a:r>
+              <a:rPr lang="ru-RU" sz="2200" b="0" dirty="0"/>
+              <a:t>Корректный </a:t>
+            </a:r>
+            <a:r>
+              <a:rPr lang="en-US" sz="2200" b="0" dirty="0"/>
+              <a:t>JSX: </a:t>
+            </a:r>
+            <a:r>
+              <a:rPr lang="en-US" sz="2200" dirty="0"/>
+              <a:t>&lt;div&gt;&lt;h1&gt;</a:t>
+            </a:r>
+            <a:r>
+              <a:rPr lang="ru-RU" sz="2200" dirty="0"/>
+              <a:t>Привет, Мир!</a:t>
+            </a:r>
+            <a:r>
+              <a:rPr lang="en-US" sz="2200" dirty="0"/>
+              <a:t>&lt;/h1&gt;&lt;p&gt;&lt;Content&gt;&lt;/p&gt;&lt;/div&gt;</a:t>
+            </a:r>
+            <a:endParaRPr lang="ru-RU" sz="2200" dirty="0"/>
+          </a:p>
+          <a:p>
+            <a:pPr marL="0" indent="0">
+              <a:buNone/>
+            </a:pPr>
+            <a:endParaRPr lang="ru-RU" sz="2200" dirty="0"/>
+          </a:p>
+          <a:p>
+            <a:r>
+              <a:rPr lang="ru-RU" sz="3000" b="0" dirty="0"/>
+              <a:t>Не ставьте кавычки в атрибуте при вставке </a:t>
+            </a:r>
+            <a:r>
+              <a:rPr lang="en-US" sz="3000" b="0" dirty="0"/>
+              <a:t>JavaScript</a:t>
+            </a:r>
+          </a:p>
+          <a:p>
+            <a:pPr marL="0" indent="0">
+              <a:buNone/>
+            </a:pPr>
+            <a:r>
+              <a:rPr lang="ru-RU" sz="2200" b="0" dirty="0"/>
+              <a:t>Можно: </a:t>
+            </a:r>
+            <a:r>
+              <a:rPr lang="en-US" sz="2200" dirty="0"/>
+              <a:t>&lt;img src=</a:t>
+            </a:r>
+            <a:r>
+              <a:rPr lang="ru-RU" sz="2200" dirty="0"/>
+              <a:t>"</a:t>
+            </a:r>
+            <a:r>
+              <a:rPr lang="en-US" sz="2200" dirty="0"/>
+              <a:t>https://test.com/image.jpg</a:t>
+            </a:r>
+            <a:r>
+              <a:rPr lang="ru-RU" sz="2200" dirty="0"/>
+              <a:t>"</a:t>
+            </a:r>
+            <a:r>
+              <a:rPr lang="en-US" sz="2200" dirty="0"/>
+              <a:t>&gt;&lt;/img&gt;</a:t>
+            </a:r>
+            <a:endParaRPr lang="ru-RU" sz="2200" dirty="0"/>
+          </a:p>
+          <a:p>
+            <a:pPr marL="0" indent="0">
+              <a:buNone/>
+            </a:pPr>
+            <a:r>
+              <a:rPr lang="ru-RU" sz="2200" b="0" dirty="0"/>
+              <a:t>Можно: </a:t>
+            </a:r>
+            <a:r>
+              <a:rPr lang="en-US" sz="2200" dirty="0"/>
+              <a:t>&lt;img src={user.avatarUrl}&gt;&lt;/img&gt;</a:t>
+            </a:r>
+            <a:endParaRPr lang="ru-RU" sz="2200" dirty="0"/>
+          </a:p>
+          <a:p>
+            <a:pPr marL="0" indent="0">
+              <a:buNone/>
+            </a:pPr>
+            <a:r>
+              <a:rPr lang="ru-RU" sz="2200" b="0" dirty="0"/>
+              <a:t>Некорректно: </a:t>
+            </a:r>
+            <a:r>
+              <a:rPr lang="en-US" sz="2200" dirty="0"/>
+              <a:t>&lt;img src=</a:t>
+            </a:r>
+            <a:r>
+              <a:rPr lang="ru-RU" sz="2200" dirty="0"/>
+              <a:t>"</a:t>
+            </a:r>
+            <a:r>
+              <a:rPr lang="en-US" sz="2200" dirty="0"/>
+              <a:t>{user.avatarUrl}</a:t>
+            </a:r>
+            <a:r>
+              <a:rPr lang="ru-RU" sz="2200" dirty="0"/>
+              <a:t>"</a:t>
+            </a:r>
+            <a:r>
+              <a:rPr lang="en-US" sz="2200" dirty="0"/>
+              <a:t>&gt;&lt;/img&gt;</a:t>
+            </a:r>
+          </a:p>
+          <a:p>
+            <a:pPr marL="0" indent="0">
+              <a:buNone/>
+            </a:pPr>
+            <a:endParaRPr lang="ru-RU" sz="2200" b="0" dirty="0"/>
+          </a:p>
+          <a:p>
+            <a:r>
+              <a:rPr lang="en-US" sz="3000" b="0" dirty="0"/>
+              <a:t>JSX </a:t>
+            </a:r>
+            <a:r>
+              <a:rPr lang="ru-RU" sz="3000" b="0" dirty="0"/>
+              <a:t>предотвращает атаки инъекцией</a:t>
+            </a:r>
+          </a:p>
+          <a:p>
+            <a:pPr marL="0" indent="0">
+              <a:buNone/>
+            </a:pPr>
+            <a:r>
+              <a:rPr lang="ru-RU" sz="2200" b="0" dirty="0"/>
+              <a:t>Например, безопасно: </a:t>
+            </a:r>
+            <a:endParaRPr lang="en-US" sz="2200" b="0" dirty="0"/>
+          </a:p>
+          <a:p>
+            <a:pPr marL="0" indent="0">
+              <a:buNone/>
+            </a:pPr>
+            <a:r>
+              <a:rPr lang="en-US" sz="2200" dirty="0"/>
+              <a:t>const title = response.potentiallyMaliciousInput;</a:t>
+            </a:r>
+          </a:p>
+          <a:p>
+            <a:pPr marL="0" indent="0">
+              <a:buNone/>
+            </a:pPr>
+            <a:r>
+              <a:rPr lang="en-US" sz="2200" dirty="0"/>
+              <a:t>const element = &lt;h1&gt;{title}&lt;/h1&gt;;</a:t>
+            </a:r>
+            <a:endParaRPr lang="ru-RU" sz="2200" dirty="0"/>
           </a:p>
         </p:txBody>
       </p:sp>
     </p:spTree>
     <p:extLst>
       <p:ext uri="{BB962C8B-B14F-4D97-AF65-F5344CB8AC3E}">
-        <p14:creationId xmlns:p14="http://schemas.microsoft.com/office/powerpoint/2010/main" val="3331605914"/>
+        <p14:creationId xmlns:p14="http://schemas.microsoft.com/office/powerpoint/2010/main" val="3286831393"/>
       </p:ext>
     </p:extLst>
   </p:cSld>
@@ -5559,10 +8540,10 @@
       </p:grpSpPr>
       <p:sp>
         <p:nvSpPr>
-          <p:cNvPr id="4" name="Заголовок 3">
+          <p:cNvPr id="2" name="Заголовок 1">
             <a:extLst>
               <a:ext uri="{FF2B5EF4-FFF2-40B4-BE49-F238E27FC236}">
-                <a16:creationId xmlns:a16="http://schemas.microsoft.com/office/drawing/2014/main" id="{30C4F9C7-6FAB-4FF3-AD6B-53AAED2CA051}"/>
+                <a16:creationId xmlns:a16="http://schemas.microsoft.com/office/drawing/2014/main" id="{0A458654-E47F-44CB-B7D8-31CEC27F5631}"/>
               </a:ext>
             </a:extLst>
           </p:cNvPr>
@@ -5580,17 +8561,22 @@
           <a:p>
             <a:r>
               <a:rPr lang="ru-RU" dirty="0"/>
-              <a:t>В разработке</a:t>
-            </a:r>
-          </a:p>
-        </p:txBody>
-      </p:sp>
-      <p:sp>
-        <p:nvSpPr>
-          <p:cNvPr id="5" name="Текст 4">
+              <a:t>Возможности </a:t>
+            </a:r>
+            <a:r>
+              <a:rPr lang="en-US" dirty="0"/>
+              <a:t>JSX</a:t>
+            </a:r>
+            <a:endParaRPr lang="ru-RU" dirty="0"/>
+          </a:p>
+        </p:txBody>
+      </p:sp>
+      <p:sp>
+        <p:nvSpPr>
+          <p:cNvPr id="3" name="Текст 2">
             <a:extLst>
               <a:ext uri="{FF2B5EF4-FFF2-40B4-BE49-F238E27FC236}">
-                <a16:creationId xmlns:a16="http://schemas.microsoft.com/office/drawing/2014/main" id="{4434A96B-809C-43E1-A2C5-BA1C568EB61D}"/>
+                <a16:creationId xmlns:a16="http://schemas.microsoft.com/office/drawing/2014/main" id="{CC5B5F0A-4BBB-46DC-8432-9D5EB82553EB}"/>
               </a:ext>
             </a:extLst>
           </p:cNvPr>
@@ -5601,19 +8587,248 @@
             <p:ph type="body" idx="1"/>
           </p:nvPr>
         </p:nvSpPr>
-        <p:spPr/>
+        <p:spPr>
+          <a:xfrm>
+            <a:off x="515389" y="1690689"/>
+            <a:ext cx="10515600" cy="4802186"/>
+          </a:xfrm>
+        </p:spPr>
         <p:txBody>
           <a:bodyPr/>
           <a:lstStyle/>
           <a:p>
-            <a:endParaRPr lang="ru-RU"/>
-          </a:p>
-        </p:txBody>
-      </p:sp>
+            <a:r>
+              <a:rPr lang="en-US" b="0" dirty="0"/>
+              <a:t>JSX </a:t>
+            </a:r>
+            <a:r>
+              <a:rPr lang="ru-RU" b="0" dirty="0"/>
+              <a:t>это выражение и </a:t>
+            </a:r>
+            <a:r>
+              <a:rPr lang="en-US" b="0" dirty="0"/>
+              <a:t>JavaScript-</a:t>
+            </a:r>
+            <a:r>
+              <a:rPr lang="ru-RU" b="0" dirty="0"/>
+              <a:t>объект</a:t>
+            </a:r>
+          </a:p>
+          <a:p>
+            <a:pPr marL="0" indent="0">
+              <a:buNone/>
+            </a:pPr>
+            <a:r>
+              <a:rPr lang="ru-RU" sz="2400" b="0" dirty="0"/>
+              <a:t>Его можно вставить внутрь другого </a:t>
+            </a:r>
+            <a:r>
+              <a:rPr lang="en-US" sz="2400" b="0" dirty="0"/>
+              <a:t>JSX</a:t>
+            </a:r>
+            <a:endParaRPr lang="ru-RU" sz="2400" b="0" dirty="0"/>
+          </a:p>
+          <a:p>
+            <a:pPr marL="0" indent="0">
+              <a:buNone/>
+            </a:pPr>
+            <a:r>
+              <a:rPr lang="en-US" sz="2000" dirty="0"/>
+              <a:t>const user = &lt;li&gt;</a:t>
+            </a:r>
+            <a:r>
+              <a:rPr lang="ru-RU" sz="2000" dirty="0"/>
+              <a:t>Иван</a:t>
+            </a:r>
+            <a:r>
+              <a:rPr lang="en-US" sz="2000" dirty="0"/>
+              <a:t>&lt;/li&gt;;</a:t>
+            </a:r>
+            <a:r>
+              <a:rPr lang="ru-RU" sz="2000" dirty="0"/>
+              <a:t> </a:t>
+            </a:r>
+            <a:r>
+              <a:rPr lang="en-US" sz="2000" dirty="0"/>
+              <a:t>const userList = &lt;ul&gt;{user}&lt;/ul&gt;;</a:t>
+            </a:r>
+            <a:endParaRPr lang="ru-RU" sz="2000" dirty="0"/>
+          </a:p>
+          <a:p>
+            <a:pPr marL="0" indent="0">
+              <a:buNone/>
+            </a:pPr>
+            <a:endParaRPr lang="en-US" sz="1000" dirty="0"/>
+          </a:p>
+          <a:p>
+            <a:r>
+              <a:rPr lang="ru-RU" b="0" dirty="0"/>
+              <a:t>Можно встраивать функции и любые выражения</a:t>
+            </a:r>
+          </a:p>
+          <a:p>
+            <a:pPr marL="0" indent="0">
+              <a:buNone/>
+            </a:pPr>
+            <a:r>
+              <a:rPr lang="ru-RU" sz="2000" b="0" dirty="0"/>
+              <a:t>Например: </a:t>
+            </a:r>
+            <a:r>
+              <a:rPr lang="pt-BR" sz="2000" dirty="0"/>
+              <a:t>&lt;h1&gt;Hello, {formatName(user)}!&lt;/h1&gt;</a:t>
+            </a:r>
+            <a:endParaRPr lang="ru-RU" sz="2000" dirty="0"/>
+          </a:p>
+          <a:p>
+            <a:pPr marL="0" indent="0">
+              <a:buNone/>
+            </a:pPr>
+            <a:endParaRPr lang="en-US" sz="1000" dirty="0"/>
+          </a:p>
+          <a:p>
+            <a:r>
+              <a:rPr lang="en-US" b="0" dirty="0"/>
+              <a:t>JSX</a:t>
+            </a:r>
+            <a:r>
+              <a:rPr lang="ru-RU" b="0" dirty="0"/>
+              <a:t> можно заменить чистым </a:t>
+            </a:r>
+            <a:r>
+              <a:rPr lang="en-US" b="0" dirty="0"/>
+              <a:t>JavaScript</a:t>
+            </a:r>
+          </a:p>
+          <a:p>
+            <a:pPr marL="0" indent="0">
+              <a:buNone/>
+            </a:pPr>
+            <a:r>
+              <a:rPr lang="ru-RU" sz="2400" b="0" dirty="0"/>
+              <a:t>Например, следующий </a:t>
+            </a:r>
+            <a:r>
+              <a:rPr lang="en-US" sz="2400" b="0" dirty="0"/>
+              <a:t>JSX </a:t>
+            </a:r>
+            <a:r>
+              <a:rPr lang="ru-RU" sz="2400" b="0" dirty="0"/>
+              <a:t>и </a:t>
+            </a:r>
+            <a:r>
+              <a:rPr lang="en-US" sz="2400" b="0" dirty="0"/>
+              <a:t>JavaScript </a:t>
+            </a:r>
+            <a:r>
+              <a:rPr lang="ru-RU" sz="2400" b="0" dirty="0"/>
+              <a:t>равнозначны</a:t>
+            </a:r>
+          </a:p>
+        </p:txBody>
+      </p:sp>
+      <p:graphicFrame>
+        <p:nvGraphicFramePr>
+          <p:cNvPr id="4" name="Таблица 4">
+            <a:extLst>
+              <a:ext uri="{FF2B5EF4-FFF2-40B4-BE49-F238E27FC236}">
+                <a16:creationId xmlns:a16="http://schemas.microsoft.com/office/drawing/2014/main" id="{1CE21BCB-6101-4109-959F-4CA098DCD0EE}"/>
+              </a:ext>
+            </a:extLst>
+          </p:cNvPr>
+          <p:cNvGraphicFramePr>
+            <a:graphicFrameLocks noGrp="1"/>
+          </p:cNvGraphicFramePr>
+          <p:nvPr>
+            <p:extLst>
+              <p:ext uri="{D42A27DB-BD31-4B8C-83A1-F6EECF244321}">
+                <p14:modId xmlns:p14="http://schemas.microsoft.com/office/powerpoint/2010/main" val="2555529804"/>
+              </p:ext>
+            </p:extLst>
+          </p:nvPr>
+        </p:nvGraphicFramePr>
+        <p:xfrm>
+          <a:off x="568296" y="5620385"/>
+          <a:ext cx="10409786" cy="701040"/>
+        </p:xfrm>
+        <a:graphic>
+          <a:graphicData uri="http://schemas.openxmlformats.org/drawingml/2006/table">
+            <a:tbl>
+              <a:tblPr firstRow="1" bandRow="1">
+                <a:tableStyleId>{2D5ABB26-0587-4C30-8999-92F81FD0307C}</a:tableStyleId>
+              </a:tblPr>
+              <a:tblGrid>
+                <a:gridCol w="5204893">
+                  <a:extLst>
+                    <a:ext uri="{9D8B030D-6E8A-4147-A177-3AD203B41FA5}">
+                      <a16:colId xmlns:a16="http://schemas.microsoft.com/office/drawing/2014/main" val="2585865202"/>
+                    </a:ext>
+                  </a:extLst>
+                </a:gridCol>
+                <a:gridCol w="5204893">
+                  <a:extLst>
+                    <a:ext uri="{9D8B030D-6E8A-4147-A177-3AD203B41FA5}">
+                      <a16:colId xmlns:a16="http://schemas.microsoft.com/office/drawing/2014/main" val="1829663175"/>
+                    </a:ext>
+                  </a:extLst>
+                </a:gridCol>
+              </a:tblGrid>
+              <a:tr h="695325">
+                <a:tc>
+                  <a:txBody>
+                    <a:bodyPr/>
+                    <a:lstStyle/>
+                    <a:p>
+                      <a:r>
+                        <a:rPr lang="en-US" sz="2000" b="1" dirty="0"/>
+                        <a:t>const element = </a:t>
+                      </a:r>
+                      <a:endParaRPr lang="ru-RU" sz="2000" b="1" dirty="0"/>
+                    </a:p>
+                    <a:p>
+                      <a:r>
+                        <a:rPr lang="en-US" sz="2000" b="1" dirty="0"/>
+                        <a:t>&lt;h1 className="greeting"&gt;Hello, world!&lt;/h1&gt;;</a:t>
+                      </a:r>
+                      <a:endParaRPr lang="ru-RU" sz="2000" b="1" dirty="0"/>
+                    </a:p>
+                  </a:txBody>
+                  <a:tcPr/>
+                </a:tc>
+                <a:tc>
+                  <a:txBody>
+                    <a:bodyPr/>
+                    <a:lstStyle/>
+                    <a:p>
+                      <a:r>
+                        <a:rPr lang="en-US" sz="2000" b="1" dirty="0"/>
+                        <a:t>const element = React.createElement("h1",</a:t>
+                      </a:r>
+                    </a:p>
+                    <a:p>
+                      <a:r>
+                        <a:rPr lang="en-US" sz="2000" b="1" dirty="0"/>
+                        <a:t>{className: "greeting"}, "Hello, world!");</a:t>
+                      </a:r>
+                      <a:endParaRPr lang="ru-RU" sz="2000" b="1" dirty="0"/>
+                    </a:p>
+                  </a:txBody>
+                  <a:tcPr/>
+                </a:tc>
+                <a:extLst>
+                  <a:ext uri="{0D108BD9-81ED-4DB2-BD59-A6C34878D82A}">
+                    <a16:rowId xmlns:a16="http://schemas.microsoft.com/office/drawing/2014/main" val="2646578831"/>
+                  </a:ext>
+                </a:extLst>
+              </a:tr>
+            </a:tbl>
+          </a:graphicData>
+        </a:graphic>
+      </p:graphicFrame>
     </p:spTree>
     <p:extLst>
       <p:ext uri="{BB962C8B-B14F-4D97-AF65-F5344CB8AC3E}">
-        <p14:creationId xmlns:p14="http://schemas.microsoft.com/office/powerpoint/2010/main" val="1932807413"/>
+        <p14:creationId xmlns:p14="http://schemas.microsoft.com/office/powerpoint/2010/main" val="1096785728"/>
       </p:ext>
     </p:extLst>
   </p:cSld>
@@ -5642,35 +8857,10 @@
       </p:grpSpPr>
       <p:sp>
         <p:nvSpPr>
-          <p:cNvPr id="2" name="Объект 1">
+          <p:cNvPr id="2" name="Заголовок 1">
             <a:extLst>
               <a:ext uri="{FF2B5EF4-FFF2-40B4-BE49-F238E27FC236}">
-                <a16:creationId xmlns:a16="http://schemas.microsoft.com/office/drawing/2014/main" id="{2BCFCED9-B8F3-4F63-8989-DBAB3BB311CF}"/>
-              </a:ext>
-            </a:extLst>
-          </p:cNvPr>
-          <p:cNvSpPr>
-            <a:spLocks noGrp="1"/>
-          </p:cNvSpPr>
-          <p:nvPr>
-            <p:ph idx="4294967295"/>
-          </p:nvPr>
-        </p:nvSpPr>
-        <p:spPr/>
-        <p:txBody>
-          <a:bodyPr/>
-          <a:lstStyle/>
-          <a:p>
-            <a:endParaRPr lang="ru-RU"/>
-          </a:p>
-        </p:txBody>
-      </p:sp>
-      <p:sp>
-        <p:nvSpPr>
-          <p:cNvPr id="3" name="Заголовок 2">
-            <a:extLst>
-              <a:ext uri="{FF2B5EF4-FFF2-40B4-BE49-F238E27FC236}">
-                <a16:creationId xmlns:a16="http://schemas.microsoft.com/office/drawing/2014/main" id="{2219D8DE-18AE-4951-B6E1-B770A1E1FDCA}"/>
+                <a16:creationId xmlns:a16="http://schemas.microsoft.com/office/drawing/2014/main" id="{75AE0803-C1E1-41BC-A761-B6EB89D4DFBF}"/>
               </a:ext>
             </a:extLst>
           </p:cNvPr>
@@ -5687,16 +8877,188 @@
           <a:lstStyle/>
           <a:p>
             <a:r>
+              <a:rPr lang="en-US" dirty="0"/>
+              <a:t>DOM</a:t>
+            </a:r>
+            <a:r>
               <a:rPr lang="ru-RU" dirty="0"/>
-              <a:t>Занятие 5. Формы</a:t>
-            </a:r>
+              <a:t> </a:t>
+            </a:r>
+            <a:r>
+              <a:rPr lang="en-US" dirty="0"/>
+              <a:t>vs React DOM</a:t>
+            </a:r>
+            <a:endParaRPr lang="ru-RU" dirty="0"/>
+          </a:p>
+        </p:txBody>
+      </p:sp>
+      <p:sp>
+        <p:nvSpPr>
+          <p:cNvPr id="3" name="Текст 2">
+            <a:extLst>
+              <a:ext uri="{FF2B5EF4-FFF2-40B4-BE49-F238E27FC236}">
+                <a16:creationId xmlns:a16="http://schemas.microsoft.com/office/drawing/2014/main" id="{1647AC68-511B-4F6E-A74D-CCF9DAE57B00}"/>
+              </a:ext>
+            </a:extLst>
+          </p:cNvPr>
+          <p:cNvSpPr>
+            <a:spLocks noGrp="1"/>
+          </p:cNvSpPr>
+          <p:nvPr>
+            <p:ph type="body" idx="1"/>
+          </p:nvPr>
+        </p:nvSpPr>
+        <p:spPr>
+          <a:xfrm>
+            <a:off x="515389" y="1690689"/>
+            <a:ext cx="10515600" cy="4802186"/>
+          </a:xfrm>
+        </p:spPr>
+        <p:txBody>
+          <a:bodyPr>
+            <a:normAutofit/>
+          </a:bodyPr>
+          <a:lstStyle/>
+          <a:p>
+            <a:r>
+              <a:rPr lang="en-US" dirty="0"/>
+              <a:t>DOM</a:t>
+            </a:r>
+            <a:r>
+              <a:rPr lang="en-US" b="0" dirty="0"/>
+              <a:t> – </a:t>
+            </a:r>
+            <a:r>
+              <a:rPr lang="ru-RU" b="0" dirty="0"/>
+              <a:t>это древовидная </a:t>
+            </a:r>
+            <a:r>
+              <a:rPr lang="ru-RU" dirty="0"/>
+              <a:t>модель </a:t>
+            </a:r>
+            <a:r>
+              <a:rPr lang="en-US" dirty="0"/>
+              <a:t>HTML-</a:t>
+            </a:r>
+            <a:r>
+              <a:rPr lang="ru-RU" dirty="0"/>
+              <a:t>документа.</a:t>
+            </a:r>
+            <a:r>
+              <a:rPr lang="ru-RU" b="0" dirty="0"/>
+              <a:t> Состоит из тегов, являющихся </a:t>
+            </a:r>
+            <a:r>
+              <a:rPr lang="ru-RU" dirty="0"/>
+              <a:t>элементами </a:t>
+            </a:r>
+            <a:r>
+              <a:rPr lang="en-US" dirty="0"/>
+              <a:t>HTML</a:t>
+            </a:r>
+            <a:endParaRPr lang="ru-RU" b="0" dirty="0"/>
+          </a:p>
+          <a:p>
+            <a:endParaRPr lang="ru-RU" b="0" dirty="0"/>
+          </a:p>
+          <a:p>
+            <a:r>
+              <a:rPr lang="en-US" dirty="0"/>
+              <a:t>React DOM</a:t>
+            </a:r>
+            <a:r>
+              <a:rPr lang="ru-RU" dirty="0"/>
+              <a:t> </a:t>
+            </a:r>
+            <a:r>
+              <a:rPr lang="ru-RU" b="0" dirty="0"/>
+              <a:t>– </a:t>
+            </a:r>
+            <a:r>
+              <a:rPr lang="ru-RU" dirty="0"/>
+              <a:t>виртуальная</a:t>
+            </a:r>
+            <a:r>
+              <a:rPr lang="ru-RU" b="0" dirty="0"/>
+              <a:t> древовидная </a:t>
+            </a:r>
+            <a:r>
+              <a:rPr lang="ru-RU" dirty="0"/>
+              <a:t>модель</a:t>
+            </a:r>
+            <a:r>
+              <a:rPr lang="ru-RU" b="0" dirty="0"/>
+              <a:t>. Состоит из </a:t>
+            </a:r>
+            <a:r>
+              <a:rPr lang="ru-RU" dirty="0"/>
+              <a:t>неизменяемых</a:t>
+            </a:r>
+            <a:r>
+              <a:rPr lang="ru-RU" b="0" dirty="0"/>
+              <a:t> </a:t>
+            </a:r>
+            <a:r>
+              <a:rPr lang="en-US" dirty="0"/>
+              <a:t>React-</a:t>
+            </a:r>
+            <a:r>
+              <a:rPr lang="ru-RU" dirty="0"/>
+              <a:t>элементов</a:t>
+            </a:r>
+            <a:r>
+              <a:rPr lang="ru-RU" b="0" dirty="0"/>
+              <a:t>, являющихся </a:t>
+            </a:r>
+            <a:r>
+              <a:rPr lang="en-US" b="0" dirty="0"/>
+              <a:t>JS-</a:t>
+            </a:r>
+            <a:r>
+              <a:rPr lang="ru-RU" b="0" dirty="0"/>
+              <a:t>объектами, написанная на </a:t>
+            </a:r>
+            <a:r>
+              <a:rPr lang="en-US" b="0" dirty="0"/>
+              <a:t>JSX</a:t>
+            </a:r>
+            <a:r>
+              <a:rPr lang="ru-RU" b="0" dirty="0"/>
+              <a:t>. </a:t>
+            </a:r>
+            <a:r>
+              <a:rPr lang="en-US" b="0" dirty="0"/>
+              <a:t>React </a:t>
+            </a:r>
+            <a:r>
+              <a:rPr lang="ru-RU" b="0" dirty="0"/>
+              <a:t>сам переводит </a:t>
+            </a:r>
+            <a:r>
+              <a:rPr lang="en-US" b="0" dirty="0"/>
+              <a:t>React-</a:t>
+            </a:r>
+            <a:r>
+              <a:rPr lang="ru-RU" b="0" dirty="0"/>
+              <a:t>элементы в </a:t>
+            </a:r>
+            <a:r>
+              <a:rPr lang="en-US" b="0" dirty="0"/>
+              <a:t>DOM</a:t>
+            </a:r>
+          </a:p>
+          <a:p>
+            <a:pPr marL="0" indent="0">
+              <a:buNone/>
+            </a:pPr>
+            <a:endParaRPr lang="ru-RU" b="0" dirty="0"/>
           </a:p>
         </p:txBody>
       </p:sp>
     </p:spTree>
     <p:extLst>
       <p:ext uri="{BB962C8B-B14F-4D97-AF65-F5344CB8AC3E}">
-        <p14:creationId xmlns:p14="http://schemas.microsoft.com/office/powerpoint/2010/main" val="5759341"/>
+        <p14:creationId xmlns:p14="http://schemas.microsoft.com/office/powerpoint/2010/main" val="375710023"/>
       </p:ext>
     </p:extLst>
   </p:cSld>
@@ -5725,10 +9087,10 @@
       </p:grpSpPr>
       <p:sp>
         <p:nvSpPr>
-          <p:cNvPr id="4" name="Заголовок 3">
+          <p:cNvPr id="2" name="Заголовок 1">
             <a:extLst>
               <a:ext uri="{FF2B5EF4-FFF2-40B4-BE49-F238E27FC236}">
-                <a16:creationId xmlns:a16="http://schemas.microsoft.com/office/drawing/2014/main" id="{30C4F9C7-6FAB-4FF3-AD6B-53AAED2CA051}"/>
+                <a16:creationId xmlns:a16="http://schemas.microsoft.com/office/drawing/2014/main" id="{CF62BB5E-53C4-4386-B3BF-C61EBAE10493}"/>
               </a:ext>
             </a:extLst>
           </p:cNvPr>
@@ -5746,17 +9108,25 @@
           <a:p>
             <a:r>
               <a:rPr lang="ru-RU" dirty="0"/>
-              <a:t>Описание формы</a:t>
-            </a:r>
-          </a:p>
-        </p:txBody>
-      </p:sp>
-      <p:sp>
-        <p:nvSpPr>
-          <p:cNvPr id="5" name="Текст 4">
+              <a:t>Отрисовка </a:t>
+            </a:r>
+            <a:r>
+              <a:rPr lang="en-US" dirty="0"/>
+              <a:t>React-</a:t>
+            </a:r>
+            <a:r>
+              <a:rPr lang="ru-RU" dirty="0"/>
+              <a:t>элементов</a:t>
+            </a:r>
+          </a:p>
+        </p:txBody>
+      </p:sp>
+      <p:sp>
+        <p:nvSpPr>
+          <p:cNvPr id="3" name="Текст 2">
             <a:extLst>
               <a:ext uri="{FF2B5EF4-FFF2-40B4-BE49-F238E27FC236}">
-                <a16:creationId xmlns:a16="http://schemas.microsoft.com/office/drawing/2014/main" id="{4434A96B-809C-43E1-A2C5-BA1C568EB61D}"/>
+                <a16:creationId xmlns:a16="http://schemas.microsoft.com/office/drawing/2014/main" id="{81C1A826-8D9D-4F0D-966C-C0194091E5F0}"/>
               </a:ext>
             </a:extLst>
           </p:cNvPr>
@@ -5774,51 +9144,84 @@
           </a:xfrm>
         </p:spPr>
         <p:txBody>
-          <a:bodyPr>
-            <a:normAutofit fontScale="92500" lnSpcReduction="10000"/>
-          </a:bodyPr>
+          <a:bodyPr/>
           <a:lstStyle/>
           <a:p>
+            <a:r>
+              <a:rPr lang="ru-RU" b="0" dirty="0"/>
+              <a:t>В </a:t>
+            </a:r>
+            <a:r>
+              <a:rPr lang="en-US" b="0" dirty="0"/>
+              <a:t>index.html </a:t>
+            </a:r>
+            <a:r>
+              <a:rPr lang="ru-RU" b="0" dirty="0"/>
+              <a:t>есть строка</a:t>
+            </a:r>
+            <a:endParaRPr lang="en-US" b="0" dirty="0"/>
+          </a:p>
+          <a:p>
             <a:pPr marL="0" indent="0">
               <a:buNone/>
             </a:pPr>
             <a:r>
-              <a:rPr lang="ru-RU" b="0" dirty="0"/>
-              <a:t>Форма описывается в </a:t>
-            </a:r>
-            <a:r>
-              <a:rPr lang="en-US" b="0" dirty="0"/>
-              <a:t>render() </a:t>
-            </a:r>
-            <a:r>
-              <a:rPr lang="ru-RU" b="0" dirty="0"/>
-              <a:t>в </a:t>
-            </a:r>
-            <a:r>
-              <a:rPr lang="en-US" b="0" dirty="0"/>
-              <a:t>JSX</a:t>
-            </a:r>
-            <a:r>
-              <a:rPr lang="ru-RU" b="0" dirty="0"/>
-              <a:t>, например так:</a:t>
-            </a:r>
+              <a:rPr lang="en-US" sz="2400" dirty="0"/>
+              <a:t>&lt;div id="root"&gt;&lt;/div&gt;</a:t>
+            </a:r>
+            <a:endParaRPr lang="ru-RU" sz="2400" dirty="0"/>
           </a:p>
           <a:p>
             <a:pPr marL="0" indent="0">
               <a:buNone/>
             </a:pPr>
             <a:r>
-              <a:rPr lang="en-US" dirty="0"/>
-              <a:t>render() {</a:t>
-            </a:r>
+              <a:rPr lang="ru-RU" sz="2000" b="0" dirty="0"/>
+              <a:t>Этот элемент называется корневым (</a:t>
+            </a:r>
+            <a:r>
+              <a:rPr lang="en-US" sz="2000" b="0" dirty="0"/>
+              <a:t>root) </a:t>
+            </a:r>
+            <a:r>
+              <a:rPr lang="ru-RU" sz="2000" b="0" dirty="0"/>
+              <a:t>узлом</a:t>
+            </a:r>
+            <a:endParaRPr lang="en-US" sz="2400" b="0" dirty="0"/>
           </a:p>
           <a:p>
             <a:pPr marL="0" indent="0">
               <a:buNone/>
             </a:pPr>
             <a:r>
-              <a:rPr lang="en-US" dirty="0"/>
-              <a:t>	return (</a:t>
+              <a:rPr lang="ru-RU" sz="2000" b="0" dirty="0"/>
+              <a:t>Файл </a:t>
+            </a:r>
+            <a:r>
+              <a:rPr lang="en-US" sz="2000" b="0" dirty="0"/>
+              <a:t>index.html </a:t>
+            </a:r>
+            <a:r>
+              <a:rPr lang="ru-RU" sz="2000" b="0" dirty="0"/>
+              <a:t>находится в проекте в папке </a:t>
+            </a:r>
+            <a:r>
+              <a:rPr lang="en-US" sz="2000" b="0" dirty="0"/>
+              <a:t>public</a:t>
+            </a:r>
+            <a:endParaRPr lang="ru-RU" sz="2000" b="0" dirty="0"/>
+          </a:p>
+          <a:p>
+            <a:endParaRPr lang="ru-RU" sz="2800" b="0" dirty="0"/>
+          </a:p>
+          <a:p>
+            <a:r>
+              <a:rPr lang="ru-RU" sz="2800" b="0" dirty="0"/>
+              <a:t>Внутрь этого тега будет вставляться </a:t>
+            </a:r>
+            <a:r>
+              <a:rPr lang="en-US" sz="2800" b="0" dirty="0"/>
+              <a:t>React DOM</a:t>
             </a:r>
           </a:p>
           <a:p>
@@ -5826,99 +9229,65 @@
               <a:buNone/>
             </a:pPr>
             <a:r>
-              <a:rPr lang="en-US" dirty="0"/>
-              <a:t>		&lt;form </a:t>
-            </a:r>
-            <a:r>
-              <a:rPr lang="en-US" dirty="0" err="1"/>
-              <a:t>onSubmit</a:t>
-            </a:r>
-            <a:r>
-              <a:rPr lang="en-US" dirty="0"/>
-              <a:t>={</a:t>
-            </a:r>
-            <a:r>
-              <a:rPr lang="en-US" dirty="0" err="1"/>
-              <a:t>this.onSubmit</a:t>
-            </a:r>
-            <a:r>
-              <a:rPr lang="en-US" dirty="0"/>
-              <a:t>}&gt;</a:t>
-            </a:r>
+              <a:rPr lang="en-US" sz="2400" dirty="0"/>
+              <a:t>ReactDOM.render(&lt;App /&gt;,document.getElementById('root’));</a:t>
+            </a:r>
+            <a:endParaRPr lang="ru-RU" sz="2400" dirty="0"/>
           </a:p>
           <a:p>
             <a:pPr marL="0" indent="0">
               <a:buNone/>
             </a:pPr>
             <a:r>
-              <a:rPr lang="en-US" dirty="0"/>
-              <a:t>			&lt;input</a:t>
-            </a:r>
-            <a:r>
-              <a:rPr lang="ru-RU" dirty="0"/>
-              <a:t> </a:t>
-            </a:r>
-            <a:r>
-              <a:rPr lang="en-US" dirty="0"/>
-              <a:t>type=“text” name=“login”/&gt;</a:t>
-            </a:r>
+              <a:rPr lang="ru-RU" sz="2000" b="0" dirty="0"/>
+              <a:t>Для этого нужно вызвать функцию </a:t>
+            </a:r>
+            <a:r>
+              <a:rPr lang="en-US" sz="2000" b="0" dirty="0"/>
+              <a:t>render()</a:t>
+            </a:r>
+            <a:r>
+              <a:rPr lang="ru-RU" sz="2000" b="0" dirty="0"/>
+              <a:t>, передать в неё </a:t>
+            </a:r>
+            <a:r>
+              <a:rPr lang="en-US" sz="2000" b="0" dirty="0"/>
+              <a:t>JSX </a:t>
+            </a:r>
+            <a:r>
+              <a:rPr lang="ru-RU" sz="2000" b="0" dirty="0"/>
+              <a:t>и корневой узел</a:t>
+            </a:r>
+            <a:endParaRPr lang="en-US" sz="2000" b="0" dirty="0"/>
           </a:p>
           <a:p>
             <a:pPr marL="0" indent="0">
               <a:buNone/>
             </a:pPr>
             <a:r>
-              <a:rPr lang="en-US" dirty="0"/>
-              <a:t>			&lt;input type=“submit” value=“</a:t>
-            </a:r>
-            <a:r>
-              <a:rPr lang="ru-RU" dirty="0"/>
-              <a:t>Войти</a:t>
-            </a:r>
-            <a:r>
-              <a:rPr lang="en-US" dirty="0"/>
-              <a:t>”/&gt;</a:t>
-            </a:r>
-          </a:p>
-          <a:p>
-            <a:pPr marL="0" indent="0">
-              <a:buNone/>
-            </a:pPr>
-            <a:r>
-              <a:rPr lang="en-US" dirty="0"/>
-              <a:t>		&lt;/form&gt;</a:t>
-            </a:r>
-          </a:p>
-          <a:p>
-            <a:pPr marL="0" indent="0">
-              <a:buNone/>
-            </a:pPr>
-            <a:r>
-              <a:rPr lang="en-US" dirty="0"/>
-              <a:t>	);</a:t>
-            </a:r>
-          </a:p>
-          <a:p>
-            <a:pPr marL="0" indent="0">
-              <a:buNone/>
-            </a:pPr>
-            <a:r>
-              <a:rPr lang="en-US" dirty="0"/>
-              <a:t>}</a:t>
-            </a:r>
-          </a:p>
-          <a:p>
-            <a:pPr marL="0" indent="0">
-              <a:buNone/>
-            </a:pPr>
-            <a:endParaRPr lang="ru-RU" dirty="0"/>
+              <a:rPr lang="ru-RU" sz="2000" b="0" dirty="0"/>
+              <a:t>Этот код находится в файле </a:t>
+            </a:r>
+            <a:r>
+              <a:rPr lang="en-US" sz="2000" b="0" dirty="0"/>
+              <a:t>index.js</a:t>
+            </a:r>
+            <a:r>
+              <a:rPr lang="ru-RU" sz="2000" b="0" dirty="0"/>
+              <a:t>, который лежит в папке </a:t>
+            </a:r>
+            <a:r>
+              <a:rPr lang="en-US" sz="2000" b="0" dirty="0"/>
+              <a:t>src</a:t>
+            </a:r>
+            <a:endParaRPr lang="ru-RU" sz="2400" b="0" dirty="0"/>
           </a:p>
         </p:txBody>
       </p:sp>
     </p:spTree>
     <p:extLst>
       <p:ext uri="{BB962C8B-B14F-4D97-AF65-F5344CB8AC3E}">
-        <p14:creationId xmlns:p14="http://schemas.microsoft.com/office/powerpoint/2010/main" val="816039655"/>
+        <p14:creationId xmlns:p14="http://schemas.microsoft.com/office/powerpoint/2010/main" val="1415566040"/>
       </p:ext>
     </p:extLst>
   </p:cSld>
@@ -5950,7 +9319,7 @@
           <p:cNvPr id="2" name="Заголовок 1">
             <a:extLst>
               <a:ext uri="{FF2B5EF4-FFF2-40B4-BE49-F238E27FC236}">
-                <a16:creationId xmlns:a16="http://schemas.microsoft.com/office/drawing/2014/main" id="{58EAC805-B5CF-494A-9B2B-FC9372340920}"/>
+                <a16:creationId xmlns:a16="http://schemas.microsoft.com/office/drawing/2014/main" id="{72BF2BF3-27A0-4C87-922C-4C241F0C6B15}"/>
               </a:ext>
             </a:extLst>
           </p:cNvPr>
@@ -5968,7 +9337,7 @@
           <a:p>
             <a:r>
               <a:rPr lang="ru-RU" dirty="0"/>
-              <a:t>Хранение данных формы</a:t>
+              <a:t>Компонент</a:t>
             </a:r>
           </a:p>
         </p:txBody>
@@ -5978,7 +9347,7 @@
           <p:cNvPr id="3" name="Текст 2">
             <a:extLst>
               <a:ext uri="{FF2B5EF4-FFF2-40B4-BE49-F238E27FC236}">
-                <a16:creationId xmlns:a16="http://schemas.microsoft.com/office/drawing/2014/main" id="{F1CCC0FE-F442-4ABF-B9F3-F59C0DC0D487}"/>
+                <a16:creationId xmlns:a16="http://schemas.microsoft.com/office/drawing/2014/main" id="{B7E2D7D8-B8CA-447E-9F52-5926FC9F2B9A}"/>
               </a:ext>
             </a:extLst>
           </p:cNvPr>
@@ -5996,19 +9365,46 @@
           </a:xfrm>
         </p:spPr>
         <p:txBody>
-          <a:bodyPr/>
+          <a:bodyPr>
+            <a:normAutofit/>
+          </a:bodyPr>
           <a:lstStyle/>
           <a:p>
+            <a:r>
+              <a:rPr lang="ru-RU" dirty="0"/>
+              <a:t>Компонент</a:t>
+            </a:r>
+            <a:r>
+              <a:rPr lang="ru-RU" b="0" dirty="0"/>
+              <a:t> - это React-элемент, написанный разработчиком. Обычно часть </a:t>
+            </a:r>
+            <a:r>
+              <a:rPr lang="en-US" b="0" dirty="0"/>
+              <a:t>UI</a:t>
+            </a:r>
+            <a:r>
+              <a:rPr lang="ru-RU" b="0" dirty="0"/>
+              <a:t>, который содержит свою структуру и функциональность</a:t>
+            </a:r>
+          </a:p>
+          <a:p>
             <a:pPr marL="0" indent="0">
               <a:buNone/>
             </a:pPr>
+            <a:endParaRPr lang="ru-RU" sz="2000" b="0" dirty="0"/>
+          </a:p>
+          <a:p>
             <a:r>
               <a:rPr lang="ru-RU" b="0" dirty="0"/>
-              <a:t>Данные формы лучше всего хранить в </a:t>
+              <a:t>В </a:t>
             </a:r>
             <a:r>
               <a:rPr lang="en-US" b="0" dirty="0"/>
-              <a:t>state</a:t>
+              <a:t>JSX </a:t>
+            </a:r>
+            <a:r>
+              <a:rPr lang="ru-RU" b="0" dirty="0"/>
+              <a:t>компонент выглядит как обычный тег</a:t>
             </a:r>
           </a:p>
           <a:p>
@@ -6016,57 +9412,1007 @@
               <a:buNone/>
             </a:pPr>
             <a:r>
-              <a:rPr lang="en-US" dirty="0"/>
-              <a:t>constructor(props){</a:t>
-            </a:r>
-          </a:p>
-          <a:p>
-            <a:pPr marL="0" indent="0">
-              <a:buNone/>
-            </a:pPr>
-            <a:r>
-              <a:rPr lang="en-US" dirty="0"/>
-              <a:t>    super(props);</a:t>
-            </a:r>
-          </a:p>
-          <a:p>
-            <a:pPr marL="0" indent="0">
-              <a:buNone/>
-            </a:pPr>
-            <a:r>
-              <a:rPr lang="en-US" dirty="0"/>
-              <a:t>    </a:t>
-            </a:r>
-            <a:r>
-              <a:rPr lang="en-US" dirty="0" err="1"/>
-              <a:t>this.state</a:t>
-            </a:r>
-            <a:r>
-              <a:rPr lang="en-US" dirty="0"/>
-              <a:t> = {login: ''};</a:t>
-            </a:r>
-          </a:p>
-          <a:p>
-            <a:pPr marL="0" indent="0">
-              <a:buNone/>
-            </a:pPr>
-            <a:r>
-              <a:rPr lang="en-US" dirty="0"/>
-              <a:t>}</a:t>
-            </a:r>
-          </a:p>
-          <a:p>
-            <a:pPr marL="0" indent="0">
-              <a:buNone/>
-            </a:pPr>
-            <a:endParaRPr lang="ru-RU" dirty="0"/>
+              <a:rPr lang="ru-RU" sz="2000" b="0" dirty="0"/>
+              <a:t>Но в отличие от строчных </a:t>
+            </a:r>
+            <a:r>
+              <a:rPr lang="en-US" sz="2000" b="0" dirty="0"/>
+              <a:t>HTML-</a:t>
+            </a:r>
+            <a:r>
+              <a:rPr lang="ru-RU" sz="2000" b="0" dirty="0"/>
+              <a:t>тегов пишется с заглавной буквы</a:t>
+            </a:r>
+            <a:endParaRPr lang="ru-RU" b="0" dirty="0"/>
+          </a:p>
+          <a:p>
+            <a:endParaRPr lang="ru-RU" b="0" dirty="0"/>
+          </a:p>
+          <a:p>
+            <a:r>
+              <a:rPr lang="ru-RU" b="0" dirty="0"/>
+              <a:t>Есть 2 способа объявить компонент</a:t>
+            </a:r>
+            <a:r>
+              <a:rPr lang="en-US" b="0" dirty="0"/>
+              <a:t>:</a:t>
+            </a:r>
+            <a:endParaRPr lang="ru-RU" b="0" dirty="0"/>
+          </a:p>
+          <a:p>
+            <a:r>
+              <a:rPr lang="ru-RU" sz="2000" b="0" dirty="0"/>
+              <a:t>Через </a:t>
+            </a:r>
+            <a:r>
+              <a:rPr lang="en-US" sz="2000" b="0" dirty="0"/>
+              <a:t>JavaScript-</a:t>
+            </a:r>
+            <a:r>
+              <a:rPr lang="ru-RU" sz="2000" b="0" dirty="0"/>
+              <a:t>функцию, которая возвращает </a:t>
+            </a:r>
+            <a:r>
+              <a:rPr lang="en-US" sz="2000" b="0" dirty="0"/>
+              <a:t>JSX</a:t>
+            </a:r>
+            <a:endParaRPr lang="ru-RU" sz="2000" b="0" dirty="0"/>
+          </a:p>
+          <a:p>
+            <a:r>
+              <a:rPr lang="ru-RU" sz="2000" b="0" dirty="0"/>
+              <a:t>Через </a:t>
+            </a:r>
+            <a:r>
+              <a:rPr lang="en-US" sz="2000" b="0" dirty="0"/>
+              <a:t>ES6-</a:t>
+            </a:r>
+            <a:r>
+              <a:rPr lang="ru-RU" sz="2000" b="0" dirty="0"/>
+              <a:t>класс, в котором есть функция </a:t>
+            </a:r>
+            <a:r>
+              <a:rPr lang="en-US" sz="2000" b="0" dirty="0"/>
+              <a:t>render()</a:t>
+            </a:r>
+            <a:r>
+              <a:rPr lang="ru-RU" sz="2000" b="0" dirty="0"/>
+              <a:t>, возвращающая </a:t>
+            </a:r>
+            <a:r>
+              <a:rPr lang="en-US" sz="2000" b="0" dirty="0"/>
+              <a:t>JSX</a:t>
+            </a:r>
+            <a:endParaRPr lang="ru-RU" sz="2000" b="0" dirty="0"/>
           </a:p>
         </p:txBody>
       </p:sp>
     </p:spTree>
     <p:extLst>
       <p:ext uri="{BB962C8B-B14F-4D97-AF65-F5344CB8AC3E}">
-        <p14:creationId xmlns:p14="http://schemas.microsoft.com/office/powerpoint/2010/main" val="3079991800"/>
+        <p14:creationId xmlns:p14="http://schemas.microsoft.com/office/powerpoint/2010/main" val="3439192213"/>
+      </p:ext>
+    </p:extLst>
+  </p:cSld>
+  <p:clrMapOvr>
+    <a:masterClrMapping/>
+  </p:clrMapOvr>
+</p:sld>
+</file>
+
+<file path=ppt/slides/slide15.xml><?xml version="1.0" encoding="utf-8"?>
+<p:sld xmlns:a="http://schemas.openxmlformats.org/drawingml/2006/main" xmlns:r="http://schemas.openxmlformats.org/officeDocument/2006/relationships" xmlns:p="http://schemas.openxmlformats.org/presentationml/2006/main">
+  <p:cSld>
+    <p:spTree>
+      <p:nvGrpSpPr>
+        <p:cNvPr id="1" name=""/>
+        <p:cNvGrpSpPr/>
+        <p:nvPr/>
+      </p:nvGrpSpPr>
+      <p:grpSpPr>
+        <a:xfrm>
+          <a:off x="0" y="0"/>
+          <a:ext cx="0" cy="0"/>
+          <a:chOff x="0" y="0"/>
+          <a:chExt cx="0" cy="0"/>
+        </a:xfrm>
+      </p:grpSpPr>
+      <p:sp>
+        <p:nvSpPr>
+          <p:cNvPr id="2" name="Заголовок 1">
+            <a:extLst>
+              <a:ext uri="{FF2B5EF4-FFF2-40B4-BE49-F238E27FC236}">
+                <a16:creationId xmlns:a16="http://schemas.microsoft.com/office/drawing/2014/main" id="{9241F09C-70FA-45B0-B50B-46E8FEE40A0A}"/>
+              </a:ext>
+            </a:extLst>
+          </p:cNvPr>
+          <p:cNvSpPr>
+            <a:spLocks noGrp="1"/>
+          </p:cNvSpPr>
+          <p:nvPr>
+            <p:ph type="title"/>
+          </p:nvPr>
+        </p:nvSpPr>
+        <p:spPr/>
+        <p:txBody>
+          <a:bodyPr/>
+          <a:lstStyle/>
+          <a:p>
+            <a:r>
+              <a:rPr lang="ru-RU" dirty="0"/>
+              <a:t>Примеры объявления компонента</a:t>
+            </a:r>
+          </a:p>
+        </p:txBody>
+      </p:sp>
+      <p:sp>
+        <p:nvSpPr>
+          <p:cNvPr id="3" name="Текст 2">
+            <a:extLst>
+              <a:ext uri="{FF2B5EF4-FFF2-40B4-BE49-F238E27FC236}">
+                <a16:creationId xmlns:a16="http://schemas.microsoft.com/office/drawing/2014/main" id="{693AADEA-7DF9-49D5-96FC-6125C45D4AF8}"/>
+              </a:ext>
+            </a:extLst>
+          </p:cNvPr>
+          <p:cNvSpPr>
+            <a:spLocks noGrp="1"/>
+          </p:cNvSpPr>
+          <p:nvPr>
+            <p:ph type="body" idx="1"/>
+          </p:nvPr>
+        </p:nvSpPr>
+        <p:spPr>
+          <a:xfrm>
+            <a:off x="515389" y="1690689"/>
+            <a:ext cx="10515600" cy="4802186"/>
+          </a:xfrm>
+        </p:spPr>
+        <p:txBody>
+          <a:bodyPr>
+            <a:normAutofit fontScale="77500" lnSpcReduction="20000"/>
+          </a:bodyPr>
+          <a:lstStyle/>
+          <a:p>
+            <a:r>
+              <a:rPr lang="ru-RU" sz="3600" b="0" dirty="0"/>
+              <a:t>Вызов компонента</a:t>
+            </a:r>
+            <a:r>
+              <a:rPr lang="en-US" sz="3600" b="0" dirty="0"/>
+              <a:t> </a:t>
+            </a:r>
+            <a:r>
+              <a:rPr lang="ru-RU" sz="3600" b="0" dirty="0"/>
+              <a:t>в </a:t>
+            </a:r>
+            <a:r>
+              <a:rPr lang="en-US" sz="3600" b="0" dirty="0"/>
+              <a:t>JSX</a:t>
+            </a:r>
+            <a:endParaRPr lang="ru-RU" sz="3600" b="0" dirty="0"/>
+          </a:p>
+          <a:p>
+            <a:pPr marL="0" indent="0">
+              <a:buNone/>
+            </a:pPr>
+            <a:r>
+              <a:rPr lang="en-US" sz="2600" dirty="0"/>
+              <a:t>&lt;Welcome name="React"/&gt;</a:t>
+            </a:r>
+          </a:p>
+          <a:p>
+            <a:pPr marL="0" indent="0">
+              <a:buNone/>
+            </a:pPr>
+            <a:endParaRPr lang="ru-RU" sz="1300" b="0" dirty="0"/>
+          </a:p>
+          <a:p>
+            <a:r>
+              <a:rPr lang="ru-RU" sz="3600" b="0" dirty="0"/>
+              <a:t>Объявление </a:t>
+            </a:r>
+            <a:r>
+              <a:rPr lang="en-US" sz="3600" b="0" dirty="0"/>
+              <a:t>JavaScript-</a:t>
+            </a:r>
+            <a:r>
+              <a:rPr lang="ru-RU" sz="3600" b="0" dirty="0"/>
+              <a:t>функции</a:t>
+            </a:r>
+          </a:p>
+          <a:p>
+            <a:pPr marL="0" indent="0">
+              <a:buNone/>
+            </a:pPr>
+            <a:r>
+              <a:rPr lang="en-US" sz="2600" dirty="0"/>
+              <a:t>function Welcome(props) {</a:t>
+            </a:r>
+          </a:p>
+          <a:p>
+            <a:pPr marL="0" indent="0">
+              <a:buNone/>
+            </a:pPr>
+            <a:r>
+              <a:rPr lang="en-US" sz="2600" dirty="0"/>
+              <a:t>    return &lt;h1&gt;Hello, {props.name}&lt;/h1&gt;;</a:t>
+            </a:r>
+          </a:p>
+          <a:p>
+            <a:pPr marL="0" indent="0">
+              <a:buNone/>
+            </a:pPr>
+            <a:r>
+              <a:rPr lang="en-US" sz="2600" dirty="0"/>
+              <a:t>}</a:t>
+            </a:r>
+          </a:p>
+          <a:p>
+            <a:pPr marL="0" indent="0">
+              <a:buNone/>
+            </a:pPr>
+            <a:endParaRPr lang="ru-RU" sz="1300" b="0" dirty="0"/>
+          </a:p>
+          <a:p>
+            <a:r>
+              <a:rPr lang="ru-RU" sz="3600" b="0" dirty="0"/>
+              <a:t>Объявление </a:t>
+            </a:r>
+            <a:r>
+              <a:rPr lang="en-US" sz="3600" b="0" dirty="0"/>
+              <a:t>ES6-</a:t>
+            </a:r>
+            <a:r>
+              <a:rPr lang="ru-RU" sz="3600" b="0" dirty="0"/>
+              <a:t>класса</a:t>
+            </a:r>
+          </a:p>
+          <a:p>
+            <a:pPr marL="0" indent="0">
+              <a:buNone/>
+            </a:pPr>
+            <a:r>
+              <a:rPr lang="en-US" sz="2600" dirty="0"/>
+              <a:t>class Welcome extends </a:t>
+            </a:r>
+            <a:r>
+              <a:rPr lang="en-US" sz="2600" dirty="0" err="1"/>
+              <a:t>React.Component</a:t>
+            </a:r>
+            <a:r>
+              <a:rPr lang="en-US" sz="2600" dirty="0"/>
+              <a:t> {</a:t>
+            </a:r>
+          </a:p>
+          <a:p>
+            <a:pPr marL="0" indent="0">
+              <a:buNone/>
+            </a:pPr>
+            <a:r>
+              <a:rPr lang="en-US" sz="2600" dirty="0"/>
+              <a:t>    render() {</a:t>
+            </a:r>
+          </a:p>
+          <a:p>
+            <a:pPr marL="0" indent="0">
+              <a:buNone/>
+            </a:pPr>
+            <a:r>
+              <a:rPr lang="en-US" sz="2600" dirty="0"/>
+              <a:t>        return &lt;h1&gt;Hello, {this.props.name}&lt;/h1&gt;;</a:t>
+            </a:r>
+          </a:p>
+          <a:p>
+            <a:pPr marL="0" indent="0">
+              <a:buNone/>
+            </a:pPr>
+            <a:r>
+              <a:rPr lang="en-US" sz="2600" dirty="0"/>
+              <a:t>    }</a:t>
+            </a:r>
+          </a:p>
+          <a:p>
+            <a:pPr marL="0" indent="0">
+              <a:buNone/>
+            </a:pPr>
+            <a:r>
+              <a:rPr lang="en-US" sz="2600" dirty="0"/>
+              <a:t>}</a:t>
+            </a:r>
+            <a:endParaRPr lang="ru-RU" sz="2600" dirty="0"/>
+          </a:p>
+        </p:txBody>
+      </p:sp>
+    </p:spTree>
+    <p:extLst>
+      <p:ext uri="{BB962C8B-B14F-4D97-AF65-F5344CB8AC3E}">
+        <p14:creationId xmlns:p14="http://schemas.microsoft.com/office/powerpoint/2010/main" val="809138716"/>
+      </p:ext>
+    </p:extLst>
+  </p:cSld>
+  <p:clrMapOvr>
+    <a:masterClrMapping/>
+  </p:clrMapOvr>
+</p:sld>
+</file>
+
+<file path=ppt/slides/slide16.xml><?xml version="1.0" encoding="utf-8"?>
+<p:sld xmlns:a="http://schemas.openxmlformats.org/drawingml/2006/main" xmlns:r="http://schemas.openxmlformats.org/officeDocument/2006/relationships" xmlns:p="http://schemas.openxmlformats.org/presentationml/2006/main">
+  <p:cSld>
+    <p:spTree>
+      <p:nvGrpSpPr>
+        <p:cNvPr id="1" name=""/>
+        <p:cNvGrpSpPr/>
+        <p:nvPr/>
+      </p:nvGrpSpPr>
+      <p:grpSpPr>
+        <a:xfrm>
+          <a:off x="0" y="0"/>
+          <a:ext cx="0" cy="0"/>
+          <a:chOff x="0" y="0"/>
+          <a:chExt cx="0" cy="0"/>
+        </a:xfrm>
+      </p:grpSpPr>
+      <p:sp>
+        <p:nvSpPr>
+          <p:cNvPr id="2" name="Заголовок 1">
+            <a:extLst>
+              <a:ext uri="{FF2B5EF4-FFF2-40B4-BE49-F238E27FC236}">
+                <a16:creationId xmlns:a16="http://schemas.microsoft.com/office/drawing/2014/main" id="{68CBE45B-1F23-42D3-B499-69D9A1BFEE5F}"/>
+              </a:ext>
+            </a:extLst>
+          </p:cNvPr>
+          <p:cNvSpPr>
+            <a:spLocks noGrp="1"/>
+          </p:cNvSpPr>
+          <p:nvPr>
+            <p:ph type="title"/>
+          </p:nvPr>
+        </p:nvSpPr>
+        <p:spPr/>
+        <p:txBody>
+          <a:bodyPr/>
+          <a:lstStyle/>
+          <a:p>
+            <a:r>
+              <a:rPr lang="ru-RU" dirty="0"/>
+              <a:t>Передача параметров компоненту</a:t>
+            </a:r>
+          </a:p>
+        </p:txBody>
+      </p:sp>
+      <p:sp>
+        <p:nvSpPr>
+          <p:cNvPr id="3" name="Текст 2">
+            <a:extLst>
+              <a:ext uri="{FF2B5EF4-FFF2-40B4-BE49-F238E27FC236}">
+                <a16:creationId xmlns:a16="http://schemas.microsoft.com/office/drawing/2014/main" id="{A211861B-251B-4C61-9D18-98893000D7BA}"/>
+              </a:ext>
+            </a:extLst>
+          </p:cNvPr>
+          <p:cNvSpPr>
+            <a:spLocks noGrp="1"/>
+          </p:cNvSpPr>
+          <p:nvPr>
+            <p:ph type="body" idx="1"/>
+          </p:nvPr>
+        </p:nvSpPr>
+        <p:spPr>
+          <a:xfrm>
+            <a:off x="515389" y="1690689"/>
+            <a:ext cx="10515600" cy="4802186"/>
+          </a:xfrm>
+        </p:spPr>
+        <p:txBody>
+          <a:bodyPr/>
+          <a:lstStyle/>
+          <a:p>
+            <a:r>
+              <a:rPr lang="ru-RU" b="0" dirty="0"/>
+              <a:t>Для передачи параметров используется </a:t>
+            </a:r>
+            <a:r>
+              <a:rPr lang="en-US" dirty="0"/>
+              <a:t>props</a:t>
+            </a:r>
+          </a:p>
+          <a:p>
+            <a:endParaRPr lang="en-US" b="0" dirty="0"/>
+          </a:p>
+          <a:p>
+            <a:r>
+              <a:rPr lang="ru-RU" b="0" dirty="0"/>
+              <a:t>В </a:t>
+            </a:r>
+            <a:r>
+              <a:rPr lang="en-US" b="0" dirty="0"/>
+              <a:t>JSX </a:t>
+            </a:r>
+            <a:r>
+              <a:rPr lang="ru-RU" b="0" dirty="0"/>
+              <a:t>параметры описываются как атрибуты тега</a:t>
+            </a:r>
+          </a:p>
+          <a:p>
+            <a:pPr marL="0" indent="0">
+              <a:buNone/>
+            </a:pPr>
+            <a:r>
+              <a:rPr lang="en-US" sz="2000" dirty="0"/>
+              <a:t>&lt;Welcome name="React"/&gt;</a:t>
+            </a:r>
+          </a:p>
+          <a:p>
+            <a:pPr marL="0" indent="0">
+              <a:buNone/>
+            </a:pPr>
+            <a:endParaRPr lang="ru-RU" b="0" dirty="0"/>
+          </a:p>
+          <a:p>
+            <a:r>
+              <a:rPr lang="ru-RU" b="0" dirty="0"/>
+              <a:t>К параметру можно обратиться через </a:t>
+            </a:r>
+            <a:r>
+              <a:rPr lang="en-US" dirty="0"/>
+              <a:t>props</a:t>
+            </a:r>
+            <a:r>
+              <a:rPr lang="en-US" b="0" dirty="0"/>
+              <a:t>:</a:t>
+            </a:r>
+          </a:p>
+          <a:p>
+            <a:r>
+              <a:rPr lang="en-US" sz="2000" dirty="0"/>
+              <a:t>props.name</a:t>
+            </a:r>
+            <a:r>
+              <a:rPr lang="en-US" sz="2000" b="0" dirty="0"/>
+              <a:t> – </a:t>
+            </a:r>
+            <a:r>
+              <a:rPr lang="ru-RU" sz="2000" b="0" dirty="0"/>
+              <a:t>в функциональном компоненте</a:t>
+            </a:r>
+            <a:endParaRPr lang="en-US" sz="2000" dirty="0"/>
+          </a:p>
+          <a:p>
+            <a:r>
+              <a:rPr lang="en-US" sz="2000" dirty="0"/>
+              <a:t>this.props.name</a:t>
+            </a:r>
+            <a:r>
+              <a:rPr lang="ru-RU" sz="2000" b="0" dirty="0"/>
+              <a:t> - в компоненте-классе</a:t>
+            </a:r>
+          </a:p>
+        </p:txBody>
+      </p:sp>
+    </p:spTree>
+    <p:extLst>
+      <p:ext uri="{BB962C8B-B14F-4D97-AF65-F5344CB8AC3E}">
+        <p14:creationId xmlns:p14="http://schemas.microsoft.com/office/powerpoint/2010/main" val="2164497539"/>
+      </p:ext>
+    </p:extLst>
+  </p:cSld>
+  <p:clrMapOvr>
+    <a:masterClrMapping/>
+  </p:clrMapOvr>
+</p:sld>
+</file>
+
+<file path=ppt/slides/slide17.xml><?xml version="1.0" encoding="utf-8"?>
+<p:sld xmlns:a="http://schemas.openxmlformats.org/drawingml/2006/main" xmlns:r="http://schemas.openxmlformats.org/officeDocument/2006/relationships" xmlns:p="http://schemas.openxmlformats.org/presentationml/2006/main">
+  <p:cSld>
+    <p:spTree>
+      <p:nvGrpSpPr>
+        <p:cNvPr id="1" name=""/>
+        <p:cNvGrpSpPr/>
+        <p:nvPr/>
+      </p:nvGrpSpPr>
+      <p:grpSpPr>
+        <a:xfrm>
+          <a:off x="0" y="0"/>
+          <a:ext cx="0" cy="0"/>
+          <a:chOff x="0" y="0"/>
+          <a:chExt cx="0" cy="0"/>
+        </a:xfrm>
+      </p:grpSpPr>
+      <p:sp>
+        <p:nvSpPr>
+          <p:cNvPr id="2" name="Заголовок 1">
+            <a:extLst>
+              <a:ext uri="{FF2B5EF4-FFF2-40B4-BE49-F238E27FC236}">
+                <a16:creationId xmlns:a16="http://schemas.microsoft.com/office/drawing/2014/main" id="{AB4720A7-76A6-4146-ADA7-DB5BE1967463}"/>
+              </a:ext>
+            </a:extLst>
+          </p:cNvPr>
+          <p:cNvSpPr>
+            <a:spLocks noGrp="1"/>
+          </p:cNvSpPr>
+          <p:nvPr>
+            <p:ph type="title"/>
+          </p:nvPr>
+        </p:nvSpPr>
+        <p:spPr/>
+        <p:txBody>
+          <a:bodyPr/>
+          <a:lstStyle/>
+          <a:p>
+            <a:r>
+              <a:rPr lang="ru-RU" dirty="0"/>
+              <a:t>Чистые функции и </a:t>
+            </a:r>
+            <a:r>
+              <a:rPr lang="en-US" dirty="0"/>
+              <a:t>read-only props</a:t>
+            </a:r>
+            <a:endParaRPr lang="ru-RU" dirty="0"/>
+          </a:p>
+        </p:txBody>
+      </p:sp>
+      <p:sp>
+        <p:nvSpPr>
+          <p:cNvPr id="3" name="Текст 2">
+            <a:extLst>
+              <a:ext uri="{FF2B5EF4-FFF2-40B4-BE49-F238E27FC236}">
+                <a16:creationId xmlns:a16="http://schemas.microsoft.com/office/drawing/2014/main" id="{700C3DEF-7AF8-4072-A9F5-7DC9C97A79B8}"/>
+              </a:ext>
+            </a:extLst>
+          </p:cNvPr>
+          <p:cNvSpPr>
+            <a:spLocks noGrp="1"/>
+          </p:cNvSpPr>
+          <p:nvPr>
+            <p:ph type="body" idx="1"/>
+          </p:nvPr>
+        </p:nvSpPr>
+        <p:spPr>
+          <a:xfrm>
+            <a:off x="515389" y="1690689"/>
+            <a:ext cx="10515600" cy="4802186"/>
+          </a:xfrm>
+        </p:spPr>
+        <p:txBody>
+          <a:bodyPr>
+            <a:normAutofit lnSpcReduction="10000"/>
+          </a:bodyPr>
+          <a:lstStyle/>
+          <a:p>
+            <a:r>
+              <a:rPr lang="ru-RU" sz="2800" dirty="0"/>
+              <a:t>Чистая функция </a:t>
+            </a:r>
+            <a:r>
+              <a:rPr lang="ru-RU" sz="2800" b="0" dirty="0"/>
+              <a:t>- это функция, в которой не меняются значения переданных в неё параметров, и для одинакового набора параметров всегда возвращает один и тот же результат</a:t>
+            </a:r>
+          </a:p>
+          <a:p>
+            <a:pPr marL="0" indent="0">
+              <a:buNone/>
+            </a:pPr>
+            <a:r>
+              <a:rPr lang="ru-RU" sz="2000" b="0" dirty="0"/>
+              <a:t>Пример не чистой функции (в ней меняется значение переданного параметра):</a:t>
+            </a:r>
+          </a:p>
+          <a:p>
+            <a:pPr marL="0" indent="0">
+              <a:buNone/>
+            </a:pPr>
+            <a:r>
+              <a:rPr lang="en-US" sz="2000" dirty="0"/>
+              <a:t>function withdraw(account, amount) {</a:t>
+            </a:r>
+          </a:p>
+          <a:p>
+            <a:pPr marL="0" indent="0">
+              <a:buNone/>
+            </a:pPr>
+            <a:r>
+              <a:rPr lang="ru-RU" sz="2000" dirty="0"/>
+              <a:t>    </a:t>
+            </a:r>
+            <a:r>
+              <a:rPr lang="en-US" sz="2000" dirty="0" err="1"/>
+              <a:t>account.total</a:t>
+            </a:r>
+            <a:r>
+              <a:rPr lang="en-US" sz="2000" dirty="0"/>
+              <a:t> = amount;</a:t>
+            </a:r>
+          </a:p>
+          <a:p>
+            <a:pPr marL="0" indent="0">
+              <a:buNone/>
+            </a:pPr>
+            <a:r>
+              <a:rPr lang="en-US" sz="2000" dirty="0"/>
+              <a:t>}</a:t>
+            </a:r>
+            <a:endParaRPr lang="ru-RU" sz="2000" dirty="0"/>
+          </a:p>
+          <a:p>
+            <a:pPr marL="0" indent="0">
+              <a:buNone/>
+            </a:pPr>
+            <a:endParaRPr lang="ru-RU" sz="2000" b="0" dirty="0"/>
+          </a:p>
+          <a:p>
+            <a:r>
+              <a:rPr lang="ru-RU" sz="2800" b="0" dirty="0"/>
+              <a:t>Все React-компоненты должны работать как чистые функции в отношении своих свойств </a:t>
+            </a:r>
+            <a:r>
+              <a:rPr lang="ru-RU" sz="2800" b="0" dirty="0" err="1"/>
+              <a:t>props</a:t>
+            </a:r>
+            <a:endParaRPr lang="ru-RU" sz="2800" b="0" dirty="0"/>
+          </a:p>
+          <a:p>
+            <a:pPr marL="0" indent="0">
+              <a:buNone/>
+            </a:pPr>
+            <a:r>
+              <a:rPr lang="ru-RU" sz="2000" b="0" dirty="0"/>
+              <a:t>То есть </a:t>
+            </a:r>
+            <a:r>
+              <a:rPr lang="en-US" sz="2000" dirty="0"/>
+              <a:t>props</a:t>
+            </a:r>
+            <a:r>
+              <a:rPr lang="en-US" sz="2000" b="0" dirty="0"/>
+              <a:t> </a:t>
+            </a:r>
+            <a:r>
+              <a:rPr lang="ru-RU" sz="2000" b="0" dirty="0"/>
+              <a:t>являются </a:t>
+            </a:r>
+            <a:r>
+              <a:rPr lang="en-US" sz="2000" b="0" dirty="0"/>
+              <a:t>read only</a:t>
+            </a:r>
+            <a:r>
+              <a:rPr lang="ru-RU" sz="2000" b="0" dirty="0"/>
+              <a:t> и не может меняться внутри компонента </a:t>
+            </a:r>
+          </a:p>
+          <a:p>
+            <a:endParaRPr lang="ru-RU" b="0" dirty="0"/>
+          </a:p>
+        </p:txBody>
+      </p:sp>
+    </p:spTree>
+    <p:extLst>
+      <p:ext uri="{BB962C8B-B14F-4D97-AF65-F5344CB8AC3E}">
+        <p14:creationId xmlns:p14="http://schemas.microsoft.com/office/powerpoint/2010/main" val="1959441865"/>
+      </p:ext>
+    </p:extLst>
+  </p:cSld>
+  <p:clrMapOvr>
+    <a:masterClrMapping/>
+  </p:clrMapOvr>
+</p:sld>
+</file>
+
+<file path=ppt/slides/slide18.xml><?xml version="1.0" encoding="utf-8"?>
+<p:sld xmlns:a="http://schemas.openxmlformats.org/drawingml/2006/main" xmlns:r="http://schemas.openxmlformats.org/officeDocument/2006/relationships" xmlns:p="http://schemas.openxmlformats.org/presentationml/2006/main">
+  <p:cSld>
+    <p:spTree>
+      <p:nvGrpSpPr>
+        <p:cNvPr id="1" name=""/>
+        <p:cNvGrpSpPr/>
+        <p:nvPr/>
+      </p:nvGrpSpPr>
+      <p:grpSpPr>
+        <a:xfrm>
+          <a:off x="0" y="0"/>
+          <a:ext cx="0" cy="0"/>
+          <a:chOff x="0" y="0"/>
+          <a:chExt cx="0" cy="0"/>
+        </a:xfrm>
+      </p:grpSpPr>
+      <p:sp>
+        <p:nvSpPr>
+          <p:cNvPr id="2" name="Заголовок 1">
+            <a:extLst>
+              <a:ext uri="{FF2B5EF4-FFF2-40B4-BE49-F238E27FC236}">
+                <a16:creationId xmlns:a16="http://schemas.microsoft.com/office/drawing/2014/main" id="{95FC8068-B942-4B04-B6FB-1616641B46B8}"/>
+              </a:ext>
+            </a:extLst>
+          </p:cNvPr>
+          <p:cNvSpPr>
+            <a:spLocks noGrp="1"/>
+          </p:cNvSpPr>
+          <p:nvPr>
+            <p:ph type="title"/>
+          </p:nvPr>
+        </p:nvSpPr>
+        <p:spPr/>
+        <p:txBody>
+          <a:bodyPr/>
+          <a:lstStyle/>
+          <a:p>
+            <a:r>
+              <a:rPr lang="ru-RU" dirty="0"/>
+              <a:t>Композиция компонентов</a:t>
+            </a:r>
+          </a:p>
+        </p:txBody>
+      </p:sp>
+      <p:sp>
+        <p:nvSpPr>
+          <p:cNvPr id="3" name="Текст 2">
+            <a:extLst>
+              <a:ext uri="{FF2B5EF4-FFF2-40B4-BE49-F238E27FC236}">
+                <a16:creationId xmlns:a16="http://schemas.microsoft.com/office/drawing/2014/main" id="{EE4D7CF6-39F4-4907-AB79-EE8304E5BE4A}"/>
+              </a:ext>
+            </a:extLst>
+          </p:cNvPr>
+          <p:cNvSpPr>
+            <a:spLocks noGrp="1"/>
+          </p:cNvSpPr>
+          <p:nvPr>
+            <p:ph type="body" idx="1"/>
+          </p:nvPr>
+        </p:nvSpPr>
+        <p:spPr>
+          <a:xfrm>
+            <a:off x="515389" y="1690689"/>
+            <a:ext cx="10515600" cy="4802186"/>
+          </a:xfrm>
+        </p:spPr>
+        <p:txBody>
+          <a:bodyPr>
+            <a:normAutofit fontScale="92500" lnSpcReduction="10000"/>
+          </a:bodyPr>
+          <a:lstStyle/>
+          <a:p>
+            <a:r>
+              <a:rPr lang="ru-RU" b="0" dirty="0"/>
+              <a:t>Одни компоненты могут входить в другие</a:t>
+            </a:r>
+          </a:p>
+          <a:p>
+            <a:pPr marL="0" indent="0">
+              <a:buNone/>
+            </a:pPr>
+            <a:r>
+              <a:rPr lang="en-US" sz="2000" dirty="0"/>
+              <a:t>function Welcome(props) {</a:t>
+            </a:r>
+            <a:r>
+              <a:rPr lang="ru-RU" sz="2000" dirty="0"/>
+              <a:t> </a:t>
+            </a:r>
+            <a:endParaRPr lang="en-US" sz="2000" dirty="0"/>
+          </a:p>
+          <a:p>
+            <a:pPr marL="0" indent="0">
+              <a:buNone/>
+            </a:pPr>
+            <a:r>
+              <a:rPr lang="ru-RU" sz="2000" dirty="0"/>
+              <a:t>    </a:t>
+            </a:r>
+            <a:r>
+              <a:rPr lang="en-US" sz="2000" dirty="0"/>
+              <a:t>return &lt;h1&gt;Hello, {props.name}&lt;/h1&gt;;</a:t>
+            </a:r>
+          </a:p>
+          <a:p>
+            <a:pPr marL="0" indent="0">
+              <a:buNone/>
+            </a:pPr>
+            <a:r>
+              <a:rPr lang="en-US" sz="2000" dirty="0"/>
+              <a:t>}</a:t>
+            </a:r>
+          </a:p>
+          <a:p>
+            <a:pPr marL="0" indent="0">
+              <a:buNone/>
+            </a:pPr>
+            <a:r>
+              <a:rPr lang="en-US" sz="2000" dirty="0"/>
+              <a:t>function App() {</a:t>
+            </a:r>
+          </a:p>
+          <a:p>
+            <a:pPr marL="0" indent="0">
+              <a:buNone/>
+            </a:pPr>
+            <a:r>
+              <a:rPr lang="ru-RU" sz="2000" dirty="0"/>
+              <a:t>    </a:t>
+            </a:r>
+            <a:r>
+              <a:rPr lang="en-US" sz="2000" dirty="0"/>
+              <a:t>return (&lt;div&gt;</a:t>
+            </a:r>
+          </a:p>
+          <a:p>
+            <a:pPr marL="0" indent="0">
+              <a:buNone/>
+            </a:pPr>
+            <a:r>
+              <a:rPr lang="ru-RU" sz="2000" dirty="0"/>
+              <a:t>        </a:t>
+            </a:r>
+            <a:r>
+              <a:rPr lang="en-US" sz="2000" dirty="0"/>
+              <a:t>&lt;Welcome name="Ivan" /&gt;</a:t>
+            </a:r>
+          </a:p>
+          <a:p>
+            <a:pPr marL="0" indent="0">
+              <a:buNone/>
+            </a:pPr>
+            <a:r>
+              <a:rPr lang="ru-RU" sz="2000" dirty="0"/>
+              <a:t>        </a:t>
+            </a:r>
+            <a:r>
+              <a:rPr lang="en-US" sz="2000" dirty="0"/>
+              <a:t>&lt;Welcome name=“Petr" /&gt;</a:t>
+            </a:r>
+          </a:p>
+          <a:p>
+            <a:pPr marL="0" indent="0">
+              <a:buNone/>
+            </a:pPr>
+            <a:r>
+              <a:rPr lang="ru-RU" sz="2000" dirty="0"/>
+              <a:t>        </a:t>
+            </a:r>
+            <a:r>
+              <a:rPr lang="en-US" sz="2000" dirty="0"/>
+              <a:t>&lt;Welcome name=“Alex" /&gt;</a:t>
+            </a:r>
+          </a:p>
+          <a:p>
+            <a:pPr marL="0" indent="0">
+              <a:buNone/>
+            </a:pPr>
+            <a:r>
+              <a:rPr lang="ru-RU" sz="2000" dirty="0"/>
+              <a:t>    </a:t>
+            </a:r>
+            <a:r>
+              <a:rPr lang="en-US" sz="2000" dirty="0"/>
+              <a:t>&lt;/div&gt;);</a:t>
+            </a:r>
+          </a:p>
+          <a:p>
+            <a:pPr marL="0" indent="0">
+              <a:buNone/>
+            </a:pPr>
+            <a:r>
+              <a:rPr lang="en-US" sz="2000" dirty="0"/>
+              <a:t>}</a:t>
+            </a:r>
+          </a:p>
+          <a:p>
+            <a:pPr marL="0" indent="0">
+              <a:buNone/>
+            </a:pPr>
+            <a:r>
+              <a:rPr lang="en-US" sz="2000" dirty="0"/>
+              <a:t>ReactDOM.render(&lt;App /&gt;, document.getElementById('root’));</a:t>
+            </a:r>
+            <a:endParaRPr lang="ru-RU" sz="2000" dirty="0"/>
+          </a:p>
+          <a:p>
+            <a:pPr marL="0" indent="0">
+              <a:buNone/>
+            </a:pPr>
+            <a:r>
+              <a:rPr lang="ru-RU" sz="2000" b="0" dirty="0"/>
+              <a:t>Это позволяет выделять компоненты до любого уровня детализации</a:t>
+            </a:r>
+          </a:p>
+        </p:txBody>
+      </p:sp>
+    </p:spTree>
+    <p:extLst>
+      <p:ext uri="{BB962C8B-B14F-4D97-AF65-F5344CB8AC3E}">
+        <p14:creationId xmlns:p14="http://schemas.microsoft.com/office/powerpoint/2010/main" val="3849858349"/>
+      </p:ext>
+    </p:extLst>
+  </p:cSld>
+  <p:clrMapOvr>
+    <a:masterClrMapping/>
+  </p:clrMapOvr>
+</p:sld>
+</file>
+
+<file path=ppt/slides/slide19.xml><?xml version="1.0" encoding="utf-8"?>
+<p:sld xmlns:a="http://schemas.openxmlformats.org/drawingml/2006/main" xmlns:r="http://schemas.openxmlformats.org/officeDocument/2006/relationships" xmlns:p="http://schemas.openxmlformats.org/presentationml/2006/main">
+  <p:cSld>
+    <p:spTree>
+      <p:nvGrpSpPr>
+        <p:cNvPr id="1" name=""/>
+        <p:cNvGrpSpPr/>
+        <p:nvPr/>
+      </p:nvGrpSpPr>
+      <p:grpSpPr>
+        <a:xfrm>
+          <a:off x="0" y="0"/>
+          <a:ext cx="0" cy="0"/>
+          <a:chOff x="0" y="0"/>
+          <a:chExt cx="0" cy="0"/>
+        </a:xfrm>
+      </p:grpSpPr>
+      <p:pic>
+        <p:nvPicPr>
+          <p:cNvPr id="5" name="Объект 4" descr="Изображение выглядит как снимок экрана&#10;&#10;Автоматически созданное описание">
+            <a:extLst>
+              <a:ext uri="{FF2B5EF4-FFF2-40B4-BE49-F238E27FC236}">
+                <a16:creationId xmlns:a16="http://schemas.microsoft.com/office/drawing/2014/main" id="{969E18E0-3206-438F-8C84-6320825EFA73}"/>
+              </a:ext>
+            </a:extLst>
+          </p:cNvPr>
+          <p:cNvPicPr>
+            <a:picLocks noGrp="1" noChangeAspect="1"/>
+          </p:cNvPicPr>
+          <p:nvPr>
+            <p:ph idx="4294967295"/>
+          </p:nvPr>
+        </p:nvPicPr>
+        <p:blipFill>
+          <a:blip r:embed="rId2">
+            <a:extLst>
+              <a:ext uri="{28A0092B-C50C-407E-A947-70E740481C1C}">
+                <a14:useLocalDpi xmlns:a14="http://schemas.microsoft.com/office/drawing/2010/main" val="0"/>
+              </a:ext>
+            </a:extLst>
+          </a:blip>
+          <a:stretch>
+            <a:fillRect/>
+          </a:stretch>
+        </p:blipFill>
+        <p:spPr>
+          <a:xfrm>
+            <a:off x="971550" y="2115344"/>
+            <a:ext cx="10248900" cy="3771900"/>
+          </a:xfrm>
+        </p:spPr>
+      </p:pic>
+      <p:sp>
+        <p:nvSpPr>
+          <p:cNvPr id="3" name="Заголовок 2">
+            <a:extLst>
+              <a:ext uri="{FF2B5EF4-FFF2-40B4-BE49-F238E27FC236}">
+                <a16:creationId xmlns:a16="http://schemas.microsoft.com/office/drawing/2014/main" id="{93BD49C2-C923-4E8D-8AA4-4DF99FBEA6BB}"/>
+              </a:ext>
+            </a:extLst>
+          </p:cNvPr>
+          <p:cNvSpPr>
+            <a:spLocks noGrp="1"/>
+          </p:cNvSpPr>
+          <p:nvPr>
+            <p:ph type="title"/>
+          </p:nvPr>
+        </p:nvSpPr>
+        <p:spPr/>
+        <p:txBody>
+          <a:bodyPr/>
+          <a:lstStyle/>
+          <a:p>
+            <a:r>
+              <a:rPr lang="ru-RU" dirty="0"/>
+              <a:t>Занятие 3. События и жизненный цикл</a:t>
+            </a:r>
+          </a:p>
+        </p:txBody>
+      </p:sp>
+    </p:spTree>
+    <p:extLst>
+      <p:ext uri="{BB962C8B-B14F-4D97-AF65-F5344CB8AC3E}">
+        <p14:creationId xmlns:p14="http://schemas.microsoft.com/office/powerpoint/2010/main" val="3936014466"/>
       </p:ext>
     </p:extLst>
   </p:cSld>
@@ -6154,7 +10500,7 @@
           <a:p>
             <a:r>
               <a:rPr lang="ru-RU" dirty="0"/>
-              <a:t>Занятие 1. Установка</a:t>
+              <a:t>Занятие 1. Установка и запуск</a:t>
             </a:r>
           </a:p>
         </p:txBody>
@@ -6163,6 +10509,1771 @@
     <p:extLst>
       <p:ext uri="{BB962C8B-B14F-4D97-AF65-F5344CB8AC3E}">
         <p14:creationId xmlns:p14="http://schemas.microsoft.com/office/powerpoint/2010/main" val="222088036"/>
+      </p:ext>
+    </p:extLst>
+  </p:cSld>
+  <p:clrMapOvr>
+    <a:masterClrMapping/>
+  </p:clrMapOvr>
+</p:sld>
+</file>
+
+<file path=ppt/slides/slide20.xml><?xml version="1.0" encoding="utf-8"?>
+<p:sld xmlns:a="http://schemas.openxmlformats.org/drawingml/2006/main" xmlns:r="http://schemas.openxmlformats.org/officeDocument/2006/relationships" xmlns:p="http://schemas.openxmlformats.org/presentationml/2006/main">
+  <p:cSld>
+    <p:spTree>
+      <p:nvGrpSpPr>
+        <p:cNvPr id="1" name=""/>
+        <p:cNvGrpSpPr/>
+        <p:nvPr/>
+      </p:nvGrpSpPr>
+      <p:grpSpPr>
+        <a:xfrm>
+          <a:off x="0" y="0"/>
+          <a:ext cx="0" cy="0"/>
+          <a:chOff x="0" y="0"/>
+          <a:chExt cx="0" cy="0"/>
+        </a:xfrm>
+      </p:grpSpPr>
+      <p:sp>
+        <p:nvSpPr>
+          <p:cNvPr id="4" name="Заголовок 3">
+            <a:extLst>
+              <a:ext uri="{FF2B5EF4-FFF2-40B4-BE49-F238E27FC236}">
+                <a16:creationId xmlns:a16="http://schemas.microsoft.com/office/drawing/2014/main" id="{30C4F9C7-6FAB-4FF3-AD6B-53AAED2CA051}"/>
+              </a:ext>
+            </a:extLst>
+          </p:cNvPr>
+          <p:cNvSpPr>
+            <a:spLocks noGrp="1"/>
+          </p:cNvSpPr>
+          <p:nvPr>
+            <p:ph type="title"/>
+          </p:nvPr>
+        </p:nvSpPr>
+        <p:spPr/>
+        <p:txBody>
+          <a:bodyPr/>
+          <a:lstStyle/>
+          <a:p>
+            <a:r>
+              <a:rPr lang="ru-RU" dirty="0"/>
+              <a:t>Вызов обработчика события</a:t>
+            </a:r>
+          </a:p>
+        </p:txBody>
+      </p:sp>
+      <p:sp>
+        <p:nvSpPr>
+          <p:cNvPr id="5" name="Текст 4">
+            <a:extLst>
+              <a:ext uri="{FF2B5EF4-FFF2-40B4-BE49-F238E27FC236}">
+                <a16:creationId xmlns:a16="http://schemas.microsoft.com/office/drawing/2014/main" id="{4434A96B-809C-43E1-A2C5-BA1C568EB61D}"/>
+              </a:ext>
+            </a:extLst>
+          </p:cNvPr>
+          <p:cNvSpPr>
+            <a:spLocks noGrp="1"/>
+          </p:cNvSpPr>
+          <p:nvPr>
+            <p:ph type="body" idx="1"/>
+          </p:nvPr>
+        </p:nvSpPr>
+        <p:spPr>
+          <a:xfrm>
+            <a:off x="515389" y="1690689"/>
+            <a:ext cx="10515600" cy="4802186"/>
+          </a:xfrm>
+        </p:spPr>
+        <p:txBody>
+          <a:bodyPr/>
+          <a:lstStyle/>
+          <a:p>
+            <a:r>
+              <a:rPr lang="ru-RU" b="0" dirty="0"/>
+              <a:t>В </a:t>
+            </a:r>
+            <a:r>
+              <a:rPr lang="en-US" b="0" dirty="0"/>
+              <a:t>HTML </a:t>
+            </a:r>
+            <a:r>
+              <a:rPr lang="ru-RU" b="0" dirty="0"/>
+              <a:t>события называются строчными буквами и указывается функция со скобками</a:t>
+            </a:r>
+          </a:p>
+          <a:p>
+            <a:pPr marL="0" indent="0">
+              <a:buNone/>
+            </a:pPr>
+            <a:r>
+              <a:rPr lang="ru-RU" sz="2000" b="0" dirty="0"/>
+              <a:t>Например: </a:t>
+            </a:r>
+          </a:p>
+          <a:p>
+            <a:pPr marL="0" indent="0">
+              <a:buNone/>
+            </a:pPr>
+            <a:r>
+              <a:rPr lang="en-US" sz="2000" b="0" dirty="0"/>
+              <a:t>&lt;button </a:t>
+            </a:r>
+            <a:r>
+              <a:rPr lang="en-US" sz="2000" dirty="0"/>
+              <a:t>onclick="deleteAllUsers()"</a:t>
+            </a:r>
+            <a:r>
+              <a:rPr lang="en-US" sz="2000" b="0" dirty="0"/>
+              <a:t>&gt;</a:t>
+            </a:r>
+            <a:r>
+              <a:rPr lang="ru-RU" sz="2000" b="0" dirty="0"/>
+              <a:t>Удалить всех пользователей&lt;/</a:t>
+            </a:r>
+            <a:r>
+              <a:rPr lang="en-US" sz="2000" b="0" dirty="0"/>
+              <a:t>button&gt;</a:t>
+            </a:r>
+          </a:p>
+          <a:p>
+            <a:pPr marL="0" indent="0">
+              <a:buNone/>
+            </a:pPr>
+            <a:endParaRPr lang="ru-RU" sz="2000" b="0" dirty="0"/>
+          </a:p>
+          <a:p>
+            <a:r>
+              <a:rPr lang="ru-RU" b="0" dirty="0"/>
+              <a:t>В </a:t>
+            </a:r>
+            <a:r>
+              <a:rPr lang="en-US" b="0" dirty="0"/>
+              <a:t>React </a:t>
+            </a:r>
+            <a:r>
+              <a:rPr lang="ru-RU" b="0" dirty="0"/>
+              <a:t>события называются в верблюжьей нотации и указывается лишь название функции</a:t>
+            </a:r>
+          </a:p>
+          <a:p>
+            <a:pPr marL="0" indent="0">
+              <a:buNone/>
+            </a:pPr>
+            <a:r>
+              <a:rPr lang="ru-RU" sz="2000" b="0" dirty="0"/>
+              <a:t>Например: </a:t>
+            </a:r>
+          </a:p>
+          <a:p>
+            <a:pPr marL="0" indent="0">
+              <a:buNone/>
+            </a:pPr>
+            <a:r>
+              <a:rPr lang="en-US" sz="2000" b="0" dirty="0"/>
+              <a:t>&lt;button </a:t>
+            </a:r>
+            <a:r>
+              <a:rPr lang="en-US" sz="2000" dirty="0"/>
+              <a:t>onClick={deleteAllUsers}</a:t>
+            </a:r>
+            <a:r>
+              <a:rPr lang="en-US" sz="2000" b="0" dirty="0"/>
+              <a:t>&gt;</a:t>
+            </a:r>
+            <a:r>
+              <a:rPr lang="ru-RU" sz="2000" b="0" dirty="0"/>
+              <a:t>Удалить всех пользователей&lt;/</a:t>
+            </a:r>
+            <a:r>
+              <a:rPr lang="en-US" sz="2000" b="0" dirty="0"/>
+              <a:t>button&gt;</a:t>
+            </a:r>
+            <a:endParaRPr lang="ru-RU" sz="2000" b="0" dirty="0"/>
+          </a:p>
+          <a:p>
+            <a:pPr marL="0" indent="0">
+              <a:buNone/>
+            </a:pPr>
+            <a:endParaRPr lang="ru-RU" sz="2000" b="0" dirty="0"/>
+          </a:p>
+        </p:txBody>
+      </p:sp>
+    </p:spTree>
+    <p:extLst>
+      <p:ext uri="{BB962C8B-B14F-4D97-AF65-F5344CB8AC3E}">
+        <p14:creationId xmlns:p14="http://schemas.microsoft.com/office/powerpoint/2010/main" val="2460498850"/>
+      </p:ext>
+    </p:extLst>
+  </p:cSld>
+  <p:clrMapOvr>
+    <a:masterClrMapping/>
+  </p:clrMapOvr>
+</p:sld>
+</file>
+
+<file path=ppt/slides/slide21.xml><?xml version="1.0" encoding="utf-8"?>
+<p:sld xmlns:a="http://schemas.openxmlformats.org/drawingml/2006/main" xmlns:r="http://schemas.openxmlformats.org/officeDocument/2006/relationships" xmlns:p="http://schemas.openxmlformats.org/presentationml/2006/main">
+  <p:cSld>
+    <p:spTree>
+      <p:nvGrpSpPr>
+        <p:cNvPr id="1" name=""/>
+        <p:cNvGrpSpPr/>
+        <p:nvPr/>
+      </p:nvGrpSpPr>
+      <p:grpSpPr>
+        <a:xfrm>
+          <a:off x="0" y="0"/>
+          <a:ext cx="0" cy="0"/>
+          <a:chOff x="0" y="0"/>
+          <a:chExt cx="0" cy="0"/>
+        </a:xfrm>
+      </p:grpSpPr>
+      <p:sp>
+        <p:nvSpPr>
+          <p:cNvPr id="2" name="Заголовок 1">
+            <a:extLst>
+              <a:ext uri="{FF2B5EF4-FFF2-40B4-BE49-F238E27FC236}">
+                <a16:creationId xmlns:a16="http://schemas.microsoft.com/office/drawing/2014/main" id="{C562C80D-680B-4FE5-BD8E-ACCFFDC18206}"/>
+              </a:ext>
+            </a:extLst>
+          </p:cNvPr>
+          <p:cNvSpPr>
+            <a:spLocks noGrp="1"/>
+          </p:cNvSpPr>
+          <p:nvPr>
+            <p:ph type="title"/>
+          </p:nvPr>
+        </p:nvSpPr>
+        <p:spPr/>
+        <p:txBody>
+          <a:bodyPr/>
+          <a:lstStyle/>
+          <a:p>
+            <a:r>
+              <a:rPr lang="ru-RU" dirty="0"/>
+              <a:t>Обработка события функции</a:t>
+            </a:r>
+          </a:p>
+        </p:txBody>
+      </p:sp>
+      <p:sp>
+        <p:nvSpPr>
+          <p:cNvPr id="3" name="Текст 2">
+            <a:extLst>
+              <a:ext uri="{FF2B5EF4-FFF2-40B4-BE49-F238E27FC236}">
+                <a16:creationId xmlns:a16="http://schemas.microsoft.com/office/drawing/2014/main" id="{8036EA0E-3667-469D-8FD8-0D895DBA5AE7}"/>
+              </a:ext>
+            </a:extLst>
+          </p:cNvPr>
+          <p:cNvSpPr>
+            <a:spLocks noGrp="1"/>
+          </p:cNvSpPr>
+          <p:nvPr>
+            <p:ph type="body" idx="1"/>
+          </p:nvPr>
+        </p:nvSpPr>
+        <p:spPr>
+          <a:xfrm>
+            <a:off x="515389" y="1690689"/>
+            <a:ext cx="10515600" cy="4802186"/>
+          </a:xfrm>
+        </p:spPr>
+        <p:txBody>
+          <a:bodyPr>
+            <a:normAutofit/>
+          </a:bodyPr>
+          <a:lstStyle/>
+          <a:p>
+            <a:r>
+              <a:rPr lang="ru-RU" b="0" dirty="0"/>
+              <a:t>Достаточно функции</a:t>
+            </a:r>
+          </a:p>
+          <a:p>
+            <a:pPr marL="0" indent="0">
+              <a:buNone/>
+            </a:pPr>
+            <a:r>
+              <a:rPr lang="en-US" sz="2000" b="0" dirty="0"/>
+              <a:t>function Component(user) {</a:t>
+            </a:r>
+          </a:p>
+          <a:p>
+            <a:pPr marL="0" indent="0">
+              <a:buNone/>
+            </a:pPr>
+            <a:r>
+              <a:rPr lang="en-US" sz="2000" b="0" dirty="0"/>
+              <a:t>    </a:t>
+            </a:r>
+            <a:r>
+              <a:rPr lang="en-US" sz="2000" dirty="0"/>
+              <a:t>function userName() { console.log(user</a:t>
+            </a:r>
+            <a:r>
+              <a:rPr lang="ru-RU" sz="2000" dirty="0"/>
+              <a:t>);</a:t>
+            </a:r>
+            <a:r>
+              <a:rPr lang="en-US" sz="2000" dirty="0"/>
+              <a:t> </a:t>
+            </a:r>
+            <a:r>
+              <a:rPr lang="ru-RU" sz="2000" dirty="0"/>
+              <a:t>}</a:t>
+            </a:r>
+          </a:p>
+          <a:p>
+            <a:pPr marL="0" indent="0">
+              <a:buNone/>
+            </a:pPr>
+            <a:r>
+              <a:rPr lang="en-US" sz="2000" b="0" dirty="0"/>
+              <a:t>    return (&lt;button </a:t>
+            </a:r>
+            <a:r>
+              <a:rPr lang="en-US" sz="2000" dirty="0"/>
+              <a:t>onClick={userName}</a:t>
+            </a:r>
+            <a:r>
+              <a:rPr lang="en-US" sz="2000" b="0" dirty="0"/>
+              <a:t>&gt;</a:t>
+            </a:r>
+            <a:r>
+              <a:rPr lang="ru-RU" sz="2000" b="0" dirty="0"/>
+              <a:t>Пользователь&lt;/</a:t>
+            </a:r>
+            <a:r>
+              <a:rPr lang="en-US" sz="2000" b="0" dirty="0"/>
+              <a:t>button&gt;);</a:t>
+            </a:r>
+          </a:p>
+          <a:p>
+            <a:pPr marL="0" indent="0">
+              <a:buNone/>
+            </a:pPr>
+            <a:r>
+              <a:rPr lang="en-US" sz="2000" b="0" dirty="0"/>
+              <a:t>}</a:t>
+            </a:r>
+            <a:endParaRPr lang="ru-RU" b="0" dirty="0"/>
+          </a:p>
+          <a:p>
+            <a:r>
+              <a:rPr lang="ru-RU" b="0" dirty="0"/>
+              <a:t>Если требуется передать ещё параметр, то</a:t>
+            </a:r>
+          </a:p>
+          <a:p>
+            <a:r>
+              <a:rPr lang="ru-RU" sz="2400" b="0" dirty="0"/>
+              <a:t>Можно использовать биндинг</a:t>
+            </a:r>
+          </a:p>
+          <a:p>
+            <a:pPr marL="0" indent="0">
+              <a:buNone/>
+            </a:pPr>
+            <a:r>
+              <a:rPr lang="en-US" sz="2000" b="0" dirty="0"/>
+              <a:t>&lt;button onClick=</a:t>
+            </a:r>
+            <a:r>
+              <a:rPr lang="en-US" sz="2000" dirty="0"/>
+              <a:t>{</a:t>
+            </a:r>
+            <a:r>
+              <a:rPr lang="en-US" sz="2000" dirty="0" err="1"/>
+              <a:t>this.userName.bind</a:t>
+            </a:r>
+            <a:r>
+              <a:rPr lang="en-US" sz="2000" dirty="0"/>
+              <a:t>(this, id)}</a:t>
+            </a:r>
+            <a:r>
+              <a:rPr lang="en-US" sz="2000" b="0" dirty="0"/>
+              <a:t>&gt;</a:t>
+            </a:r>
+            <a:r>
+              <a:rPr lang="ru-RU" sz="2000" b="0" dirty="0"/>
+              <a:t>Пользователь</a:t>
+            </a:r>
+            <a:r>
+              <a:rPr lang="en-US" sz="2000" b="0" dirty="0"/>
+              <a:t>&lt;/button&gt;</a:t>
+            </a:r>
+            <a:endParaRPr lang="ru-RU" sz="2000" b="0" dirty="0"/>
+          </a:p>
+          <a:p>
+            <a:r>
+              <a:rPr lang="ru-RU" sz="2400" b="0" dirty="0"/>
+              <a:t>Или можно использовать стрелочную функцию</a:t>
+            </a:r>
+          </a:p>
+          <a:p>
+            <a:pPr marL="0" indent="0">
+              <a:buNone/>
+            </a:pPr>
+            <a:r>
+              <a:rPr lang="en-US" sz="2000" b="0" dirty="0"/>
+              <a:t>&lt;button onClick=</a:t>
+            </a:r>
+            <a:r>
+              <a:rPr lang="en-US" sz="2000" dirty="0"/>
+              <a:t>{(e) =&gt; this.userName(id, e)}</a:t>
+            </a:r>
+            <a:r>
+              <a:rPr lang="en-US" sz="2000" b="0" dirty="0"/>
+              <a:t>&gt;</a:t>
+            </a:r>
+            <a:r>
+              <a:rPr lang="ru-RU" sz="2000" b="0" dirty="0"/>
+              <a:t>Пользователь</a:t>
+            </a:r>
+            <a:r>
+              <a:rPr lang="en-US" sz="2000" b="0" dirty="0"/>
+              <a:t>&lt;/button&gt;</a:t>
+            </a:r>
+          </a:p>
+        </p:txBody>
+      </p:sp>
+    </p:spTree>
+    <p:extLst>
+      <p:ext uri="{BB962C8B-B14F-4D97-AF65-F5344CB8AC3E}">
+        <p14:creationId xmlns:p14="http://schemas.microsoft.com/office/powerpoint/2010/main" val="493640783"/>
+      </p:ext>
+    </p:extLst>
+  </p:cSld>
+  <p:clrMapOvr>
+    <a:masterClrMapping/>
+  </p:clrMapOvr>
+</p:sld>
+</file>
+
+<file path=ppt/slides/slide22.xml><?xml version="1.0" encoding="utf-8"?>
+<p:sld xmlns:a="http://schemas.openxmlformats.org/drawingml/2006/main" xmlns:r="http://schemas.openxmlformats.org/officeDocument/2006/relationships" xmlns:p="http://schemas.openxmlformats.org/presentationml/2006/main">
+  <p:cSld>
+    <p:spTree>
+      <p:nvGrpSpPr>
+        <p:cNvPr id="1" name=""/>
+        <p:cNvGrpSpPr/>
+        <p:nvPr/>
+      </p:nvGrpSpPr>
+      <p:grpSpPr>
+        <a:xfrm>
+          <a:off x="0" y="0"/>
+          <a:ext cx="0" cy="0"/>
+          <a:chOff x="0" y="0"/>
+          <a:chExt cx="0" cy="0"/>
+        </a:xfrm>
+      </p:grpSpPr>
+      <p:sp>
+        <p:nvSpPr>
+          <p:cNvPr id="2" name="Заголовок 1">
+            <a:extLst>
+              <a:ext uri="{FF2B5EF4-FFF2-40B4-BE49-F238E27FC236}">
+                <a16:creationId xmlns:a16="http://schemas.microsoft.com/office/drawing/2014/main" id="{C562C80D-680B-4FE5-BD8E-ACCFFDC18206}"/>
+              </a:ext>
+            </a:extLst>
+          </p:cNvPr>
+          <p:cNvSpPr>
+            <a:spLocks noGrp="1"/>
+          </p:cNvSpPr>
+          <p:nvPr>
+            <p:ph type="title"/>
+          </p:nvPr>
+        </p:nvSpPr>
+        <p:spPr/>
+        <p:txBody>
+          <a:bodyPr/>
+          <a:lstStyle/>
+          <a:p>
+            <a:r>
+              <a:rPr lang="ru-RU" dirty="0"/>
+              <a:t>Обработка события класса</a:t>
+            </a:r>
+          </a:p>
+        </p:txBody>
+      </p:sp>
+      <p:sp>
+        <p:nvSpPr>
+          <p:cNvPr id="3" name="Текст 2">
+            <a:extLst>
+              <a:ext uri="{FF2B5EF4-FFF2-40B4-BE49-F238E27FC236}">
+                <a16:creationId xmlns:a16="http://schemas.microsoft.com/office/drawing/2014/main" id="{8036EA0E-3667-469D-8FD8-0D895DBA5AE7}"/>
+              </a:ext>
+            </a:extLst>
+          </p:cNvPr>
+          <p:cNvSpPr>
+            <a:spLocks noGrp="1"/>
+          </p:cNvSpPr>
+          <p:nvPr>
+            <p:ph type="body" idx="1"/>
+          </p:nvPr>
+        </p:nvSpPr>
+        <p:spPr>
+          <a:xfrm>
+            <a:off x="515389" y="1690689"/>
+            <a:ext cx="10515600" cy="4802186"/>
+          </a:xfrm>
+        </p:spPr>
+        <p:txBody>
+          <a:bodyPr>
+            <a:normAutofit/>
+          </a:bodyPr>
+          <a:lstStyle/>
+          <a:p>
+            <a:r>
+              <a:rPr lang="ru-RU" sz="2800" b="0" dirty="0"/>
+              <a:t>Для работы с </a:t>
+            </a:r>
+            <a:r>
+              <a:rPr lang="en-US" sz="2800" b="0" dirty="0"/>
+              <a:t>this</a:t>
+            </a:r>
+            <a:r>
+              <a:rPr lang="ru-RU" sz="2800" b="0" dirty="0"/>
+              <a:t> в конструкторе класса нужен биндинг</a:t>
+            </a:r>
+          </a:p>
+          <a:p>
+            <a:pPr marL="0" indent="0">
+              <a:buNone/>
+            </a:pPr>
+            <a:r>
+              <a:rPr lang="en-US" sz="2000" b="0" dirty="0"/>
+              <a:t>class Component extends React.Component {</a:t>
+            </a:r>
+          </a:p>
+          <a:p>
+            <a:pPr marL="0" indent="0">
+              <a:buNone/>
+            </a:pPr>
+            <a:r>
+              <a:rPr lang="en-US" sz="2000" b="0" dirty="0"/>
+              <a:t>    constructor(props){ super(props); </a:t>
+            </a:r>
+            <a:r>
+              <a:rPr lang="en-US" sz="2000" dirty="0"/>
+              <a:t>this.userName = </a:t>
+            </a:r>
+            <a:r>
+              <a:rPr lang="en-US" sz="2000" dirty="0" err="1"/>
+              <a:t>this.userName.bind</a:t>
+            </a:r>
+            <a:r>
+              <a:rPr lang="en-US" sz="2000" dirty="0"/>
+              <a:t>(this); </a:t>
+            </a:r>
+            <a:r>
+              <a:rPr lang="en-US" sz="2000" b="0" dirty="0"/>
+              <a:t>}</a:t>
+            </a:r>
+          </a:p>
+          <a:p>
+            <a:pPr marL="0" indent="0">
+              <a:buNone/>
+            </a:pPr>
+            <a:r>
+              <a:rPr lang="en-US" sz="2000" b="0" dirty="0"/>
+              <a:t>    </a:t>
+            </a:r>
+            <a:r>
+              <a:rPr lang="en-US" sz="2000" dirty="0"/>
+              <a:t>function userName() { console.log(this.props.user</a:t>
+            </a:r>
+            <a:r>
+              <a:rPr lang="ru-RU" sz="2000" dirty="0"/>
+              <a:t>);</a:t>
+            </a:r>
+            <a:r>
+              <a:rPr lang="en-US" sz="2000" dirty="0"/>
+              <a:t> </a:t>
+            </a:r>
+            <a:r>
+              <a:rPr lang="ru-RU" sz="2000" dirty="0"/>
+              <a:t>}</a:t>
+            </a:r>
+          </a:p>
+          <a:p>
+            <a:pPr marL="0" indent="0">
+              <a:buNone/>
+            </a:pPr>
+            <a:r>
+              <a:rPr lang="en-US" sz="2000" b="0" dirty="0"/>
+              <a:t>    render() {return (&lt;button </a:t>
+            </a:r>
+            <a:r>
+              <a:rPr lang="en-US" sz="2000" dirty="0"/>
+              <a:t>onClick={this.userName}</a:t>
+            </a:r>
+            <a:r>
+              <a:rPr lang="en-US" sz="2000" b="0" dirty="0"/>
+              <a:t>&gt;</a:t>
+            </a:r>
+            <a:r>
+              <a:rPr lang="ru-RU" sz="2000" b="0" dirty="0"/>
+              <a:t>Пользователь&lt;/</a:t>
+            </a:r>
+            <a:r>
+              <a:rPr lang="en-US" sz="2000" b="0" dirty="0"/>
+              <a:t>button&gt;);}</a:t>
+            </a:r>
+          </a:p>
+          <a:p>
+            <a:pPr marL="0" indent="0">
+              <a:buNone/>
+            </a:pPr>
+            <a:r>
+              <a:rPr lang="en-US" sz="2000" b="0" dirty="0"/>
+              <a:t>}</a:t>
+            </a:r>
+            <a:endParaRPr lang="ru-RU" sz="2000" b="0" dirty="0"/>
+          </a:p>
+          <a:p>
+            <a:r>
+              <a:rPr lang="ru-RU" sz="2800" b="0" dirty="0"/>
+              <a:t>Либо можно использовать стрелочные функции</a:t>
+            </a:r>
+          </a:p>
+          <a:p>
+            <a:pPr marL="0" indent="0">
+              <a:buNone/>
+            </a:pPr>
+            <a:r>
+              <a:rPr lang="en-US" sz="2000" b="0" dirty="0"/>
+              <a:t>class Component extends React.Component {</a:t>
+            </a:r>
+          </a:p>
+          <a:p>
+            <a:pPr marL="0" indent="0">
+              <a:buNone/>
+            </a:pPr>
+            <a:r>
+              <a:rPr lang="ru-RU" sz="2000" dirty="0"/>
+              <a:t>    </a:t>
+            </a:r>
+            <a:r>
+              <a:rPr lang="en-US" sz="2000" dirty="0"/>
+              <a:t>userName</a:t>
+            </a:r>
+            <a:r>
+              <a:rPr lang="ru-RU" sz="2000" dirty="0"/>
+              <a:t> </a:t>
+            </a:r>
+            <a:r>
+              <a:rPr lang="en-US" sz="2000" dirty="0"/>
+              <a:t>= () </a:t>
+            </a:r>
+            <a:r>
+              <a:rPr lang="ru-RU" sz="2000" dirty="0"/>
+              <a:t>=</a:t>
+            </a:r>
+            <a:r>
+              <a:rPr lang="en-US" sz="2000" dirty="0"/>
+              <a:t>&gt;  { console.log(this.props.user</a:t>
+            </a:r>
+            <a:r>
+              <a:rPr lang="ru-RU" sz="2000" dirty="0"/>
+              <a:t>);</a:t>
+            </a:r>
+            <a:r>
+              <a:rPr lang="en-US" sz="2000" dirty="0"/>
+              <a:t> </a:t>
+            </a:r>
+            <a:r>
+              <a:rPr lang="ru-RU" sz="2000" dirty="0"/>
+              <a:t>}</a:t>
+            </a:r>
+          </a:p>
+          <a:p>
+            <a:pPr marL="0" indent="0">
+              <a:buNone/>
+            </a:pPr>
+            <a:r>
+              <a:rPr lang="en-US" sz="2000" b="0" dirty="0"/>
+              <a:t>    render() {return (&lt;button </a:t>
+            </a:r>
+            <a:r>
+              <a:rPr lang="en-US" sz="2000" dirty="0"/>
+              <a:t>onClick={this.userName}</a:t>
+            </a:r>
+            <a:r>
+              <a:rPr lang="en-US" sz="2000" b="0" dirty="0"/>
+              <a:t>&gt;</a:t>
+            </a:r>
+            <a:r>
+              <a:rPr lang="ru-RU" sz="2000" b="0" dirty="0"/>
+              <a:t>Пользователь&lt;/</a:t>
+            </a:r>
+            <a:r>
+              <a:rPr lang="en-US" sz="2000" b="0" dirty="0"/>
+              <a:t>button&gt;);}</a:t>
+            </a:r>
+          </a:p>
+          <a:p>
+            <a:pPr marL="0" indent="0">
+              <a:buNone/>
+            </a:pPr>
+            <a:r>
+              <a:rPr lang="en-US" sz="2000" b="0" dirty="0"/>
+              <a:t>}</a:t>
+            </a:r>
+            <a:endParaRPr lang="ru-RU" sz="2000" b="0" dirty="0"/>
+          </a:p>
+        </p:txBody>
+      </p:sp>
+    </p:spTree>
+    <p:extLst>
+      <p:ext uri="{BB962C8B-B14F-4D97-AF65-F5344CB8AC3E}">
+        <p14:creationId xmlns:p14="http://schemas.microsoft.com/office/powerpoint/2010/main" val="1970151834"/>
+      </p:ext>
+    </p:extLst>
+  </p:cSld>
+  <p:clrMapOvr>
+    <a:masterClrMapping/>
+  </p:clrMapOvr>
+</p:sld>
+</file>
+
+<file path=ppt/slides/slide23.xml><?xml version="1.0" encoding="utf-8"?>
+<p:sld xmlns:a="http://schemas.openxmlformats.org/drawingml/2006/main" xmlns:r="http://schemas.openxmlformats.org/officeDocument/2006/relationships" xmlns:p="http://schemas.openxmlformats.org/presentationml/2006/main">
+  <p:cSld>
+    <p:spTree>
+      <p:nvGrpSpPr>
+        <p:cNvPr id="1" name=""/>
+        <p:cNvGrpSpPr/>
+        <p:nvPr/>
+      </p:nvGrpSpPr>
+      <p:grpSpPr>
+        <a:xfrm>
+          <a:off x="0" y="0"/>
+          <a:ext cx="0" cy="0"/>
+          <a:chOff x="0" y="0"/>
+          <a:chExt cx="0" cy="0"/>
+        </a:xfrm>
+      </p:grpSpPr>
+      <p:sp>
+        <p:nvSpPr>
+          <p:cNvPr id="2" name="Заголовок 1">
+            <a:extLst>
+              <a:ext uri="{FF2B5EF4-FFF2-40B4-BE49-F238E27FC236}">
+                <a16:creationId xmlns:a16="http://schemas.microsoft.com/office/drawing/2014/main" id="{5B8F8C6A-5519-41F5-9274-24584DCDF866}"/>
+              </a:ext>
+            </a:extLst>
+          </p:cNvPr>
+          <p:cNvSpPr>
+            <a:spLocks noGrp="1"/>
+          </p:cNvSpPr>
+          <p:nvPr>
+            <p:ph type="title"/>
+          </p:nvPr>
+        </p:nvSpPr>
+        <p:spPr/>
+        <p:txBody>
+          <a:bodyPr/>
+          <a:lstStyle/>
+          <a:p>
+            <a:r>
+              <a:rPr lang="ru-RU" dirty="0"/>
+              <a:t>Отключение в обработчике поведения по умолчанию</a:t>
+            </a:r>
+          </a:p>
+        </p:txBody>
+      </p:sp>
+      <p:sp>
+        <p:nvSpPr>
+          <p:cNvPr id="3" name="Текст 2">
+            <a:extLst>
+              <a:ext uri="{FF2B5EF4-FFF2-40B4-BE49-F238E27FC236}">
+                <a16:creationId xmlns:a16="http://schemas.microsoft.com/office/drawing/2014/main" id="{E332F505-3FB1-4595-992E-3B74BE90D066}"/>
+              </a:ext>
+            </a:extLst>
+          </p:cNvPr>
+          <p:cNvSpPr>
+            <a:spLocks noGrp="1"/>
+          </p:cNvSpPr>
+          <p:nvPr>
+            <p:ph type="body" idx="1"/>
+          </p:nvPr>
+        </p:nvSpPr>
+        <p:spPr>
+          <a:xfrm>
+            <a:off x="515389" y="1690689"/>
+            <a:ext cx="10515600" cy="4802186"/>
+          </a:xfrm>
+        </p:spPr>
+        <p:txBody>
+          <a:bodyPr>
+            <a:normAutofit/>
+          </a:bodyPr>
+          <a:lstStyle/>
+          <a:p>
+            <a:r>
+              <a:rPr lang="ru-RU" b="0" dirty="0"/>
+              <a:t>В обработчике вызвать функцию </a:t>
+            </a:r>
+            <a:r>
+              <a:rPr lang="en-US" b="0" dirty="0"/>
+              <a:t>e.preventDefault</a:t>
+            </a:r>
+            <a:r>
+              <a:rPr lang="ru-RU" b="0" dirty="0"/>
+              <a:t>()</a:t>
+            </a:r>
+          </a:p>
+          <a:p>
+            <a:pPr marL="0" indent="0">
+              <a:buNone/>
+            </a:pPr>
+            <a:r>
+              <a:rPr lang="ru-RU" sz="2400" b="0" dirty="0"/>
+              <a:t>Например, чтобы ссылка работала как кнопка без перехода на страницу</a:t>
+            </a:r>
+            <a:endParaRPr lang="en-US" sz="2000" b="0" dirty="0"/>
+          </a:p>
+          <a:p>
+            <a:pPr marL="0" indent="0">
+              <a:buNone/>
+            </a:pPr>
+            <a:r>
+              <a:rPr lang="en-US" sz="2000" b="0" dirty="0"/>
+              <a:t>function DeleteUserLink() {</a:t>
+            </a:r>
+          </a:p>
+          <a:p>
+            <a:pPr marL="0" indent="0">
+              <a:buNone/>
+            </a:pPr>
+            <a:r>
+              <a:rPr lang="en-US" sz="2000" b="0" dirty="0"/>
+              <a:t>    function onClick(</a:t>
+            </a:r>
+            <a:r>
+              <a:rPr lang="en-US" sz="2000" dirty="0"/>
+              <a:t>e</a:t>
+            </a:r>
+            <a:r>
+              <a:rPr lang="en-US" sz="2000" b="0" dirty="0"/>
+              <a:t>) {</a:t>
+            </a:r>
+          </a:p>
+          <a:p>
+            <a:pPr marL="0" indent="0">
+              <a:buNone/>
+            </a:pPr>
+            <a:r>
+              <a:rPr lang="en-US" sz="2000" b="0" dirty="0"/>
+              <a:t>        </a:t>
+            </a:r>
+            <a:r>
+              <a:rPr lang="en-US" sz="2000" dirty="0"/>
+              <a:t>e.preventDefault();</a:t>
+            </a:r>
+          </a:p>
+          <a:p>
+            <a:pPr marL="0" indent="0">
+              <a:buNone/>
+            </a:pPr>
+            <a:r>
+              <a:rPr lang="en-US" sz="2000" b="0" dirty="0"/>
+              <a:t>        console.log('</a:t>
+            </a:r>
+            <a:r>
+              <a:rPr lang="ru-RU" sz="2000" b="0" dirty="0"/>
+              <a:t>Пользователь был удален.’);</a:t>
+            </a:r>
+          </a:p>
+          <a:p>
+            <a:pPr marL="0" indent="0">
+              <a:buNone/>
+            </a:pPr>
+            <a:r>
+              <a:rPr lang="en-US" sz="2000" b="0" dirty="0"/>
+              <a:t>    </a:t>
+            </a:r>
+            <a:r>
+              <a:rPr lang="ru-RU" sz="2000" b="0" dirty="0"/>
+              <a:t>}</a:t>
+            </a:r>
+          </a:p>
+          <a:p>
+            <a:pPr marL="0" indent="0">
+              <a:buNone/>
+            </a:pPr>
+            <a:r>
+              <a:rPr lang="en-US" sz="2000" b="0" dirty="0"/>
+              <a:t>    return (</a:t>
+            </a:r>
+          </a:p>
+          <a:p>
+            <a:pPr marL="0" indent="0">
+              <a:buNone/>
+            </a:pPr>
+            <a:r>
+              <a:rPr lang="en-US" sz="2000" b="0" dirty="0"/>
+              <a:t>        &lt;a href="#" onClick={onClick}&gt;</a:t>
+            </a:r>
+            <a:r>
+              <a:rPr lang="ru-RU" sz="2000" b="0" dirty="0"/>
+              <a:t>Удалить пользователя&lt;/</a:t>
+            </a:r>
+            <a:r>
+              <a:rPr lang="en-US" sz="2000" b="0" dirty="0"/>
+              <a:t>a&gt;</a:t>
+            </a:r>
+          </a:p>
+          <a:p>
+            <a:pPr marL="0" indent="0">
+              <a:buNone/>
+            </a:pPr>
+            <a:r>
+              <a:rPr lang="en-US" sz="2000" b="0" dirty="0"/>
+              <a:t>    );</a:t>
+            </a:r>
+          </a:p>
+          <a:p>
+            <a:pPr marL="0" indent="0">
+              <a:buNone/>
+            </a:pPr>
+            <a:r>
+              <a:rPr lang="en-US" sz="2000" b="0" dirty="0"/>
+              <a:t>}</a:t>
+            </a:r>
+            <a:endParaRPr lang="ru-RU" b="0" dirty="0"/>
+          </a:p>
+        </p:txBody>
+      </p:sp>
+    </p:spTree>
+    <p:extLst>
+      <p:ext uri="{BB962C8B-B14F-4D97-AF65-F5344CB8AC3E}">
+        <p14:creationId xmlns:p14="http://schemas.microsoft.com/office/powerpoint/2010/main" val="1968057457"/>
+      </p:ext>
+    </p:extLst>
+  </p:cSld>
+  <p:clrMapOvr>
+    <a:masterClrMapping/>
+  </p:clrMapOvr>
+</p:sld>
+</file>
+
+<file path=ppt/slides/slide24.xml><?xml version="1.0" encoding="utf-8"?>
+<p:sld xmlns:a="http://schemas.openxmlformats.org/drawingml/2006/main" xmlns:r="http://schemas.openxmlformats.org/officeDocument/2006/relationships" xmlns:p="http://schemas.openxmlformats.org/presentationml/2006/main">
+  <p:cSld>
+    <p:spTree>
+      <p:nvGrpSpPr>
+        <p:cNvPr id="1" name=""/>
+        <p:cNvGrpSpPr/>
+        <p:nvPr/>
+      </p:nvGrpSpPr>
+      <p:grpSpPr>
+        <a:xfrm>
+          <a:off x="0" y="0"/>
+          <a:ext cx="0" cy="0"/>
+          <a:chOff x="0" y="0"/>
+          <a:chExt cx="0" cy="0"/>
+        </a:xfrm>
+      </p:grpSpPr>
+      <p:sp>
+        <p:nvSpPr>
+          <p:cNvPr id="2" name="Заголовок 1">
+            <a:extLst>
+              <a:ext uri="{FF2B5EF4-FFF2-40B4-BE49-F238E27FC236}">
+                <a16:creationId xmlns:a16="http://schemas.microsoft.com/office/drawing/2014/main" id="{8E95C72A-CAA0-4E27-84C9-EE710EE1C8FF}"/>
+              </a:ext>
+            </a:extLst>
+          </p:cNvPr>
+          <p:cNvSpPr>
+            <a:spLocks noGrp="1"/>
+          </p:cNvSpPr>
+          <p:nvPr>
+            <p:ph type="title"/>
+          </p:nvPr>
+        </p:nvSpPr>
+        <p:spPr/>
+        <p:txBody>
+          <a:bodyPr/>
+          <a:lstStyle/>
+          <a:p>
+            <a:r>
+              <a:rPr lang="ru-RU" dirty="0"/>
+              <a:t>Методы жизненного цикла</a:t>
+            </a:r>
+          </a:p>
+        </p:txBody>
+      </p:sp>
+      <p:sp>
+        <p:nvSpPr>
+          <p:cNvPr id="3" name="Текст 2">
+            <a:extLst>
+              <a:ext uri="{FF2B5EF4-FFF2-40B4-BE49-F238E27FC236}">
+                <a16:creationId xmlns:a16="http://schemas.microsoft.com/office/drawing/2014/main" id="{22DD67D8-F984-45A6-8208-83735ED4EACF}"/>
+              </a:ext>
+            </a:extLst>
+          </p:cNvPr>
+          <p:cNvSpPr>
+            <a:spLocks noGrp="1"/>
+          </p:cNvSpPr>
+          <p:nvPr>
+            <p:ph type="body" idx="1"/>
+          </p:nvPr>
+        </p:nvSpPr>
+        <p:spPr>
+          <a:xfrm>
+            <a:off x="515389" y="1690689"/>
+            <a:ext cx="10515600" cy="4802186"/>
+          </a:xfrm>
+        </p:spPr>
+        <p:txBody>
+          <a:bodyPr>
+            <a:normAutofit/>
+          </a:bodyPr>
+          <a:lstStyle/>
+          <a:p>
+            <a:r>
+              <a:rPr lang="ru-RU" sz="2400" dirty="0"/>
+              <a:t>До монтирования </a:t>
+            </a:r>
+            <a:r>
+              <a:rPr lang="ru-RU" sz="2400" b="0" dirty="0"/>
+              <a:t>вызывается конструктор </a:t>
+            </a:r>
+            <a:r>
+              <a:rPr lang="en-US" sz="2400" dirty="0"/>
+              <a:t>constructor()</a:t>
+            </a:r>
+            <a:endParaRPr lang="ru-RU" sz="2400" dirty="0"/>
+          </a:p>
+          <a:p>
+            <a:r>
+              <a:rPr lang="ru-RU" sz="2400" b="0" dirty="0"/>
+              <a:t>Когда компонент будет впервые отрисован в DOM – это называется </a:t>
+            </a:r>
+            <a:r>
+              <a:rPr lang="ru-RU" sz="2400" dirty="0"/>
+              <a:t>монтированием/монтажом </a:t>
+            </a:r>
+            <a:r>
+              <a:rPr lang="ru-RU" sz="2400" b="0" dirty="0"/>
+              <a:t>компонента. Перед монтированием вызывается метод </a:t>
+            </a:r>
+            <a:r>
+              <a:rPr lang="en-US" sz="2400" dirty="0"/>
+              <a:t>componentWillMount()</a:t>
+            </a:r>
+            <a:endParaRPr lang="ru-RU" sz="2400" dirty="0"/>
+          </a:p>
+          <a:p>
+            <a:r>
+              <a:rPr lang="ru-RU" sz="2400" b="0" dirty="0"/>
+              <a:t>Когда компонент смонтирован, то можно его показывать и производить </a:t>
+            </a:r>
+            <a:r>
+              <a:rPr lang="ru-RU" sz="2400" dirty="0"/>
+              <a:t>обновление/рендеринг/отрисовка</a:t>
+            </a:r>
+            <a:r>
+              <a:rPr lang="ru-RU" sz="2400" b="0" dirty="0"/>
+              <a:t> компонента. При этом вызывается метод </a:t>
+            </a:r>
+            <a:r>
+              <a:rPr lang="en-US" sz="2400" dirty="0"/>
+              <a:t>render()</a:t>
+            </a:r>
+            <a:endParaRPr lang="ru-RU" sz="2400" dirty="0"/>
+          </a:p>
+          <a:p>
+            <a:r>
+              <a:rPr lang="en-US" sz="2400" b="0" dirty="0"/>
+              <a:t>C</a:t>
+            </a:r>
+            <a:r>
+              <a:rPr lang="ru-RU" sz="2400" b="0" dirty="0"/>
+              <a:t>разу </a:t>
+            </a:r>
+            <a:r>
+              <a:rPr lang="ru-RU" sz="2400" dirty="0"/>
+              <a:t>после монтирования </a:t>
+            </a:r>
+            <a:r>
+              <a:rPr lang="ru-RU" sz="2400" b="0" dirty="0"/>
+              <a:t>вызывается </a:t>
+            </a:r>
+            <a:r>
+              <a:rPr lang="en-US" sz="2400" dirty="0"/>
+              <a:t>componentDidMount</a:t>
+            </a:r>
+            <a:r>
+              <a:rPr lang="ru-RU" sz="2400" dirty="0"/>
+              <a:t>()</a:t>
+            </a:r>
+          </a:p>
+          <a:p>
+            <a:r>
+              <a:rPr lang="ru-RU" sz="2400" b="0" dirty="0"/>
+              <a:t>Обратная процедура, при которой DOM, созданный компонентом удаляется, называется </a:t>
+            </a:r>
+            <a:r>
+              <a:rPr lang="ru-RU" sz="2400" dirty="0"/>
+              <a:t>демонтированием/демонтажом</a:t>
+            </a:r>
+            <a:r>
+              <a:rPr lang="ru-RU" sz="2400" b="0" dirty="0"/>
+              <a:t>. При демонтаже вызывается метод </a:t>
+            </a:r>
+            <a:r>
+              <a:rPr lang="en-US" sz="2400" dirty="0"/>
+              <a:t>componentWillUnmount()</a:t>
+            </a:r>
+            <a:endParaRPr lang="ru-RU" sz="2400" dirty="0"/>
+          </a:p>
+          <a:p>
+            <a:pPr marL="0" indent="0">
+              <a:buNone/>
+            </a:pPr>
+            <a:r>
+              <a:rPr lang="ru-RU" sz="2000" b="0" dirty="0"/>
+              <a:t>Эти методы называются «</a:t>
+            </a:r>
+            <a:r>
+              <a:rPr lang="ru-RU" sz="2000" dirty="0"/>
+              <a:t>lifecycle hooks</a:t>
+            </a:r>
+            <a:r>
+              <a:rPr lang="ru-RU" sz="2000" b="0" dirty="0"/>
+              <a:t>» или </a:t>
+            </a:r>
+            <a:r>
+              <a:rPr lang="ru-RU" sz="2000" dirty="0"/>
+              <a:t>методами жизненного цикла</a:t>
+            </a:r>
+          </a:p>
+        </p:txBody>
+      </p:sp>
+    </p:spTree>
+    <p:extLst>
+      <p:ext uri="{BB962C8B-B14F-4D97-AF65-F5344CB8AC3E}">
+        <p14:creationId xmlns:p14="http://schemas.microsoft.com/office/powerpoint/2010/main" val="3521250390"/>
+      </p:ext>
+    </p:extLst>
+  </p:cSld>
+  <p:clrMapOvr>
+    <a:masterClrMapping/>
+  </p:clrMapOvr>
+</p:sld>
+</file>
+
+<file path=ppt/slides/slide25.xml><?xml version="1.0" encoding="utf-8"?>
+<p:sld xmlns:a="http://schemas.openxmlformats.org/drawingml/2006/main" xmlns:r="http://schemas.openxmlformats.org/officeDocument/2006/relationships" xmlns:p="http://schemas.openxmlformats.org/presentationml/2006/main">
+  <p:cSld>
+    <p:spTree>
+      <p:nvGrpSpPr>
+        <p:cNvPr id="1" name=""/>
+        <p:cNvGrpSpPr/>
+        <p:nvPr/>
+      </p:nvGrpSpPr>
+      <p:grpSpPr>
+        <a:xfrm>
+          <a:off x="0" y="0"/>
+          <a:ext cx="0" cy="0"/>
+          <a:chOff x="0" y="0"/>
+          <a:chExt cx="0" cy="0"/>
+        </a:xfrm>
+      </p:grpSpPr>
+      <p:sp>
+        <p:nvSpPr>
+          <p:cNvPr id="2" name="Объект 1">
+            <a:extLst>
+              <a:ext uri="{FF2B5EF4-FFF2-40B4-BE49-F238E27FC236}">
+                <a16:creationId xmlns:a16="http://schemas.microsoft.com/office/drawing/2014/main" id="{3611DAA6-1E9C-4082-A3D4-7C6057007F94}"/>
+              </a:ext>
+            </a:extLst>
+          </p:cNvPr>
+          <p:cNvSpPr>
+            <a:spLocks noGrp="1"/>
+          </p:cNvSpPr>
+          <p:nvPr>
+            <p:ph idx="4294967295"/>
+          </p:nvPr>
+        </p:nvSpPr>
+        <p:spPr/>
+        <p:txBody>
+          <a:bodyPr/>
+          <a:lstStyle/>
+          <a:p>
+            <a:endParaRPr lang="ru-RU"/>
+          </a:p>
+        </p:txBody>
+      </p:sp>
+      <p:sp>
+        <p:nvSpPr>
+          <p:cNvPr id="3" name="Заголовок 2">
+            <a:extLst>
+              <a:ext uri="{FF2B5EF4-FFF2-40B4-BE49-F238E27FC236}">
+                <a16:creationId xmlns:a16="http://schemas.microsoft.com/office/drawing/2014/main" id="{B73F32E3-36EB-4D71-A29C-F4305706ABAC}"/>
+              </a:ext>
+            </a:extLst>
+          </p:cNvPr>
+          <p:cNvSpPr>
+            <a:spLocks noGrp="1"/>
+          </p:cNvSpPr>
+          <p:nvPr>
+            <p:ph type="title"/>
+          </p:nvPr>
+        </p:nvSpPr>
+        <p:spPr/>
+        <p:txBody>
+          <a:bodyPr/>
+          <a:lstStyle/>
+          <a:p>
+            <a:r>
+              <a:rPr lang="ru-RU" dirty="0"/>
+              <a:t>Занятие 4. Состояния</a:t>
+            </a:r>
+          </a:p>
+        </p:txBody>
+      </p:sp>
+    </p:spTree>
+    <p:extLst>
+      <p:ext uri="{BB962C8B-B14F-4D97-AF65-F5344CB8AC3E}">
+        <p14:creationId xmlns:p14="http://schemas.microsoft.com/office/powerpoint/2010/main" val="3331605914"/>
+      </p:ext>
+    </p:extLst>
+  </p:cSld>
+  <p:clrMapOvr>
+    <a:masterClrMapping/>
+  </p:clrMapOvr>
+</p:sld>
+</file>
+
+<file path=ppt/slides/slide26.xml><?xml version="1.0" encoding="utf-8"?>
+<p:sld xmlns:a="http://schemas.openxmlformats.org/drawingml/2006/main" xmlns:r="http://schemas.openxmlformats.org/officeDocument/2006/relationships" xmlns:p="http://schemas.openxmlformats.org/presentationml/2006/main">
+  <p:cSld>
+    <p:spTree>
+      <p:nvGrpSpPr>
+        <p:cNvPr id="1" name=""/>
+        <p:cNvGrpSpPr/>
+        <p:nvPr/>
+      </p:nvGrpSpPr>
+      <p:grpSpPr>
+        <a:xfrm>
+          <a:off x="0" y="0"/>
+          <a:ext cx="0" cy="0"/>
+          <a:chOff x="0" y="0"/>
+          <a:chExt cx="0" cy="0"/>
+        </a:xfrm>
+      </p:grpSpPr>
+      <p:sp>
+        <p:nvSpPr>
+          <p:cNvPr id="4" name="Заголовок 3">
+            <a:extLst>
+              <a:ext uri="{FF2B5EF4-FFF2-40B4-BE49-F238E27FC236}">
+                <a16:creationId xmlns:a16="http://schemas.microsoft.com/office/drawing/2014/main" id="{30C4F9C7-6FAB-4FF3-AD6B-53AAED2CA051}"/>
+              </a:ext>
+            </a:extLst>
+          </p:cNvPr>
+          <p:cNvSpPr>
+            <a:spLocks noGrp="1"/>
+          </p:cNvSpPr>
+          <p:nvPr>
+            <p:ph type="title"/>
+          </p:nvPr>
+        </p:nvSpPr>
+        <p:spPr/>
+        <p:txBody>
+          <a:bodyPr/>
+          <a:lstStyle/>
+          <a:p>
+            <a:r>
+              <a:rPr lang="ru-RU" dirty="0"/>
+              <a:t>В разработке</a:t>
+            </a:r>
+          </a:p>
+        </p:txBody>
+      </p:sp>
+      <p:sp>
+        <p:nvSpPr>
+          <p:cNvPr id="5" name="Текст 4">
+            <a:extLst>
+              <a:ext uri="{FF2B5EF4-FFF2-40B4-BE49-F238E27FC236}">
+                <a16:creationId xmlns:a16="http://schemas.microsoft.com/office/drawing/2014/main" id="{4434A96B-809C-43E1-A2C5-BA1C568EB61D}"/>
+              </a:ext>
+            </a:extLst>
+          </p:cNvPr>
+          <p:cNvSpPr>
+            <a:spLocks noGrp="1"/>
+          </p:cNvSpPr>
+          <p:nvPr>
+            <p:ph type="body" idx="1"/>
+          </p:nvPr>
+        </p:nvSpPr>
+        <p:spPr/>
+        <p:txBody>
+          <a:bodyPr/>
+          <a:lstStyle/>
+          <a:p>
+            <a:endParaRPr lang="ru-RU"/>
+          </a:p>
+        </p:txBody>
+      </p:sp>
+    </p:spTree>
+    <p:extLst>
+      <p:ext uri="{BB962C8B-B14F-4D97-AF65-F5344CB8AC3E}">
+        <p14:creationId xmlns:p14="http://schemas.microsoft.com/office/powerpoint/2010/main" val="1932807413"/>
+      </p:ext>
+    </p:extLst>
+  </p:cSld>
+  <p:clrMapOvr>
+    <a:masterClrMapping/>
+  </p:clrMapOvr>
+</p:sld>
+</file>
+
+<file path=ppt/slides/slide27.xml><?xml version="1.0" encoding="utf-8"?>
+<p:sld xmlns:a="http://schemas.openxmlformats.org/drawingml/2006/main" xmlns:r="http://schemas.openxmlformats.org/officeDocument/2006/relationships" xmlns:p="http://schemas.openxmlformats.org/presentationml/2006/main">
+  <p:cSld>
+    <p:spTree>
+      <p:nvGrpSpPr>
+        <p:cNvPr id="1" name=""/>
+        <p:cNvGrpSpPr/>
+        <p:nvPr/>
+      </p:nvGrpSpPr>
+      <p:grpSpPr>
+        <a:xfrm>
+          <a:off x="0" y="0"/>
+          <a:ext cx="0" cy="0"/>
+          <a:chOff x="0" y="0"/>
+          <a:chExt cx="0" cy="0"/>
+        </a:xfrm>
+      </p:grpSpPr>
+      <p:sp>
+        <p:nvSpPr>
+          <p:cNvPr id="2" name="Объект 1">
+            <a:extLst>
+              <a:ext uri="{FF2B5EF4-FFF2-40B4-BE49-F238E27FC236}">
+                <a16:creationId xmlns:a16="http://schemas.microsoft.com/office/drawing/2014/main" id="{2BCFCED9-B8F3-4F63-8989-DBAB3BB311CF}"/>
+              </a:ext>
+            </a:extLst>
+          </p:cNvPr>
+          <p:cNvSpPr>
+            <a:spLocks noGrp="1"/>
+          </p:cNvSpPr>
+          <p:nvPr>
+            <p:ph idx="4294967295"/>
+          </p:nvPr>
+        </p:nvSpPr>
+        <p:spPr/>
+        <p:txBody>
+          <a:bodyPr/>
+          <a:lstStyle/>
+          <a:p>
+            <a:endParaRPr lang="ru-RU"/>
+          </a:p>
+        </p:txBody>
+      </p:sp>
+      <p:sp>
+        <p:nvSpPr>
+          <p:cNvPr id="3" name="Заголовок 2">
+            <a:extLst>
+              <a:ext uri="{FF2B5EF4-FFF2-40B4-BE49-F238E27FC236}">
+                <a16:creationId xmlns:a16="http://schemas.microsoft.com/office/drawing/2014/main" id="{2219D8DE-18AE-4951-B6E1-B770A1E1FDCA}"/>
+              </a:ext>
+            </a:extLst>
+          </p:cNvPr>
+          <p:cNvSpPr>
+            <a:spLocks noGrp="1"/>
+          </p:cNvSpPr>
+          <p:nvPr>
+            <p:ph type="title"/>
+          </p:nvPr>
+        </p:nvSpPr>
+        <p:spPr/>
+        <p:txBody>
+          <a:bodyPr/>
+          <a:lstStyle/>
+          <a:p>
+            <a:r>
+              <a:rPr lang="ru-RU" dirty="0"/>
+              <a:t>Занятие 5. Формы</a:t>
+            </a:r>
+          </a:p>
+        </p:txBody>
+      </p:sp>
+    </p:spTree>
+    <p:extLst>
+      <p:ext uri="{BB962C8B-B14F-4D97-AF65-F5344CB8AC3E}">
+        <p14:creationId xmlns:p14="http://schemas.microsoft.com/office/powerpoint/2010/main" val="5759341"/>
+      </p:ext>
+    </p:extLst>
+  </p:cSld>
+  <p:clrMapOvr>
+    <a:masterClrMapping/>
+  </p:clrMapOvr>
+</p:sld>
+</file>
+
+<file path=ppt/slides/slide28.xml><?xml version="1.0" encoding="utf-8"?>
+<p:sld xmlns:a="http://schemas.openxmlformats.org/drawingml/2006/main" xmlns:r="http://schemas.openxmlformats.org/officeDocument/2006/relationships" xmlns:p="http://schemas.openxmlformats.org/presentationml/2006/main">
+  <p:cSld>
+    <p:spTree>
+      <p:nvGrpSpPr>
+        <p:cNvPr id="1" name=""/>
+        <p:cNvGrpSpPr/>
+        <p:nvPr/>
+      </p:nvGrpSpPr>
+      <p:grpSpPr>
+        <a:xfrm>
+          <a:off x="0" y="0"/>
+          <a:ext cx="0" cy="0"/>
+          <a:chOff x="0" y="0"/>
+          <a:chExt cx="0" cy="0"/>
+        </a:xfrm>
+      </p:grpSpPr>
+      <p:sp>
+        <p:nvSpPr>
+          <p:cNvPr id="4" name="Заголовок 3">
+            <a:extLst>
+              <a:ext uri="{FF2B5EF4-FFF2-40B4-BE49-F238E27FC236}">
+                <a16:creationId xmlns:a16="http://schemas.microsoft.com/office/drawing/2014/main" id="{30C4F9C7-6FAB-4FF3-AD6B-53AAED2CA051}"/>
+              </a:ext>
+            </a:extLst>
+          </p:cNvPr>
+          <p:cNvSpPr>
+            <a:spLocks noGrp="1"/>
+          </p:cNvSpPr>
+          <p:nvPr>
+            <p:ph type="title"/>
+          </p:nvPr>
+        </p:nvSpPr>
+        <p:spPr/>
+        <p:txBody>
+          <a:bodyPr/>
+          <a:lstStyle/>
+          <a:p>
+            <a:r>
+              <a:rPr lang="ru-RU" dirty="0"/>
+              <a:t>Описание формы</a:t>
+            </a:r>
+          </a:p>
+        </p:txBody>
+      </p:sp>
+      <p:sp>
+        <p:nvSpPr>
+          <p:cNvPr id="5" name="Текст 4">
+            <a:extLst>
+              <a:ext uri="{FF2B5EF4-FFF2-40B4-BE49-F238E27FC236}">
+                <a16:creationId xmlns:a16="http://schemas.microsoft.com/office/drawing/2014/main" id="{4434A96B-809C-43E1-A2C5-BA1C568EB61D}"/>
+              </a:ext>
+            </a:extLst>
+          </p:cNvPr>
+          <p:cNvSpPr>
+            <a:spLocks noGrp="1"/>
+          </p:cNvSpPr>
+          <p:nvPr>
+            <p:ph type="body" idx="1"/>
+          </p:nvPr>
+        </p:nvSpPr>
+        <p:spPr>
+          <a:xfrm>
+            <a:off x="515389" y="1690689"/>
+            <a:ext cx="10515600" cy="4802186"/>
+          </a:xfrm>
+        </p:spPr>
+        <p:txBody>
+          <a:bodyPr>
+            <a:normAutofit fontScale="92500" lnSpcReduction="10000"/>
+          </a:bodyPr>
+          <a:lstStyle/>
+          <a:p>
+            <a:pPr marL="0" indent="0">
+              <a:buNone/>
+            </a:pPr>
+            <a:r>
+              <a:rPr lang="ru-RU" b="0" dirty="0"/>
+              <a:t>Форма описывается в </a:t>
+            </a:r>
+            <a:r>
+              <a:rPr lang="en-US" b="0" dirty="0"/>
+              <a:t>render() </a:t>
+            </a:r>
+            <a:r>
+              <a:rPr lang="ru-RU" b="0" dirty="0"/>
+              <a:t>в </a:t>
+            </a:r>
+            <a:r>
+              <a:rPr lang="en-US" b="0" dirty="0"/>
+              <a:t>JSX</a:t>
+            </a:r>
+            <a:r>
+              <a:rPr lang="ru-RU" b="0" dirty="0"/>
+              <a:t>, например так:</a:t>
+            </a:r>
+          </a:p>
+          <a:p>
+            <a:pPr marL="0" indent="0">
+              <a:buNone/>
+            </a:pPr>
+            <a:r>
+              <a:rPr lang="en-US" dirty="0"/>
+              <a:t>render() {</a:t>
+            </a:r>
+          </a:p>
+          <a:p>
+            <a:pPr marL="0" indent="0">
+              <a:buNone/>
+            </a:pPr>
+            <a:r>
+              <a:rPr lang="en-US" dirty="0"/>
+              <a:t>	return (</a:t>
+            </a:r>
+          </a:p>
+          <a:p>
+            <a:pPr marL="0" indent="0">
+              <a:buNone/>
+            </a:pPr>
+            <a:r>
+              <a:rPr lang="en-US" dirty="0"/>
+              <a:t>		&lt;form </a:t>
+            </a:r>
+            <a:r>
+              <a:rPr lang="en-US" dirty="0" err="1"/>
+              <a:t>onSubmit</a:t>
+            </a:r>
+            <a:r>
+              <a:rPr lang="en-US" dirty="0"/>
+              <a:t>={</a:t>
+            </a:r>
+            <a:r>
+              <a:rPr lang="en-US" dirty="0" err="1"/>
+              <a:t>this.onSubmit</a:t>
+            </a:r>
+            <a:r>
+              <a:rPr lang="en-US" dirty="0"/>
+              <a:t>}&gt;</a:t>
+            </a:r>
+          </a:p>
+          <a:p>
+            <a:pPr marL="0" indent="0">
+              <a:buNone/>
+            </a:pPr>
+            <a:r>
+              <a:rPr lang="en-US" dirty="0"/>
+              <a:t>			&lt;input</a:t>
+            </a:r>
+            <a:r>
+              <a:rPr lang="ru-RU" dirty="0"/>
+              <a:t> </a:t>
+            </a:r>
+            <a:r>
+              <a:rPr lang="en-US" dirty="0"/>
+              <a:t>type=“text” name=“login”/&gt;</a:t>
+            </a:r>
+          </a:p>
+          <a:p>
+            <a:pPr marL="0" indent="0">
+              <a:buNone/>
+            </a:pPr>
+            <a:r>
+              <a:rPr lang="en-US" dirty="0"/>
+              <a:t>			&lt;input type=“submit” value=“</a:t>
+            </a:r>
+            <a:r>
+              <a:rPr lang="ru-RU" dirty="0"/>
+              <a:t>Войти</a:t>
+            </a:r>
+            <a:r>
+              <a:rPr lang="en-US" dirty="0"/>
+              <a:t>”/&gt;</a:t>
+            </a:r>
+          </a:p>
+          <a:p>
+            <a:pPr marL="0" indent="0">
+              <a:buNone/>
+            </a:pPr>
+            <a:r>
+              <a:rPr lang="en-US" dirty="0"/>
+              <a:t>		&lt;/form&gt;</a:t>
+            </a:r>
+          </a:p>
+          <a:p>
+            <a:pPr marL="0" indent="0">
+              <a:buNone/>
+            </a:pPr>
+            <a:r>
+              <a:rPr lang="en-US" dirty="0"/>
+              <a:t>	);</a:t>
+            </a:r>
+          </a:p>
+          <a:p>
+            <a:pPr marL="0" indent="0">
+              <a:buNone/>
+            </a:pPr>
+            <a:r>
+              <a:rPr lang="en-US" dirty="0"/>
+              <a:t>}</a:t>
+            </a:r>
+          </a:p>
+          <a:p>
+            <a:pPr marL="0" indent="0">
+              <a:buNone/>
+            </a:pPr>
+            <a:endParaRPr lang="ru-RU" dirty="0"/>
+          </a:p>
+        </p:txBody>
+      </p:sp>
+    </p:spTree>
+    <p:extLst>
+      <p:ext uri="{BB962C8B-B14F-4D97-AF65-F5344CB8AC3E}">
+        <p14:creationId xmlns:p14="http://schemas.microsoft.com/office/powerpoint/2010/main" val="816039655"/>
+      </p:ext>
+    </p:extLst>
+  </p:cSld>
+  <p:clrMapOvr>
+    <a:masterClrMapping/>
+  </p:clrMapOvr>
+</p:sld>
+</file>
+
+<file path=ppt/slides/slide29.xml><?xml version="1.0" encoding="utf-8"?>
+<p:sld xmlns:a="http://schemas.openxmlformats.org/drawingml/2006/main" xmlns:r="http://schemas.openxmlformats.org/officeDocument/2006/relationships" xmlns:p="http://schemas.openxmlformats.org/presentationml/2006/main">
+  <p:cSld>
+    <p:spTree>
+      <p:nvGrpSpPr>
+        <p:cNvPr id="1" name=""/>
+        <p:cNvGrpSpPr/>
+        <p:nvPr/>
+      </p:nvGrpSpPr>
+      <p:grpSpPr>
+        <a:xfrm>
+          <a:off x="0" y="0"/>
+          <a:ext cx="0" cy="0"/>
+          <a:chOff x="0" y="0"/>
+          <a:chExt cx="0" cy="0"/>
+        </a:xfrm>
+      </p:grpSpPr>
+      <p:sp>
+        <p:nvSpPr>
+          <p:cNvPr id="2" name="Заголовок 1">
+            <a:extLst>
+              <a:ext uri="{FF2B5EF4-FFF2-40B4-BE49-F238E27FC236}">
+                <a16:creationId xmlns:a16="http://schemas.microsoft.com/office/drawing/2014/main" id="{58EAC805-B5CF-494A-9B2B-FC9372340920}"/>
+              </a:ext>
+            </a:extLst>
+          </p:cNvPr>
+          <p:cNvSpPr>
+            <a:spLocks noGrp="1"/>
+          </p:cNvSpPr>
+          <p:nvPr>
+            <p:ph type="title"/>
+          </p:nvPr>
+        </p:nvSpPr>
+        <p:spPr/>
+        <p:txBody>
+          <a:bodyPr/>
+          <a:lstStyle/>
+          <a:p>
+            <a:r>
+              <a:rPr lang="ru-RU" dirty="0"/>
+              <a:t>Хранение данных формы</a:t>
+            </a:r>
+          </a:p>
+        </p:txBody>
+      </p:sp>
+      <p:sp>
+        <p:nvSpPr>
+          <p:cNvPr id="3" name="Текст 2">
+            <a:extLst>
+              <a:ext uri="{FF2B5EF4-FFF2-40B4-BE49-F238E27FC236}">
+                <a16:creationId xmlns:a16="http://schemas.microsoft.com/office/drawing/2014/main" id="{F1CCC0FE-F442-4ABF-B9F3-F59C0DC0D487}"/>
+              </a:ext>
+            </a:extLst>
+          </p:cNvPr>
+          <p:cNvSpPr>
+            <a:spLocks noGrp="1"/>
+          </p:cNvSpPr>
+          <p:nvPr>
+            <p:ph type="body" idx="1"/>
+          </p:nvPr>
+        </p:nvSpPr>
+        <p:spPr>
+          <a:xfrm>
+            <a:off x="515389" y="1690689"/>
+            <a:ext cx="10515600" cy="4802186"/>
+          </a:xfrm>
+        </p:spPr>
+        <p:txBody>
+          <a:bodyPr/>
+          <a:lstStyle/>
+          <a:p>
+            <a:pPr marL="0" indent="0">
+              <a:buNone/>
+            </a:pPr>
+            <a:r>
+              <a:rPr lang="ru-RU" b="0" dirty="0"/>
+              <a:t>Данные формы лучше всего хранить в </a:t>
+            </a:r>
+            <a:r>
+              <a:rPr lang="en-US" b="0" dirty="0"/>
+              <a:t>state</a:t>
+            </a:r>
+          </a:p>
+          <a:p>
+            <a:pPr marL="0" indent="0">
+              <a:buNone/>
+            </a:pPr>
+            <a:r>
+              <a:rPr lang="en-US" dirty="0"/>
+              <a:t>constructor(props){</a:t>
+            </a:r>
+          </a:p>
+          <a:p>
+            <a:pPr marL="0" indent="0">
+              <a:buNone/>
+            </a:pPr>
+            <a:r>
+              <a:rPr lang="en-US" dirty="0"/>
+              <a:t>    super(props);</a:t>
+            </a:r>
+          </a:p>
+          <a:p>
+            <a:pPr marL="0" indent="0">
+              <a:buNone/>
+            </a:pPr>
+            <a:r>
+              <a:rPr lang="en-US" dirty="0"/>
+              <a:t>    </a:t>
+            </a:r>
+            <a:r>
+              <a:rPr lang="en-US" dirty="0" err="1"/>
+              <a:t>this.state</a:t>
+            </a:r>
+            <a:r>
+              <a:rPr lang="en-US" dirty="0"/>
+              <a:t> = {login: ''};</a:t>
+            </a:r>
+          </a:p>
+          <a:p>
+            <a:pPr marL="0" indent="0">
+              <a:buNone/>
+            </a:pPr>
+            <a:r>
+              <a:rPr lang="en-US" dirty="0"/>
+              <a:t>}</a:t>
+            </a:r>
+          </a:p>
+          <a:p>
+            <a:pPr marL="0" indent="0">
+              <a:buNone/>
+            </a:pPr>
+            <a:endParaRPr lang="ru-RU" dirty="0"/>
+          </a:p>
+        </p:txBody>
+      </p:sp>
+    </p:spTree>
+    <p:extLst>
+      <p:ext uri="{BB962C8B-B14F-4D97-AF65-F5344CB8AC3E}">
+        <p14:creationId xmlns:p14="http://schemas.microsoft.com/office/powerpoint/2010/main" val="3079991800"/>
       </p:ext>
     </p:extLst>
   </p:cSld>
@@ -6191,10 +12302,10 @@
       </p:grpSpPr>
       <p:sp>
         <p:nvSpPr>
-          <p:cNvPr id="4" name="Заголовок 3">
+          <p:cNvPr id="2" name="Заголовок 1">
             <a:extLst>
               <a:ext uri="{FF2B5EF4-FFF2-40B4-BE49-F238E27FC236}">
-                <a16:creationId xmlns:a16="http://schemas.microsoft.com/office/drawing/2014/main" id="{49606BF2-31FC-4CDF-B794-BD056BB6E6DB}"/>
+                <a16:creationId xmlns:a16="http://schemas.microsoft.com/office/drawing/2014/main" id="{8F304853-D478-469A-87B2-6FA440A0C221}"/>
               </a:ext>
             </a:extLst>
           </p:cNvPr>
@@ -6211,20 +12322,8 @@
           <a:lstStyle/>
           <a:p>
             <a:r>
-              <a:rPr lang="ru-RU" dirty="0"/>
-              <a:t>Установка </a:t>
-            </a:r>
-            <a:r>
               <a:rPr lang="en-US" dirty="0"/>
-              <a:t>Node.JS </a:t>
-            </a:r>
-            <a:r>
-              <a:rPr lang="ru-RU" dirty="0"/>
-              <a:t>и </a:t>
-            </a:r>
-            <a:r>
-              <a:rPr lang="en-US" dirty="0" err="1"/>
-              <a:t>npm</a:t>
+              <a:t>React</a:t>
             </a:r>
             <a:endParaRPr lang="ru-RU" dirty="0"/>
           </a:p>
@@ -6232,10 +12331,10 @@
       </p:sp>
       <p:sp>
         <p:nvSpPr>
-          <p:cNvPr id="5" name="Текст 4">
+          <p:cNvPr id="3" name="Текст 2">
             <a:extLst>
               <a:ext uri="{FF2B5EF4-FFF2-40B4-BE49-F238E27FC236}">
-                <a16:creationId xmlns:a16="http://schemas.microsoft.com/office/drawing/2014/main" id="{DFC6F756-14F6-4604-87D4-A4DDBACB1BFA}"/>
+                <a16:creationId xmlns:a16="http://schemas.microsoft.com/office/drawing/2014/main" id="{7F668576-6991-4283-B29D-F152B35DF65E}"/>
               </a:ext>
             </a:extLst>
           </p:cNvPr>
@@ -6259,16 +12358,41 @@
           <a:lstStyle/>
           <a:p>
             <a:r>
+              <a:rPr lang="en-US" dirty="0"/>
+              <a:t>React</a:t>
+            </a:r>
+            <a:r>
+              <a:rPr lang="en-US" b="0" dirty="0"/>
+              <a:t> –</a:t>
+            </a:r>
+            <a:r>
               <a:rPr lang="ru-RU" b="0" dirty="0"/>
-              <a:t>Установить Node.JS (вместе с </a:t>
-            </a:r>
-            <a:r>
-              <a:rPr lang="ru-RU" b="0" dirty="0" err="1"/>
-              <a:t>npm</a:t>
+              <a:t> это библиотека </a:t>
+            </a:r>
+            <a:r>
+              <a:rPr lang="en-US" b="0" dirty="0"/>
+              <a:t>JavaScript</a:t>
             </a:r>
             <a:r>
               <a:rPr lang="ru-RU" b="0" dirty="0"/>
-              <a:t>)</a:t>
+              <a:t>, которая используется для создания </a:t>
+            </a:r>
+            <a:r>
+              <a:rPr lang="en-US" b="0" dirty="0"/>
+              <a:t>frontend</a:t>
+            </a:r>
+            <a:r>
+              <a:rPr lang="ru-RU" b="0" dirty="0"/>
+              <a:t>-приложений.</a:t>
+            </a:r>
+          </a:p>
+          <a:p>
+            <a:endParaRPr lang="ru-RU" b="0" dirty="0"/>
+          </a:p>
+          <a:p>
+            <a:r>
+              <a:rPr lang="ru-RU" b="0" dirty="0"/>
+              <a:t>Для краткого знакомства </a:t>
             </a:r>
           </a:p>
           <a:p>
@@ -6276,90 +12400,96 @@
               <a:buNone/>
             </a:pPr>
             <a:r>
-              <a:rPr lang="ru-RU" b="0" dirty="0">
+              <a:rPr lang="ru-RU" b="0" dirty="0"/>
+              <a:t>с возможностями </a:t>
+            </a:r>
+            <a:r>
+              <a:rPr lang="en-US" b="0" dirty="0"/>
+              <a:t>React </a:t>
+            </a:r>
+            <a:r>
+              <a:rPr lang="ru-RU" b="0" dirty="0"/>
+              <a:t>можете </a:t>
+            </a:r>
+          </a:p>
+          <a:p>
+            <a:pPr marL="0" indent="0">
+              <a:buNone/>
+            </a:pPr>
+            <a:r>
+              <a:rPr lang="ru-RU" b="0" dirty="0"/>
+              <a:t>сделать таймер по статье:</a:t>
+            </a:r>
+            <a:r>
+              <a:rPr lang="en-US" b="0" dirty="0"/>
+              <a:t> </a:t>
+            </a:r>
+            <a:endParaRPr lang="ru-RU" b="0" dirty="0"/>
+          </a:p>
+          <a:p>
+            <a:pPr marL="0" indent="0">
+              <a:buNone/>
+            </a:pPr>
+            <a:r>
+              <a:rPr lang="ru-RU" sz="2400" b="0" dirty="0"/>
+              <a:t>«Начать с React и Bootstrap за 2 дня»</a:t>
+            </a:r>
+            <a:endParaRPr lang="en-US" sz="2400" b="0" dirty="0"/>
+          </a:p>
+          <a:p>
+            <a:pPr marL="0" indent="0">
+              <a:buNone/>
+            </a:pPr>
+            <a:r>
+              <a:rPr lang="en-US" sz="2400" dirty="0">
                 <a:hlinkClick r:id="rId2"/>
               </a:rPr>
-              <a:t>https://nodejs.org/en/download/</a:t>
+              <a:t>https://habr.com/ru/post/431826/</a:t>
             </a:r>
             <a:endParaRPr lang="ru-RU" b="0" dirty="0"/>
           </a:p>
-          <a:p>
-            <a:r>
-              <a:rPr lang="ru-RU" b="0" dirty="0"/>
-              <a:t>На </a:t>
-            </a:r>
-            <a:r>
-              <a:rPr lang="ru-RU" b="0" dirty="0" err="1"/>
-              <a:t>macOS</a:t>
-            </a:r>
-            <a:r>
-              <a:rPr lang="ru-RU" b="0" dirty="0"/>
-              <a:t> может возникнуть ошибка, решение:</a:t>
-            </a:r>
-          </a:p>
-          <a:p>
-            <a:pPr marL="0" indent="0">
-              <a:buNone/>
-            </a:pPr>
-            <a:r>
-              <a:rPr lang="en-US" b="0" dirty="0">
-                <a:hlinkClick r:id="rId3"/>
-              </a:rPr>
-              <a:t>https://support.apple.com/ru-ru/HT202491</a:t>
-            </a:r>
-            <a:endParaRPr lang="ru-RU" b="0" dirty="0"/>
-          </a:p>
-          <a:p>
-            <a:r>
-              <a:rPr lang="ru-RU" b="0" dirty="0"/>
-              <a:t>Проверить версию Node.JS</a:t>
-            </a:r>
-          </a:p>
-          <a:p>
-            <a:pPr marL="0" indent="0">
-              <a:buNone/>
-            </a:pPr>
-            <a:r>
-              <a:rPr lang="en-US" dirty="0"/>
-              <a:t>node –v</a:t>
-            </a:r>
-          </a:p>
-          <a:p>
-            <a:pPr marL="0" indent="0">
-              <a:buNone/>
-            </a:pPr>
-            <a:r>
-              <a:rPr lang="en-US" dirty="0" err="1"/>
-              <a:t>npm</a:t>
-            </a:r>
-            <a:r>
-              <a:rPr lang="en-US" dirty="0"/>
-              <a:t> –v</a:t>
-            </a:r>
-          </a:p>
-          <a:p>
-            <a:pPr marL="0" indent="0">
-              <a:buNone/>
-            </a:pPr>
-            <a:r>
-              <a:rPr lang="ru-RU" b="0" dirty="0"/>
-              <a:t>Если вывелась версия, то всё </a:t>
-            </a:r>
-            <a:r>
-              <a:rPr lang="ru-RU" b="0" dirty="0" err="1"/>
-              <a:t>ок</a:t>
-            </a:r>
-            <a:r>
-              <a:rPr lang="ru-RU" b="0" dirty="0"/>
-              <a:t>.</a:t>
-            </a:r>
-          </a:p>
-        </p:txBody>
-      </p:sp>
+        </p:txBody>
+      </p:sp>
+      <p:pic>
+        <p:nvPicPr>
+          <p:cNvPr id="5" name="Рисунок 4" descr="Изображение выглядит как снимок экрана&#10;&#10;Автоматически созданное описание">
+            <a:extLst>
+              <a:ext uri="{FF2B5EF4-FFF2-40B4-BE49-F238E27FC236}">
+                <a16:creationId xmlns:a16="http://schemas.microsoft.com/office/drawing/2014/main" id="{3204254E-3200-4EFF-831A-6D22209D752A}"/>
+              </a:ext>
+            </a:extLst>
+          </p:cNvPr>
+          <p:cNvPicPr>
+            <a:picLocks noChangeAspect="1"/>
+          </p:cNvPicPr>
+          <p:nvPr/>
+        </p:nvPicPr>
+        <p:blipFill>
+          <a:blip r:embed="rId3">
+            <a:extLst>
+              <a:ext uri="{28A0092B-C50C-407E-A947-70E740481C1C}">
+                <a14:useLocalDpi xmlns:a14="http://schemas.microsoft.com/office/drawing/2010/main" val="0"/>
+              </a:ext>
+            </a:extLst>
+          </a:blip>
+          <a:stretch>
+            <a:fillRect/>
+          </a:stretch>
+        </p:blipFill>
+        <p:spPr>
+          <a:xfrm>
+            <a:off x="6608264" y="3343275"/>
+            <a:ext cx="4422725" cy="3149600"/>
+          </a:xfrm>
+          <a:prstGeom prst="rect">
+            <a:avLst/>
+          </a:prstGeom>
+        </p:spPr>
+      </p:pic>
     </p:spTree>
     <p:extLst>
       <p:ext uri="{BB962C8B-B14F-4D97-AF65-F5344CB8AC3E}">
-        <p14:creationId xmlns:p14="http://schemas.microsoft.com/office/powerpoint/2010/main" val="2204905832"/>
+        <p14:creationId xmlns:p14="http://schemas.microsoft.com/office/powerpoint/2010/main" val="809220953"/>
       </p:ext>
     </p:extLst>
   </p:cSld>
@@ -6388,6 +12518,207 @@
       </p:grpSpPr>
       <p:sp>
         <p:nvSpPr>
+          <p:cNvPr id="4" name="Заголовок 3">
+            <a:extLst>
+              <a:ext uri="{FF2B5EF4-FFF2-40B4-BE49-F238E27FC236}">
+                <a16:creationId xmlns:a16="http://schemas.microsoft.com/office/drawing/2014/main" id="{49606BF2-31FC-4CDF-B794-BD056BB6E6DB}"/>
+              </a:ext>
+            </a:extLst>
+          </p:cNvPr>
+          <p:cNvSpPr>
+            <a:spLocks noGrp="1"/>
+          </p:cNvSpPr>
+          <p:nvPr>
+            <p:ph type="title"/>
+          </p:nvPr>
+        </p:nvSpPr>
+        <p:spPr/>
+        <p:txBody>
+          <a:bodyPr/>
+          <a:lstStyle/>
+          <a:p>
+            <a:r>
+              <a:rPr lang="ru-RU" dirty="0"/>
+              <a:t>Установка </a:t>
+            </a:r>
+            <a:r>
+              <a:rPr lang="en-US" dirty="0"/>
+              <a:t>Node.JS </a:t>
+            </a:r>
+            <a:r>
+              <a:rPr lang="ru-RU" dirty="0"/>
+              <a:t>и </a:t>
+            </a:r>
+            <a:r>
+              <a:rPr lang="en-US" dirty="0"/>
+              <a:t>npm</a:t>
+            </a:r>
+            <a:endParaRPr lang="ru-RU" dirty="0"/>
+          </a:p>
+        </p:txBody>
+      </p:sp>
+      <p:sp>
+        <p:nvSpPr>
+          <p:cNvPr id="5" name="Текст 4">
+            <a:extLst>
+              <a:ext uri="{FF2B5EF4-FFF2-40B4-BE49-F238E27FC236}">
+                <a16:creationId xmlns:a16="http://schemas.microsoft.com/office/drawing/2014/main" id="{DFC6F756-14F6-4604-87D4-A4DDBACB1BFA}"/>
+              </a:ext>
+            </a:extLst>
+          </p:cNvPr>
+          <p:cNvSpPr>
+            <a:spLocks noGrp="1"/>
+          </p:cNvSpPr>
+          <p:nvPr>
+            <p:ph type="body" idx="1"/>
+          </p:nvPr>
+        </p:nvSpPr>
+        <p:spPr>
+          <a:xfrm>
+            <a:off x="515389" y="1690689"/>
+            <a:ext cx="10515600" cy="4802186"/>
+          </a:xfrm>
+        </p:spPr>
+        <p:txBody>
+          <a:bodyPr>
+            <a:normAutofit fontScale="92500" lnSpcReduction="10000"/>
+          </a:bodyPr>
+          <a:lstStyle/>
+          <a:p>
+            <a:r>
+              <a:rPr lang="ru-RU" sz="3500" b="0" dirty="0"/>
+              <a:t>Установить Node.JS</a:t>
+            </a:r>
+          </a:p>
+          <a:p>
+            <a:pPr marL="0" indent="0">
+              <a:buNone/>
+            </a:pPr>
+            <a:r>
+              <a:rPr lang="ru-RU" sz="2600" b="0" dirty="0">
+                <a:hlinkClick r:id="rId2"/>
+              </a:rPr>
+              <a:t>https://nodejs.org/en/download/</a:t>
+            </a:r>
+            <a:endParaRPr lang="ru-RU" sz="2600" b="0" dirty="0"/>
+          </a:p>
+          <a:p>
+            <a:pPr marL="0" indent="0">
+              <a:buNone/>
+            </a:pPr>
+            <a:r>
+              <a:rPr lang="ru-RU" sz="2200" b="0" dirty="0"/>
+              <a:t>В него уже встроен npm</a:t>
+            </a:r>
+          </a:p>
+          <a:p>
+            <a:pPr marL="0" indent="0">
+              <a:buNone/>
+            </a:pPr>
+            <a:endParaRPr lang="ru-RU" sz="2600" b="0" dirty="0"/>
+          </a:p>
+          <a:p>
+            <a:r>
+              <a:rPr lang="ru-RU" sz="3500" b="0" dirty="0"/>
+              <a:t>Проверить версию Node.JS</a:t>
+            </a:r>
+          </a:p>
+          <a:p>
+            <a:pPr marL="0" indent="0">
+              <a:buNone/>
+            </a:pPr>
+            <a:r>
+              <a:rPr lang="en-US" sz="2600" dirty="0"/>
+              <a:t>node –v</a:t>
+            </a:r>
+          </a:p>
+          <a:p>
+            <a:pPr marL="0" indent="0">
+              <a:buNone/>
+            </a:pPr>
+            <a:r>
+              <a:rPr lang="en-US" sz="2600" dirty="0"/>
+              <a:t>npm –v</a:t>
+            </a:r>
+          </a:p>
+          <a:p>
+            <a:pPr marL="0" indent="0">
+              <a:buNone/>
+            </a:pPr>
+            <a:r>
+              <a:rPr lang="ru-RU" sz="2200" b="0" dirty="0"/>
+              <a:t>Если вывелись цифры, обозначающие номер версии, то всё </a:t>
+            </a:r>
+            <a:r>
+              <a:rPr lang="en-US" sz="2200" b="0" dirty="0"/>
+              <a:t>ok</a:t>
+            </a:r>
+            <a:r>
+              <a:rPr lang="ru-RU" sz="2200" b="0" dirty="0"/>
+              <a:t>.</a:t>
+            </a:r>
+          </a:p>
+          <a:p>
+            <a:endParaRPr lang="ru-RU" sz="2400" b="0" dirty="0"/>
+          </a:p>
+          <a:p>
+            <a:r>
+              <a:rPr lang="ru-RU" sz="2600" b="0" dirty="0"/>
+              <a:t>Если на macOS возникла ошибка, есть решение:</a:t>
+            </a:r>
+          </a:p>
+          <a:p>
+            <a:pPr marL="0" indent="0">
+              <a:buNone/>
+            </a:pPr>
+            <a:r>
+              <a:rPr lang="en-US" sz="2200" b="0" dirty="0">
+                <a:hlinkClick r:id="rId3"/>
+              </a:rPr>
+              <a:t>https://support.apple.com/ru-ru/HT202491</a:t>
+            </a:r>
+            <a:endParaRPr lang="ru-RU" sz="2200" b="0" dirty="0"/>
+          </a:p>
+          <a:p>
+            <a:pPr marL="0" indent="0">
+              <a:buNone/>
+            </a:pPr>
+            <a:endParaRPr lang="ru-RU" b="0" dirty="0"/>
+          </a:p>
+        </p:txBody>
+      </p:sp>
+    </p:spTree>
+    <p:extLst>
+      <p:ext uri="{BB962C8B-B14F-4D97-AF65-F5344CB8AC3E}">
+        <p14:creationId xmlns:p14="http://schemas.microsoft.com/office/powerpoint/2010/main" val="2204905832"/>
+      </p:ext>
+    </p:extLst>
+  </p:cSld>
+  <p:clrMapOvr>
+    <a:masterClrMapping/>
+  </p:clrMapOvr>
+</p:sld>
+</file>
+
+<file path=ppt/slides/slide5.xml><?xml version="1.0" encoding="utf-8"?>
+<p:sld xmlns:a="http://schemas.openxmlformats.org/drawingml/2006/main" xmlns:r="http://schemas.openxmlformats.org/officeDocument/2006/relationships" xmlns:p="http://schemas.openxmlformats.org/presentationml/2006/main">
+  <p:cSld>
+    <p:spTree>
+      <p:nvGrpSpPr>
+        <p:cNvPr id="1" name=""/>
+        <p:cNvGrpSpPr/>
+        <p:nvPr/>
+      </p:nvGrpSpPr>
+      <p:grpSpPr>
+        <a:xfrm>
+          <a:off x="0" y="0"/>
+          <a:ext cx="0" cy="0"/>
+          <a:chOff x="0" y="0"/>
+          <a:chExt cx="0" cy="0"/>
+        </a:xfrm>
+      </p:grpSpPr>
+      <p:sp>
+        <p:nvSpPr>
           <p:cNvPr id="2" name="Заголовок 1">
             <a:extLst>
               <a:ext uri="{FF2B5EF4-FFF2-40B4-BE49-F238E27FC236}">
@@ -6450,13 +12781,19 @@
               <a:buNone/>
             </a:pPr>
             <a:r>
-              <a:rPr lang="en-US" dirty="0"/>
+              <a:rPr lang="en-US" sz="2400" dirty="0"/>
               <a:t>cd «</a:t>
             </a:r>
             <a:r>
-              <a:rPr lang="ru-RU" dirty="0"/>
+              <a:rPr lang="ru-RU" sz="2400" dirty="0"/>
               <a:t>путь к папке»</a:t>
             </a:r>
+          </a:p>
+          <a:p>
+            <a:pPr marL="0" indent="0">
+              <a:buNone/>
+            </a:pPr>
+            <a:endParaRPr lang="ru-RU" sz="2400" dirty="0"/>
           </a:p>
           <a:p>
             <a:r>
@@ -6469,7 +12806,7 @@
               <a:buNone/>
             </a:pPr>
             <a:r>
-              <a:rPr lang="en-US" dirty="0"/>
+              <a:rPr lang="en-US" sz="2400" dirty="0"/>
               <a:t>create-react-app app-name</a:t>
             </a:r>
           </a:p>
@@ -6478,23 +12815,23 @@
               <a:buNone/>
             </a:pPr>
             <a:r>
-              <a:rPr lang="ru-RU" b="0" dirty="0"/>
+              <a:rPr lang="ru-RU" sz="2000" b="0" dirty="0"/>
               <a:t>Где</a:t>
             </a:r>
             <a:r>
-              <a:rPr lang="ru-RU" dirty="0"/>
+              <a:rPr lang="ru-RU" sz="2000" dirty="0"/>
               <a:t> </a:t>
             </a:r>
             <a:r>
-              <a:rPr lang="en-US" dirty="0"/>
+              <a:rPr lang="en-US" sz="2000" dirty="0"/>
               <a:t>app-name </a:t>
             </a:r>
             <a:r>
-              <a:rPr lang="en-US" b="0" dirty="0"/>
+              <a:rPr lang="en-US" sz="2000" b="0" dirty="0"/>
               <a:t>– </a:t>
             </a:r>
             <a:r>
-              <a:rPr lang="ru-RU" b="0" dirty="0"/>
+              <a:rPr lang="ru-RU" sz="2000" b="0" dirty="0"/>
               <a:t>название проекта</a:t>
             </a:r>
           </a:p>
@@ -6516,7 +12853,7 @@
 </p:sld>
 </file>
 
-<file path=ppt/slides/slide5.xml><?xml version="1.0" encoding="utf-8"?>
+<file path=ppt/slides/slide6.xml><?xml version="1.0" encoding="utf-8"?>
 <p:sld xmlns:a="http://schemas.openxmlformats.org/drawingml/2006/main" xmlns:r="http://schemas.openxmlformats.org/officeDocument/2006/relationships" xmlns:p="http://schemas.openxmlformats.org/presentationml/2006/main">
   <p:cSld>
     <p:spTree>
@@ -6548,7 +12885,7 @@
           <p:nvPr/>
         </p:nvPicPr>
         <p:blipFill>
-          <a:blip r:embed="rId2" cstate="print">
+          <a:blip r:embed="rId3" cstate="print">
             <a:extLst>
               <a:ext uri="{28A0092B-C50C-407E-A947-70E740481C1C}">
                 <a14:useLocalDpi xmlns:a14="http://schemas.microsoft.com/office/drawing/2010/main" val="0"/>
@@ -6561,8 +12898,8 @@
         </p:blipFill>
         <p:spPr>
           <a:xfrm>
-            <a:off x="8191716" y="1942038"/>
-            <a:ext cx="4000284" cy="2947164"/>
+            <a:off x="7227731" y="2199213"/>
+            <a:ext cx="4448880" cy="3277662"/>
           </a:xfrm>
           <a:prstGeom prst="rect">
             <a:avLst/>
@@ -6635,35 +12972,24 @@
               <a:buNone/>
             </a:pPr>
             <a:r>
-              <a:rPr lang="ru-RU" dirty="0" err="1"/>
-              <a:t>cd</a:t>
-            </a:r>
-            <a:r>
-              <a:rPr lang="ru-RU" dirty="0"/>
-              <a:t> </a:t>
-            </a:r>
-            <a:r>
-              <a:rPr lang="ru-RU" dirty="0" err="1"/>
-              <a:t>app-name</a:t>
-            </a:r>
-            <a:endParaRPr lang="ru-RU" dirty="0"/>
+              <a:rPr lang="ru-RU" sz="2400" dirty="0"/>
+              <a:t>cd app-name</a:t>
+            </a:r>
           </a:p>
           <a:p>
             <a:pPr marL="0" indent="0">
               <a:buNone/>
             </a:pPr>
             <a:r>
-              <a:rPr lang="ru-RU" b="0" dirty="0"/>
-              <a:t>Где </a:t>
-            </a:r>
-            <a:r>
-              <a:rPr lang="ru-RU" b="0" dirty="0" err="1"/>
-              <a:t>app-name</a:t>
-            </a:r>
-            <a:r>
-              <a:rPr lang="ru-RU" b="0" dirty="0"/>
-              <a:t> – название проекта</a:t>
-            </a:r>
+              <a:rPr lang="ru-RU" sz="2000" b="0" dirty="0"/>
+              <a:t>Где app-name – название проекта</a:t>
+            </a:r>
+          </a:p>
+          <a:p>
+            <a:pPr marL="0" indent="0">
+              <a:buNone/>
+            </a:pPr>
+            <a:endParaRPr lang="ru-RU" sz="2000" b="0" dirty="0"/>
           </a:p>
           <a:p>
             <a:r>
@@ -6676,18 +13002,15 @@
               <a:buNone/>
             </a:pPr>
             <a:r>
-              <a:rPr lang="ru-RU" dirty="0" err="1"/>
-              <a:t>npm</a:t>
-            </a:r>
-            <a:r>
-              <a:rPr lang="ru-RU" dirty="0"/>
-              <a:t> </a:t>
-            </a:r>
-            <a:r>
-              <a:rPr lang="ru-RU" dirty="0" err="1"/>
-              <a:t>start</a:t>
-            </a:r>
-            <a:endParaRPr lang="ru-RU" dirty="0"/>
+              <a:rPr lang="ru-RU" sz="2400" dirty="0"/>
+              <a:t>npm start</a:t>
+            </a:r>
+          </a:p>
+          <a:p>
+            <a:pPr marL="0" indent="0">
+              <a:buNone/>
+            </a:pPr>
+            <a:endParaRPr lang="ru-RU" sz="2400" dirty="0"/>
           </a:p>
           <a:p>
             <a:r>
@@ -6700,12 +13023,12 @@
               <a:buNone/>
             </a:pPr>
             <a:r>
-              <a:rPr lang="ru-RU" dirty="0">
-                <a:hlinkClick r:id="rId3"/>
+              <a:rPr lang="ru-RU" sz="2400" dirty="0">
+                <a:hlinkClick r:id="rId4"/>
               </a:rPr>
               <a:t>http://localhost:3000/</a:t>
             </a:r>
-            <a:endParaRPr lang="ru-RU" dirty="0"/>
+            <a:endParaRPr lang="ru-RU" sz="2400" dirty="0"/>
           </a:p>
           <a:p>
             <a:pPr marL="0" indent="0">
@@ -6719,97 +13042,6 @@
     <p:extLst>
       <p:ext uri="{BB962C8B-B14F-4D97-AF65-F5344CB8AC3E}">
         <p14:creationId xmlns:p14="http://schemas.microsoft.com/office/powerpoint/2010/main" val="3554977506"/>
-      </p:ext>
-    </p:extLst>
-  </p:cSld>
-  <p:clrMapOvr>
-    <a:masterClrMapping/>
-  </p:clrMapOvr>
-</p:sld>
-</file>
-
-<file path=ppt/slides/slide6.xml><?xml version="1.0" encoding="utf-8"?>
-<p:sld xmlns:a="http://schemas.openxmlformats.org/drawingml/2006/main" xmlns:r="http://schemas.openxmlformats.org/officeDocument/2006/relationships" xmlns:p="http://schemas.openxmlformats.org/presentationml/2006/main">
-  <p:cSld>
-    <p:spTree>
-      <p:nvGrpSpPr>
-        <p:cNvPr id="1" name=""/>
-        <p:cNvGrpSpPr/>
-        <p:nvPr/>
-      </p:nvGrpSpPr>
-      <p:grpSpPr>
-        <a:xfrm>
-          <a:off x="0" y="0"/>
-          <a:ext cx="0" cy="0"/>
-          <a:chOff x="0" y="0"/>
-          <a:chExt cx="0" cy="0"/>
-        </a:xfrm>
-      </p:grpSpPr>
-      <p:sp>
-        <p:nvSpPr>
-          <p:cNvPr id="13" name="Объект 12">
-            <a:extLst>
-              <a:ext uri="{FF2B5EF4-FFF2-40B4-BE49-F238E27FC236}">
-                <a16:creationId xmlns:a16="http://schemas.microsoft.com/office/drawing/2014/main" id="{90636B8D-CEA8-4C54-B857-0EAAE9EC5D5D}"/>
-              </a:ext>
-            </a:extLst>
-          </p:cNvPr>
-          <p:cNvSpPr>
-            <a:spLocks noGrp="1"/>
-          </p:cNvSpPr>
-          <p:nvPr>
-            <p:ph idx="4294967295"/>
-          </p:nvPr>
-        </p:nvSpPr>
-        <p:spPr/>
-        <p:txBody>
-          <a:bodyPr/>
-          <a:lstStyle/>
-          <a:p>
-            <a:endParaRPr lang="ru-RU"/>
-          </a:p>
-        </p:txBody>
-      </p:sp>
-      <p:sp>
-        <p:nvSpPr>
-          <p:cNvPr id="12" name="Заголовок 11">
-            <a:extLst>
-              <a:ext uri="{FF2B5EF4-FFF2-40B4-BE49-F238E27FC236}">
-                <a16:creationId xmlns:a16="http://schemas.microsoft.com/office/drawing/2014/main" id="{37FF5CC4-E931-4F06-9B19-612E1C55C940}"/>
-              </a:ext>
-            </a:extLst>
-          </p:cNvPr>
-          <p:cNvSpPr>
-            <a:spLocks noGrp="1"/>
-          </p:cNvSpPr>
-          <p:nvPr>
-            <p:ph type="title"/>
-          </p:nvPr>
-        </p:nvSpPr>
-        <p:spPr/>
-        <p:txBody>
-          <a:bodyPr/>
-          <a:lstStyle/>
-          <a:p>
-            <a:r>
-              <a:rPr lang="ru-RU" dirty="0"/>
-              <a:t>Занятие 2. </a:t>
-            </a:r>
-            <a:r>
-              <a:rPr lang="en-US" dirty="0"/>
-              <a:t>JSX </a:t>
-            </a:r>
-            <a:r>
-              <a:rPr lang="ru-RU" dirty="0"/>
-              <a:t>и компоненты</a:t>
-            </a:r>
-          </a:p>
-        </p:txBody>
-      </p:sp>
-    </p:spTree>
-    <p:extLst>
-      <p:ext uri="{BB962C8B-B14F-4D97-AF65-F5344CB8AC3E}">
-        <p14:creationId xmlns:p14="http://schemas.microsoft.com/office/powerpoint/2010/main" val="3507352814"/>
       </p:ext>
     </p:extLst>
   </p:cSld>
@@ -6836,12 +13068,43 @@
           <a:chExt cx="0" cy="0"/>
         </a:xfrm>
       </p:grpSpPr>
-      <p:sp>
-        <p:nvSpPr>
-          <p:cNvPr id="4" name="Заголовок 3">
+      <p:graphicFrame>
+        <p:nvGraphicFramePr>
+          <p:cNvPr id="4" name="Объект 3">
             <a:extLst>
               <a:ext uri="{FF2B5EF4-FFF2-40B4-BE49-F238E27FC236}">
-                <a16:creationId xmlns:a16="http://schemas.microsoft.com/office/drawing/2014/main" id="{30C4F9C7-6FAB-4FF3-AD6B-53AAED2CA051}"/>
+                <a16:creationId xmlns:a16="http://schemas.microsoft.com/office/drawing/2014/main" id="{74331D21-3162-4D68-BA60-B23AC5F56450}"/>
+              </a:ext>
+            </a:extLst>
+          </p:cNvPr>
+          <p:cNvGraphicFramePr>
+            <a:graphicFrameLocks noGrp="1"/>
+          </p:cNvGraphicFramePr>
+          <p:nvPr>
+            <p:ph idx="4294967295"/>
+            <p:extLst>
+              <p:ext uri="{D42A27DB-BD31-4B8C-83A1-F6EECF244321}">
+                <p14:modId xmlns:p14="http://schemas.microsoft.com/office/powerpoint/2010/main" val="3937113609"/>
+              </p:ext>
+            </p:extLst>
+          </p:nvPr>
+        </p:nvGraphicFramePr>
+        <p:xfrm>
+          <a:off x="838200" y="1825625"/>
+          <a:ext cx="10515600" cy="4351338"/>
+        </p:xfrm>
+        <a:graphic>
+          <a:graphicData uri="http://schemas.openxmlformats.org/drawingml/2006/diagram">
+            <dgm:relIds xmlns:dgm="http://schemas.openxmlformats.org/drawingml/2006/diagram" xmlns:r="http://schemas.openxmlformats.org/officeDocument/2006/relationships" r:dm="rId2" r:lo="rId3" r:qs="rId4" r:cs="rId5"/>
+          </a:graphicData>
+        </a:graphic>
+      </p:graphicFrame>
+      <p:sp>
+        <p:nvSpPr>
+          <p:cNvPr id="12" name="Заголовок 11">
+            <a:extLst>
+              <a:ext uri="{FF2B5EF4-FFF2-40B4-BE49-F238E27FC236}">
+                <a16:creationId xmlns:a16="http://schemas.microsoft.com/office/drawing/2014/main" id="{37FF5CC4-E931-4F06-9B19-612E1C55C940}"/>
               </a:ext>
             </a:extLst>
           </p:cNvPr>
@@ -6859,40 +13122,23 @@
           <a:p>
             <a:r>
               <a:rPr lang="ru-RU" dirty="0"/>
-              <a:t>В разработке</a:t>
-            </a:r>
-          </a:p>
-        </p:txBody>
-      </p:sp>
-      <p:sp>
-        <p:nvSpPr>
-          <p:cNvPr id="5" name="Текст 4">
-            <a:extLst>
-              <a:ext uri="{FF2B5EF4-FFF2-40B4-BE49-F238E27FC236}">
-                <a16:creationId xmlns:a16="http://schemas.microsoft.com/office/drawing/2014/main" id="{4434A96B-809C-43E1-A2C5-BA1C568EB61D}"/>
-              </a:ext>
-            </a:extLst>
-          </p:cNvPr>
-          <p:cNvSpPr>
-            <a:spLocks noGrp="1"/>
-          </p:cNvSpPr>
-          <p:nvPr>
-            <p:ph type="body" idx="1"/>
-          </p:nvPr>
-        </p:nvSpPr>
-        <p:spPr/>
-        <p:txBody>
-          <a:bodyPr/>
-          <a:lstStyle/>
-          <a:p>
-            <a:endParaRPr lang="ru-RU"/>
+              <a:t>Занятие 2. </a:t>
+            </a:r>
+            <a:r>
+              <a:rPr lang="en-US" dirty="0"/>
+              <a:t>JSX </a:t>
+            </a:r>
+            <a:r>
+              <a:rPr lang="ru-RU" dirty="0"/>
+              <a:t>и компоненты</a:t>
+            </a:r>
           </a:p>
         </p:txBody>
       </p:sp>
     </p:spTree>
     <p:extLst>
       <p:ext uri="{BB962C8B-B14F-4D97-AF65-F5344CB8AC3E}">
-        <p14:creationId xmlns:p14="http://schemas.microsoft.com/office/powerpoint/2010/main" val="2675689679"/>
+        <p14:creationId xmlns:p14="http://schemas.microsoft.com/office/powerpoint/2010/main" val="3507352814"/>
       </p:ext>
     </p:extLst>
   </p:cSld>
@@ -6921,35 +13167,10 @@
       </p:grpSpPr>
       <p:sp>
         <p:nvSpPr>
-          <p:cNvPr id="2" name="Объект 1">
+          <p:cNvPr id="4" name="Заголовок 3">
             <a:extLst>
               <a:ext uri="{FF2B5EF4-FFF2-40B4-BE49-F238E27FC236}">
-                <a16:creationId xmlns:a16="http://schemas.microsoft.com/office/drawing/2014/main" id="{DC64B5D6-060D-4BCD-95D9-76B228D7CC87}"/>
-              </a:ext>
-            </a:extLst>
-          </p:cNvPr>
-          <p:cNvSpPr>
-            <a:spLocks noGrp="1"/>
-          </p:cNvSpPr>
-          <p:nvPr>
-            <p:ph idx="4294967295"/>
-          </p:nvPr>
-        </p:nvSpPr>
-        <p:spPr/>
-        <p:txBody>
-          <a:bodyPr/>
-          <a:lstStyle/>
-          <a:p>
-            <a:endParaRPr lang="ru-RU"/>
-          </a:p>
-        </p:txBody>
-      </p:sp>
-      <p:sp>
-        <p:nvSpPr>
-          <p:cNvPr id="3" name="Заголовок 2">
-            <a:extLst>
-              <a:ext uri="{FF2B5EF4-FFF2-40B4-BE49-F238E27FC236}">
-                <a16:creationId xmlns:a16="http://schemas.microsoft.com/office/drawing/2014/main" id="{93BD49C2-C923-4E8D-8AA4-4DF99FBEA6BB}"/>
+                <a16:creationId xmlns:a16="http://schemas.microsoft.com/office/drawing/2014/main" id="{30C4F9C7-6FAB-4FF3-AD6B-53AAED2CA051}"/>
               </a:ext>
             </a:extLst>
           </p:cNvPr>
@@ -6966,16 +13187,161 @@
           <a:lstStyle/>
           <a:p>
             <a:r>
-              <a:rPr lang="ru-RU" dirty="0"/>
-              <a:t>Занятие 3. События и жизненный цикл</a:t>
-            </a:r>
+              <a:rPr lang="en-US" dirty="0"/>
+              <a:t>Hello, World!</a:t>
+            </a:r>
+            <a:endParaRPr lang="ru-RU" dirty="0"/>
+          </a:p>
+        </p:txBody>
+      </p:sp>
+      <p:sp>
+        <p:nvSpPr>
+          <p:cNvPr id="5" name="Текст 4">
+            <a:extLst>
+              <a:ext uri="{FF2B5EF4-FFF2-40B4-BE49-F238E27FC236}">
+                <a16:creationId xmlns:a16="http://schemas.microsoft.com/office/drawing/2014/main" id="{4434A96B-809C-43E1-A2C5-BA1C568EB61D}"/>
+              </a:ext>
+            </a:extLst>
+          </p:cNvPr>
+          <p:cNvSpPr>
+            <a:spLocks noGrp="1"/>
+          </p:cNvSpPr>
+          <p:nvPr>
+            <p:ph type="body" idx="1"/>
+          </p:nvPr>
+        </p:nvSpPr>
+        <p:spPr>
+          <a:xfrm>
+            <a:off x="515388" y="1690689"/>
+            <a:ext cx="11333711" cy="4802186"/>
+          </a:xfrm>
+        </p:spPr>
+        <p:txBody>
+          <a:bodyPr>
+            <a:normAutofit fontScale="85000" lnSpcReduction="20000"/>
+          </a:bodyPr>
+          <a:lstStyle/>
+          <a:p>
+            <a:r>
+              <a:rPr lang="ru-RU" sz="3800" b="0" dirty="0"/>
+              <a:t>В проекте открыть файл</a:t>
+            </a:r>
+            <a:r>
+              <a:rPr lang="en-US" sz="3800" b="0" dirty="0"/>
+              <a:t> </a:t>
+            </a:r>
+            <a:r>
+              <a:rPr lang="en-US" sz="3800" dirty="0"/>
+              <a:t>index.js</a:t>
+            </a:r>
+            <a:endParaRPr lang="ru-RU" sz="3800" dirty="0"/>
+          </a:p>
+          <a:p>
+            <a:pPr marL="0" indent="0">
+              <a:buNone/>
+            </a:pPr>
+            <a:r>
+              <a:rPr lang="ru-RU" sz="2800" b="0" dirty="0"/>
+              <a:t>Этот файл находится в папке </a:t>
+            </a:r>
+            <a:r>
+              <a:rPr lang="en-US" sz="2800" dirty="0"/>
+              <a:t>src</a:t>
+            </a:r>
+          </a:p>
+          <a:p>
+            <a:pPr marL="0" indent="0">
+              <a:buNone/>
+            </a:pPr>
+            <a:endParaRPr lang="en-US" sz="2400" dirty="0"/>
+          </a:p>
+          <a:p>
+            <a:r>
+              <a:rPr lang="ru-RU" sz="3800" b="0" dirty="0"/>
+              <a:t>Заменить текст </a:t>
+            </a:r>
+          </a:p>
+          <a:p>
+            <a:pPr marL="0" indent="0">
+              <a:buNone/>
+            </a:pPr>
+            <a:r>
+              <a:rPr lang="en-US" sz="2800" b="0" dirty="0"/>
+              <a:t>ReactDOM.render(&lt;App /&gt;,  document.getElementById('root’));</a:t>
+            </a:r>
+            <a:endParaRPr lang="ru-RU" sz="2800" b="0" dirty="0"/>
+          </a:p>
+          <a:p>
+            <a:endParaRPr lang="ru-RU" sz="2400" b="0" dirty="0"/>
+          </a:p>
+          <a:p>
+            <a:r>
+              <a:rPr lang="ru-RU" sz="3800" b="0" dirty="0"/>
+              <a:t>На следующий текст</a:t>
+            </a:r>
+          </a:p>
+          <a:p>
+            <a:pPr marL="0" indent="0">
+              <a:buNone/>
+            </a:pPr>
+            <a:r>
+              <a:rPr lang="en-US" sz="2800" b="0" dirty="0"/>
+              <a:t>ReactDOM.render(&lt;h1&gt;Hello, world!&lt;/h1&gt;, document.getElementById('root'));</a:t>
+            </a:r>
+          </a:p>
+          <a:p>
+            <a:pPr marL="0" indent="0">
+              <a:buNone/>
+            </a:pPr>
+            <a:endParaRPr lang="ru-RU" sz="2400" b="0" dirty="0"/>
+          </a:p>
+          <a:p>
+            <a:r>
+              <a:rPr lang="ru-RU" sz="3800" b="0" dirty="0"/>
+              <a:t>В браузере будет выведено</a:t>
+            </a:r>
+            <a:r>
+              <a:rPr lang="en-US" sz="3800" b="0" dirty="0"/>
+              <a:t>: </a:t>
+            </a:r>
+          </a:p>
+          <a:p>
+            <a:pPr marL="0" indent="0">
+              <a:buNone/>
+            </a:pPr>
+            <a:r>
+              <a:rPr lang="en-US" sz="2800" b="0" dirty="0"/>
+              <a:t>Hello, world!</a:t>
+            </a:r>
+          </a:p>
+          <a:p>
+            <a:pPr marL="0" indent="0">
+              <a:buNone/>
+            </a:pPr>
+            <a:r>
+              <a:rPr lang="ru-RU" sz="2400" b="0" dirty="0"/>
+              <a:t>По адресу </a:t>
+            </a:r>
+            <a:r>
+              <a:rPr lang="ru-RU" sz="2400" dirty="0">
+                <a:hlinkClick r:id="rId2"/>
+              </a:rPr>
+              <a:t>http://localhost:3000/</a:t>
+            </a:r>
+            <a:endParaRPr lang="ru-RU" sz="2400" dirty="0"/>
+          </a:p>
+          <a:p>
+            <a:pPr marL="0" indent="0">
+              <a:buNone/>
+            </a:pPr>
+            <a:endParaRPr lang="ru-RU" sz="3500" b="0" dirty="0"/>
           </a:p>
         </p:txBody>
       </p:sp>
     </p:spTree>
     <p:extLst>
       <p:ext uri="{BB962C8B-B14F-4D97-AF65-F5344CB8AC3E}">
-        <p14:creationId xmlns:p14="http://schemas.microsoft.com/office/powerpoint/2010/main" val="3936014466"/>
+        <p14:creationId xmlns:p14="http://schemas.microsoft.com/office/powerpoint/2010/main" val="2675689679"/>
       </p:ext>
     </p:extLst>
   </p:cSld>
@@ -7004,10 +13370,10 @@
       </p:grpSpPr>
       <p:sp>
         <p:nvSpPr>
-          <p:cNvPr id="4" name="Заголовок 3">
+          <p:cNvPr id="2" name="Заголовок 1">
             <a:extLst>
               <a:ext uri="{FF2B5EF4-FFF2-40B4-BE49-F238E27FC236}">
-                <a16:creationId xmlns:a16="http://schemas.microsoft.com/office/drawing/2014/main" id="{30C4F9C7-6FAB-4FF3-AD6B-53AAED2CA051}"/>
+                <a16:creationId xmlns:a16="http://schemas.microsoft.com/office/drawing/2014/main" id="{5CF3AFBA-D22C-4235-9EC1-79BAB37519F7}"/>
               </a:ext>
             </a:extLst>
           </p:cNvPr>
@@ -7024,18 +13390,19 @@
           <a:lstStyle/>
           <a:p>
             <a:r>
-              <a:rPr lang="ru-RU" dirty="0"/>
-              <a:t>В разработке</a:t>
-            </a:r>
-          </a:p>
-        </p:txBody>
-      </p:sp>
-      <p:sp>
-        <p:nvSpPr>
-          <p:cNvPr id="5" name="Текст 4">
+              <a:rPr lang="en-US" dirty="0"/>
+              <a:t>JSX</a:t>
+            </a:r>
+            <a:endParaRPr lang="ru-RU" dirty="0"/>
+          </a:p>
+        </p:txBody>
+      </p:sp>
+      <p:sp>
+        <p:nvSpPr>
+          <p:cNvPr id="3" name="Текст 2">
             <a:extLst>
               <a:ext uri="{FF2B5EF4-FFF2-40B4-BE49-F238E27FC236}">
-                <a16:creationId xmlns:a16="http://schemas.microsoft.com/office/drawing/2014/main" id="{4434A96B-809C-43E1-A2C5-BA1C568EB61D}"/>
+                <a16:creationId xmlns:a16="http://schemas.microsoft.com/office/drawing/2014/main" id="{0C1DEAC7-0D45-41FB-9B9F-010794F12F6A}"/>
               </a:ext>
             </a:extLst>
           </p:cNvPr>
@@ -7046,19 +13413,121 @@
             <p:ph type="body" idx="1"/>
           </p:nvPr>
         </p:nvSpPr>
-        <p:spPr/>
-        <p:txBody>
-          <a:bodyPr/>
+        <p:spPr>
+          <a:xfrm>
+            <a:off x="515389" y="1690689"/>
+            <a:ext cx="10515600" cy="4802186"/>
+          </a:xfrm>
+        </p:spPr>
+        <p:txBody>
+          <a:bodyPr>
+            <a:normAutofit/>
+          </a:bodyPr>
           <a:lstStyle/>
           <a:p>
-            <a:endParaRPr lang="ru-RU"/>
+            <a:r>
+              <a:rPr lang="en-US" dirty="0"/>
+              <a:t>JSX</a:t>
+            </a:r>
+            <a:r>
+              <a:rPr lang="en-US" b="0" dirty="0"/>
+              <a:t> – </a:t>
+            </a:r>
+            <a:r>
+              <a:rPr lang="ru-RU" b="0" dirty="0"/>
+              <a:t>это язык описания интерфейсов в </a:t>
+            </a:r>
+            <a:r>
+              <a:rPr lang="en-US" b="0" dirty="0"/>
+              <a:t>React, </a:t>
+            </a:r>
+            <a:r>
+              <a:rPr lang="ru-RU" b="0" dirty="0"/>
+              <a:t>который совмещает в себе </a:t>
+            </a:r>
+            <a:r>
+              <a:rPr lang="en-US" b="0" dirty="0"/>
+              <a:t>HTML </a:t>
+            </a:r>
+            <a:r>
+              <a:rPr lang="ru-RU" b="0" dirty="0"/>
+              <a:t>и </a:t>
+            </a:r>
+            <a:r>
+              <a:rPr lang="en-US" b="0" dirty="0"/>
+              <a:t>JavaScript</a:t>
+            </a:r>
+            <a:endParaRPr lang="ru-RU" b="0" dirty="0"/>
+          </a:p>
+          <a:p>
+            <a:endParaRPr lang="en-US" sz="2400" b="0" dirty="0"/>
+          </a:p>
+          <a:p>
+            <a:r>
+              <a:rPr lang="ru-RU" sz="2400" b="0" dirty="0"/>
+              <a:t>Помимо стандартных тегов </a:t>
+            </a:r>
+            <a:r>
+              <a:rPr lang="en-US" sz="2400" b="0" dirty="0"/>
+              <a:t>HTML</a:t>
+            </a:r>
+            <a:r>
+              <a:rPr lang="ru-RU" sz="2400" b="0" dirty="0"/>
+              <a:t>, написанных строчными (маленькими) буквами – можно использовать теги своих компонентов, написанные с заглавной(большой) буквы.</a:t>
+            </a:r>
+          </a:p>
+          <a:p>
+            <a:pPr marL="0" indent="0">
+              <a:buNone/>
+            </a:pPr>
+            <a:r>
+              <a:rPr lang="ru-RU" sz="2000" b="0" dirty="0"/>
+              <a:t>Например: </a:t>
+            </a:r>
+            <a:r>
+              <a:rPr lang="en-US" sz="2000" dirty="0"/>
+              <a:t>&lt;ul&gt;&lt;UserList/&gt;&lt;/ul&gt;</a:t>
+            </a:r>
+            <a:endParaRPr lang="ru-RU" sz="2000" dirty="0"/>
+          </a:p>
+          <a:p>
+            <a:endParaRPr lang="en-US" sz="2400" b="0" dirty="0"/>
+          </a:p>
+          <a:p>
+            <a:r>
+              <a:rPr lang="ru-RU" sz="2400" b="0" dirty="0"/>
+              <a:t>Можно подставлять выражения из </a:t>
+            </a:r>
+            <a:r>
+              <a:rPr lang="en-US" sz="2400" b="0" dirty="0"/>
+              <a:t>JavaScript</a:t>
+            </a:r>
+            <a:r>
+              <a:rPr lang="ru-RU" sz="2400" b="0" dirty="0"/>
+              <a:t> в фигурных скобках</a:t>
+            </a:r>
+            <a:endParaRPr lang="en-US" sz="2400" b="0" dirty="0"/>
+          </a:p>
+          <a:p>
+            <a:pPr marL="0" indent="0">
+              <a:buNone/>
+            </a:pPr>
+            <a:r>
+              <a:rPr lang="ru-RU" sz="2000" b="0" dirty="0"/>
+              <a:t>Например: </a:t>
+            </a:r>
+            <a:r>
+              <a:rPr lang="en-US" sz="2000" dirty="0"/>
+              <a:t>&lt;img src={user.avatarUrl}&gt;&lt;/img&gt;</a:t>
+            </a:r>
+            <a:endParaRPr lang="ru-RU" sz="2000" dirty="0"/>
           </a:p>
         </p:txBody>
       </p:sp>
     </p:spTree>
     <p:extLst>
       <p:ext uri="{BB962C8B-B14F-4D97-AF65-F5344CB8AC3E}">
-        <p14:creationId xmlns:p14="http://schemas.microsoft.com/office/powerpoint/2010/main" val="2460498850"/>
+        <p14:creationId xmlns:p14="http://schemas.microsoft.com/office/powerpoint/2010/main" val="2387977094"/>
       </p:ext>
     </p:extLst>
   </p:cSld>
